--- a/Demo.TypescriptGatewayDrug.pptx
+++ b/Demo.TypescriptGatewayDrug.pptx
@@ -5,18 +5,18 @@
     <p:sldMasterId id="2147483685" r:id="rId1"/>
   </p:sldMasterIdLst>
   <p:notesMasterIdLst>
-    <p:notesMasterId r:id="rId34"/>
+    <p:notesMasterId r:id="rId36"/>
   </p:notesMasterIdLst>
   <p:handoutMasterIdLst>
-    <p:handoutMasterId r:id="rId35"/>
+    <p:handoutMasterId r:id="rId37"/>
   </p:handoutMasterIdLst>
   <p:sldIdLst>
     <p:sldId id="306" r:id="rId2"/>
     <p:sldId id="307" r:id="rId3"/>
-    <p:sldId id="362" r:id="rId4"/>
-    <p:sldId id="340" r:id="rId5"/>
-    <p:sldId id="341" r:id="rId6"/>
-    <p:sldId id="342" r:id="rId7"/>
+    <p:sldId id="340" r:id="rId4"/>
+    <p:sldId id="341" r:id="rId5"/>
+    <p:sldId id="342" r:id="rId6"/>
+    <p:sldId id="372" r:id="rId7"/>
     <p:sldId id="363" r:id="rId8"/>
     <p:sldId id="343" r:id="rId9"/>
     <p:sldId id="344" r:id="rId10"/>
@@ -26,23 +26,25 @@
     <p:sldId id="359" r:id="rId14"/>
     <p:sldId id="361" r:id="rId15"/>
     <p:sldId id="364" r:id="rId16"/>
-    <p:sldId id="354" r:id="rId17"/>
-    <p:sldId id="366" r:id="rId18"/>
-    <p:sldId id="356" r:id="rId19"/>
-    <p:sldId id="367" r:id="rId20"/>
-    <p:sldId id="357" r:id="rId21"/>
-    <p:sldId id="368" r:id="rId22"/>
-    <p:sldId id="358" r:id="rId23"/>
-    <p:sldId id="369" r:id="rId24"/>
-    <p:sldId id="347" r:id="rId25"/>
-    <p:sldId id="349" r:id="rId26"/>
-    <p:sldId id="365" r:id="rId27"/>
-    <p:sldId id="353" r:id="rId28"/>
-    <p:sldId id="352" r:id="rId29"/>
-    <p:sldId id="351" r:id="rId30"/>
-    <p:sldId id="338" r:id="rId31"/>
-    <p:sldId id="339" r:id="rId32"/>
+    <p:sldId id="371" r:id="rId17"/>
+    <p:sldId id="354" r:id="rId18"/>
+    <p:sldId id="366" r:id="rId19"/>
+    <p:sldId id="356" r:id="rId20"/>
+    <p:sldId id="367" r:id="rId21"/>
+    <p:sldId id="357" r:id="rId22"/>
+    <p:sldId id="368" r:id="rId23"/>
+    <p:sldId id="358" r:id="rId24"/>
+    <p:sldId id="369" r:id="rId25"/>
+    <p:sldId id="373" r:id="rId26"/>
+    <p:sldId id="347" r:id="rId27"/>
+    <p:sldId id="349" r:id="rId28"/>
+    <p:sldId id="365" r:id="rId29"/>
+    <p:sldId id="353" r:id="rId30"/>
+    <p:sldId id="352" r:id="rId31"/>
+    <p:sldId id="351" r:id="rId32"/>
     <p:sldId id="333" r:id="rId33"/>
+    <p:sldId id="370" r:id="rId34"/>
+    <p:sldId id="362" r:id="rId35"/>
   </p:sldIdLst>
   <p:sldSz cx="9144000" cy="6858000" type="screen4x3"/>
   <p:notesSz cx="7077075" cy="9363075"/>
@@ -256,7 +258,7 @@
           <a:p>
             <a:fld id="{744D7EC3-CD50-4DA5-B722-330229C0073D}" type="datetimeFigureOut">
               <a:rPr lang="en-US" smtClean="0"/>
-              <a:t>4/7/2013</a:t>
+              <a:t>4/10/2013</a:t>
             </a:fld>
             <a:endParaRPr lang="en-US"/>
           </a:p>
@@ -421,7 +423,7 @@
           <a:p>
             <a:fld id="{85BE0011-04E0-4F3F-BFCE-633C944A425A}" type="datetimeFigureOut">
               <a:rPr lang="en-US" smtClean="0"/>
-              <a:t>4/7/2013</a:t>
+              <a:t>4/10/2013</a:t>
             </a:fld>
             <a:endParaRPr lang="en-US"/>
           </a:p>
@@ -1171,7 +1173,15 @@
           <a:p>
             <a:r>
               <a:rPr lang="en-US" dirty="0" smtClean="0"/>
-              <a:t>http://robertnyman.com/2008/10/09/explaining-javascript-scope-and-closures/</a:t>
+              <a:t>So on that note…. Lets take a look</a:t>
+            </a:r>
+            <a:r>
+              <a:rPr lang="en-US" baseline="0" dirty="0" smtClean="0"/>
+              <a:t> at some things we need to know about </a:t>
+            </a:r>
+            <a:r>
+              <a:rPr lang="en-US" baseline="0" dirty="0" err="1" smtClean="0"/>
+              <a:t>javascript</a:t>
             </a:r>
             <a:endParaRPr lang="en-US" dirty="0"/>
           </a:p>
@@ -1261,14 +1271,6 @@
               <a:rPr lang="en-US" dirty="0" smtClean="0"/>
               <a:t>http://robertnyman.com/2008/10/09/explaining-javascript-scope-and-closures/</a:t>
             </a:r>
-          </a:p>
-          <a:p>
-            <a:r>
-              <a:rPr lang="en-US" dirty="0" smtClean="0">
-                <a:hlinkClick r:id="rId3"/>
-              </a:rPr>
-              <a:t>http://javascriptplayground.com/blog/2012/04/javascript-variable-scope-this</a:t>
-            </a:r>
             <a:endParaRPr lang="en-US" dirty="0"/>
           </a:p>
         </p:txBody>
@@ -1299,7 +1301,7 @@
     </p:spTree>
     <p:extLst>
       <p:ext uri="{BB962C8B-B14F-4D97-AF65-F5344CB8AC3E}">
-        <p14:creationId xmlns:p14="http://schemas.microsoft.com/office/powerpoint/2010/main" val="760080811"/>
+        <p14:creationId xmlns:p14="http://schemas.microsoft.com/office/powerpoint/2010/main" val="1616840748"/>
       </p:ext>
     </p:extLst>
   </p:cSld>
@@ -1395,7 +1397,7 @@
     </p:spTree>
     <p:extLst>
       <p:ext uri="{BB962C8B-B14F-4D97-AF65-F5344CB8AC3E}">
-        <p14:creationId xmlns:p14="http://schemas.microsoft.com/office/powerpoint/2010/main" val="4013010152"/>
+        <p14:creationId xmlns:p14="http://schemas.microsoft.com/office/powerpoint/2010/main" val="760080811"/>
       </p:ext>
     </p:extLst>
   </p:cSld>
@@ -1449,6 +1451,18 @@
           <a:bodyPr/>
           <a:lstStyle/>
           <a:p>
+            <a:r>
+              <a:rPr lang="en-US" dirty="0" smtClean="0"/>
+              <a:t>http://robertnyman.com/2008/10/09/explaining-javascript-scope-and-closures/</a:t>
+            </a:r>
+          </a:p>
+          <a:p>
+            <a:r>
+              <a:rPr lang="en-US" dirty="0" smtClean="0">
+                <a:hlinkClick r:id="rId3"/>
+              </a:rPr>
+              <a:t>http://javascriptplayground.com/blog/2012/04/javascript-variable-scope-this</a:t>
+            </a:r>
             <a:endParaRPr lang="en-US" dirty="0"/>
           </a:p>
         </p:txBody>
@@ -1479,7 +1493,7 @@
     </p:spTree>
     <p:extLst>
       <p:ext uri="{BB962C8B-B14F-4D97-AF65-F5344CB8AC3E}">
-        <p14:creationId xmlns:p14="http://schemas.microsoft.com/office/powerpoint/2010/main" val="702403146"/>
+        <p14:creationId xmlns:p14="http://schemas.microsoft.com/office/powerpoint/2010/main" val="4013010152"/>
       </p:ext>
     </p:extLst>
   </p:cSld>
@@ -1533,18 +1547,6 @@
           <a:bodyPr/>
           <a:lstStyle/>
           <a:p>
-            <a:r>
-              <a:rPr lang="en-US" dirty="0" smtClean="0"/>
-              <a:t>http://robertnyman.com/2008/10/09/explaining-javascript-scope-and-closures/</a:t>
-            </a:r>
-          </a:p>
-          <a:p>
-            <a:r>
-              <a:rPr lang="en-US" dirty="0" smtClean="0">
-                <a:hlinkClick r:id="rId3"/>
-              </a:rPr>
-              <a:t>http://javascriptplayground.com/blog/2012/04/javascript-variable-scope-this</a:t>
-            </a:r>
             <a:endParaRPr lang="en-US" dirty="0"/>
           </a:p>
         </p:txBody>
@@ -1575,7 +1577,7 @@
     </p:spTree>
     <p:extLst>
       <p:ext uri="{BB962C8B-B14F-4D97-AF65-F5344CB8AC3E}">
-        <p14:creationId xmlns:p14="http://schemas.microsoft.com/office/powerpoint/2010/main" val="547078897"/>
+        <p14:creationId xmlns:p14="http://schemas.microsoft.com/office/powerpoint/2010/main" val="702403146"/>
       </p:ext>
     </p:extLst>
   </p:cSld>
@@ -1633,6 +1635,14 @@
               <a:rPr lang="en-US" dirty="0" smtClean="0"/>
               <a:t>http://robertnyman.com/2008/10/09/explaining-javascript-scope-and-closures/</a:t>
             </a:r>
+          </a:p>
+          <a:p>
+            <a:r>
+              <a:rPr lang="en-US" dirty="0" smtClean="0">
+                <a:hlinkClick r:id="rId3"/>
+              </a:rPr>
+              <a:t>http://javascriptplayground.com/blog/2012/04/javascript-variable-scope-this</a:t>
+            </a:r>
             <a:endParaRPr lang="en-US" dirty="0"/>
           </a:p>
         </p:txBody>
@@ -1663,7 +1673,7 @@
     </p:spTree>
     <p:extLst>
       <p:ext uri="{BB962C8B-B14F-4D97-AF65-F5344CB8AC3E}">
-        <p14:creationId xmlns:p14="http://schemas.microsoft.com/office/powerpoint/2010/main" val="2238388881"/>
+        <p14:creationId xmlns:p14="http://schemas.microsoft.com/office/powerpoint/2010/main" val="547078897"/>
       </p:ext>
     </p:extLst>
   </p:cSld>
@@ -1719,15 +1729,7 @@
           <a:p>
             <a:r>
               <a:rPr lang="en-US" dirty="0" smtClean="0"/>
-              <a:t>Ask</a:t>
-            </a:r>
-            <a:r>
-              <a:rPr lang="en-US" baseline="0" dirty="0" smtClean="0"/>
-              <a:t> the user if they have learned </a:t>
-            </a:r>
-            <a:r>
-              <a:rPr lang="en-US" baseline="0" dirty="0" err="1" smtClean="0"/>
-              <a:t>javascript</a:t>
+              <a:t>http://robertnyman.com/2008/10/09/explaining-javascript-scope-and-closures/</a:t>
             </a:r>
             <a:endParaRPr lang="en-US" dirty="0"/>
           </a:p>
@@ -1759,7 +1761,7 @@
     </p:spTree>
     <p:extLst>
       <p:ext uri="{BB962C8B-B14F-4D97-AF65-F5344CB8AC3E}">
-        <p14:creationId xmlns:p14="http://schemas.microsoft.com/office/powerpoint/2010/main" val="1183127221"/>
+        <p14:creationId xmlns:p14="http://schemas.microsoft.com/office/powerpoint/2010/main" val="3838534984"/>
       </p:ext>
     </p:extLst>
   </p:cSld>
@@ -1817,14 +1819,6 @@
               <a:rPr lang="en-US" dirty="0" smtClean="0"/>
               <a:t>http://robertnyman.com/2008/10/09/explaining-javascript-scope-and-closures/</a:t>
             </a:r>
-          </a:p>
-          <a:p>
-            <a:r>
-              <a:rPr lang="en-US" dirty="0" smtClean="0">
-                <a:hlinkClick r:id="rId3"/>
-              </a:rPr>
-              <a:t>http://javascriptplayground.com/blog/2012/04/javascript-variable-scope-this</a:t>
-            </a:r>
             <a:endParaRPr lang="en-US" dirty="0"/>
           </a:p>
         </p:txBody>
@@ -1855,7 +1849,7 @@
     </p:spTree>
     <p:extLst>
       <p:ext uri="{BB962C8B-B14F-4D97-AF65-F5344CB8AC3E}">
-        <p14:creationId xmlns:p14="http://schemas.microsoft.com/office/powerpoint/2010/main" val="2643076759"/>
+        <p14:creationId xmlns:p14="http://schemas.microsoft.com/office/powerpoint/2010/main" val="2238388881"/>
       </p:ext>
     </p:extLst>
   </p:cSld>
@@ -1913,6 +1907,14 @@
               <a:rPr lang="en-US" dirty="0" smtClean="0"/>
               <a:t>http://robertnyman.com/2008/10/09/explaining-javascript-scope-and-closures/</a:t>
             </a:r>
+          </a:p>
+          <a:p>
+            <a:r>
+              <a:rPr lang="en-US" dirty="0" smtClean="0">
+                <a:hlinkClick r:id="rId3"/>
+              </a:rPr>
+              <a:t>http://javascriptplayground.com/blog/2012/04/javascript-variable-scope-this</a:t>
+            </a:r>
             <a:endParaRPr lang="en-US" dirty="0"/>
           </a:p>
         </p:txBody>
@@ -1943,7 +1945,7 @@
     </p:spTree>
     <p:extLst>
       <p:ext uri="{BB962C8B-B14F-4D97-AF65-F5344CB8AC3E}">
-        <p14:creationId xmlns:p14="http://schemas.microsoft.com/office/powerpoint/2010/main" val="1361113015"/>
+        <p14:creationId xmlns:p14="http://schemas.microsoft.com/office/powerpoint/2010/main" val="2643076759"/>
       </p:ext>
     </p:extLst>
   </p:cSld>
@@ -2001,14 +2003,6 @@
               <a:rPr lang="en-US" dirty="0" smtClean="0"/>
               <a:t>http://robertnyman.com/2008/10/09/explaining-javascript-scope-and-closures/</a:t>
             </a:r>
-          </a:p>
-          <a:p>
-            <a:r>
-              <a:rPr lang="en-US" dirty="0" smtClean="0">
-                <a:hlinkClick r:id="rId3"/>
-              </a:rPr>
-              <a:t>http://javascriptplayground.com/blog/2012/04/javascript-variable-scope-this</a:t>
-            </a:r>
             <a:endParaRPr lang="en-US" dirty="0"/>
           </a:p>
         </p:txBody>
@@ -2039,7 +2033,7 @@
     </p:spTree>
     <p:extLst>
       <p:ext uri="{BB962C8B-B14F-4D97-AF65-F5344CB8AC3E}">
-        <p14:creationId xmlns:p14="http://schemas.microsoft.com/office/powerpoint/2010/main" val="1926705009"/>
+        <p14:creationId xmlns:p14="http://schemas.microsoft.com/office/powerpoint/2010/main" val="1361113015"/>
       </p:ext>
     </p:extLst>
   </p:cSld>
@@ -2097,6 +2091,14 @@
               <a:rPr lang="en-US" dirty="0" smtClean="0"/>
               <a:t>http://robertnyman.com/2008/10/09/explaining-javascript-scope-and-closures/</a:t>
             </a:r>
+          </a:p>
+          <a:p>
+            <a:r>
+              <a:rPr lang="en-US" dirty="0" smtClean="0">
+                <a:hlinkClick r:id="rId3"/>
+              </a:rPr>
+              <a:t>http://javascriptplayground.com/blog/2012/04/javascript-variable-scope-this</a:t>
+            </a:r>
             <a:endParaRPr lang="en-US" dirty="0"/>
           </a:p>
         </p:txBody>
@@ -2127,7 +2129,7 @@
     </p:spTree>
     <p:extLst>
       <p:ext uri="{BB962C8B-B14F-4D97-AF65-F5344CB8AC3E}">
-        <p14:creationId xmlns:p14="http://schemas.microsoft.com/office/powerpoint/2010/main" val="3262839133"/>
+        <p14:creationId xmlns:p14="http://schemas.microsoft.com/office/powerpoint/2010/main" val="1926705009"/>
       </p:ext>
     </p:extLst>
   </p:cSld>
@@ -2183,7 +2185,15 @@
           <a:p>
             <a:r>
               <a:rPr lang="en-US" dirty="0" smtClean="0"/>
-              <a:t>http://robertnyman.com/2008/10/09/explaining-javascript-scope-and-closures/</a:t>
+              <a:t>So on that note…. Lets take a look</a:t>
+            </a:r>
+            <a:r>
+              <a:rPr lang="en-US" baseline="0" dirty="0" smtClean="0"/>
+              <a:t> at some things we need to know about </a:t>
+            </a:r>
+            <a:r>
+              <a:rPr lang="en-US" baseline="0" dirty="0" err="1" smtClean="0"/>
+              <a:t>javascript</a:t>
             </a:r>
             <a:endParaRPr lang="en-US" dirty="0"/>
           </a:p>
@@ -2215,7 +2225,7 @@
     </p:spTree>
     <p:extLst>
       <p:ext uri="{BB962C8B-B14F-4D97-AF65-F5344CB8AC3E}">
-        <p14:creationId xmlns:p14="http://schemas.microsoft.com/office/powerpoint/2010/main" val="3814520928"/>
+        <p14:creationId xmlns:p14="http://schemas.microsoft.com/office/powerpoint/2010/main" val="479195547"/>
       </p:ext>
     </p:extLst>
   </p:cSld>
@@ -2303,7 +2313,7 @@
     </p:spTree>
     <p:extLst>
       <p:ext uri="{BB962C8B-B14F-4D97-AF65-F5344CB8AC3E}">
-        <p14:creationId xmlns:p14="http://schemas.microsoft.com/office/powerpoint/2010/main" val="1806868437"/>
+        <p14:creationId xmlns:p14="http://schemas.microsoft.com/office/powerpoint/2010/main" val="3262839133"/>
       </p:ext>
     </p:extLst>
   </p:cSld>
@@ -2391,7 +2401,7 @@
     </p:spTree>
     <p:extLst>
       <p:ext uri="{BB962C8B-B14F-4D97-AF65-F5344CB8AC3E}">
-        <p14:creationId xmlns:p14="http://schemas.microsoft.com/office/powerpoint/2010/main" val="477201958"/>
+        <p14:creationId xmlns:p14="http://schemas.microsoft.com/office/powerpoint/2010/main" val="3814520928"/>
       </p:ext>
     </p:extLst>
   </p:cSld>
@@ -2479,7 +2489,7 @@
     </p:spTree>
     <p:extLst>
       <p:ext uri="{BB962C8B-B14F-4D97-AF65-F5344CB8AC3E}">
-        <p14:creationId xmlns:p14="http://schemas.microsoft.com/office/powerpoint/2010/main" val="3890552445"/>
+        <p14:creationId xmlns:p14="http://schemas.microsoft.com/office/powerpoint/2010/main" val="1806868437"/>
       </p:ext>
     </p:extLst>
   </p:cSld>
@@ -2567,7 +2577,7 @@
     </p:spTree>
     <p:extLst>
       <p:ext uri="{BB962C8B-B14F-4D97-AF65-F5344CB8AC3E}">
-        <p14:creationId xmlns:p14="http://schemas.microsoft.com/office/powerpoint/2010/main" val="120973690"/>
+        <p14:creationId xmlns:p14="http://schemas.microsoft.com/office/powerpoint/2010/main" val="477201958"/>
       </p:ext>
     </p:extLst>
   </p:cSld>
@@ -2621,6 +2631,10 @@
           <a:bodyPr/>
           <a:lstStyle/>
           <a:p>
+            <a:r>
+              <a:rPr lang="en-US" dirty="0" smtClean="0"/>
+              <a:t>http://robertnyman.com/2008/10/09/explaining-javascript-scope-and-closures/</a:t>
+            </a:r>
             <a:endParaRPr lang="en-US" dirty="0"/>
           </a:p>
         </p:txBody>
@@ -2642,7 +2656,7 @@
           <a:p>
             <a:fld id="{DD7D2AD7-BD31-48B9-8C8A-7D4EAE7F6485}" type="slidenum">
               <a:rPr lang="en-US" smtClean="0"/>
-              <a:t>32</a:t>
+              <a:t>30</a:t>
             </a:fld>
             <a:endParaRPr lang="en-US"/>
           </a:p>
@@ -2651,7 +2665,7 @@
     </p:spTree>
     <p:extLst>
       <p:ext uri="{BB962C8B-B14F-4D97-AF65-F5344CB8AC3E}">
-        <p14:creationId xmlns:p14="http://schemas.microsoft.com/office/powerpoint/2010/main" val="3663360315"/>
+        <p14:creationId xmlns:p14="http://schemas.microsoft.com/office/powerpoint/2010/main" val="3890552445"/>
       </p:ext>
     </p:extLst>
   </p:cSld>
@@ -2739,7 +2753,359 @@
     </p:spTree>
     <p:extLst>
       <p:ext uri="{BB962C8B-B14F-4D97-AF65-F5344CB8AC3E}">
-        <p14:creationId xmlns:p14="http://schemas.microsoft.com/office/powerpoint/2010/main" val="3838534984"/>
+        <p14:creationId xmlns:p14="http://schemas.microsoft.com/office/powerpoint/2010/main" val="1166741956"/>
+      </p:ext>
+    </p:extLst>
+  </p:cSld>
+  <p:clrMapOvr>
+    <a:masterClrMapping/>
+  </p:clrMapOvr>
+</p:notes>
+</file>
+
+<file path=ppt/notesSlides/notesSlide30.xml><?xml version="1.0" encoding="utf-8"?>
+<p:notes xmlns:a="http://schemas.openxmlformats.org/drawingml/2006/main" xmlns:r="http://schemas.openxmlformats.org/officeDocument/2006/relationships" xmlns:p="http://schemas.openxmlformats.org/presentationml/2006/main">
+  <p:cSld>
+    <p:spTree>
+      <p:nvGrpSpPr>
+        <p:cNvPr id="1" name=""/>
+        <p:cNvGrpSpPr/>
+        <p:nvPr/>
+      </p:nvGrpSpPr>
+      <p:grpSpPr>
+        <a:xfrm>
+          <a:off x="0" y="0"/>
+          <a:ext cx="0" cy="0"/>
+          <a:chOff x="0" y="0"/>
+          <a:chExt cx="0" cy="0"/>
+        </a:xfrm>
+      </p:grpSpPr>
+      <p:sp>
+        <p:nvSpPr>
+          <p:cNvPr id="2" name="Slide Image Placeholder 1"/>
+          <p:cNvSpPr>
+            <a:spLocks noGrp="1" noRot="1" noChangeAspect="1"/>
+          </p:cNvSpPr>
+          <p:nvPr>
+            <p:ph type="sldImg"/>
+          </p:nvPr>
+        </p:nvSpPr>
+        <p:spPr/>
+      </p:sp>
+      <p:sp>
+        <p:nvSpPr>
+          <p:cNvPr id="3" name="Notes Placeholder 2"/>
+          <p:cNvSpPr>
+            <a:spLocks noGrp="1"/>
+          </p:cNvSpPr>
+          <p:nvPr>
+            <p:ph type="body" idx="1"/>
+          </p:nvPr>
+        </p:nvSpPr>
+        <p:spPr/>
+        <p:txBody>
+          <a:bodyPr/>
+          <a:lstStyle/>
+          <a:p>
+            <a:r>
+              <a:rPr lang="en-US" dirty="0" smtClean="0"/>
+              <a:t>http://robertnyman.com/2008/10/09/explaining-javascript-scope-and-closures/</a:t>
+            </a:r>
+            <a:endParaRPr lang="en-US" dirty="0"/>
+          </a:p>
+        </p:txBody>
+      </p:sp>
+      <p:sp>
+        <p:nvSpPr>
+          <p:cNvPr id="4" name="Slide Number Placeholder 3"/>
+          <p:cNvSpPr>
+            <a:spLocks noGrp="1"/>
+          </p:cNvSpPr>
+          <p:nvPr>
+            <p:ph type="sldNum" sz="quarter" idx="10"/>
+          </p:nvPr>
+        </p:nvSpPr>
+        <p:spPr/>
+        <p:txBody>
+          <a:bodyPr/>
+          <a:lstStyle/>
+          <a:p>
+            <a:fld id="{DD7D2AD7-BD31-48B9-8C8A-7D4EAE7F6485}" type="slidenum">
+              <a:rPr lang="en-US" smtClean="0"/>
+              <a:t>31</a:t>
+            </a:fld>
+            <a:endParaRPr lang="en-US"/>
+          </a:p>
+        </p:txBody>
+      </p:sp>
+    </p:spTree>
+    <p:extLst>
+      <p:ext uri="{BB962C8B-B14F-4D97-AF65-F5344CB8AC3E}">
+        <p14:creationId xmlns:p14="http://schemas.microsoft.com/office/powerpoint/2010/main" val="120973690"/>
+      </p:ext>
+    </p:extLst>
+  </p:cSld>
+  <p:clrMapOvr>
+    <a:masterClrMapping/>
+  </p:clrMapOvr>
+</p:notes>
+</file>
+
+<file path=ppt/notesSlides/notesSlide31.xml><?xml version="1.0" encoding="utf-8"?>
+<p:notes xmlns:a="http://schemas.openxmlformats.org/drawingml/2006/main" xmlns:r="http://schemas.openxmlformats.org/officeDocument/2006/relationships" xmlns:p="http://schemas.openxmlformats.org/presentationml/2006/main">
+  <p:cSld>
+    <p:spTree>
+      <p:nvGrpSpPr>
+        <p:cNvPr id="1" name=""/>
+        <p:cNvGrpSpPr/>
+        <p:nvPr/>
+      </p:nvGrpSpPr>
+      <p:grpSpPr>
+        <a:xfrm>
+          <a:off x="0" y="0"/>
+          <a:ext cx="0" cy="0"/>
+          <a:chOff x="0" y="0"/>
+          <a:chExt cx="0" cy="0"/>
+        </a:xfrm>
+      </p:grpSpPr>
+      <p:sp>
+        <p:nvSpPr>
+          <p:cNvPr id="2" name="Slide Image Placeholder 1"/>
+          <p:cNvSpPr>
+            <a:spLocks noGrp="1" noRot="1" noChangeAspect="1"/>
+          </p:cNvSpPr>
+          <p:nvPr>
+            <p:ph type="sldImg"/>
+          </p:nvPr>
+        </p:nvSpPr>
+        <p:spPr/>
+      </p:sp>
+      <p:sp>
+        <p:nvSpPr>
+          <p:cNvPr id="3" name="Notes Placeholder 2"/>
+          <p:cNvSpPr>
+            <a:spLocks noGrp="1"/>
+          </p:cNvSpPr>
+          <p:nvPr>
+            <p:ph type="body" idx="1"/>
+          </p:nvPr>
+        </p:nvSpPr>
+        <p:spPr/>
+        <p:txBody>
+          <a:bodyPr/>
+          <a:lstStyle/>
+          <a:p>
+            <a:endParaRPr lang="en-US" dirty="0"/>
+          </a:p>
+        </p:txBody>
+      </p:sp>
+      <p:sp>
+        <p:nvSpPr>
+          <p:cNvPr id="4" name="Slide Number Placeholder 3"/>
+          <p:cNvSpPr>
+            <a:spLocks noGrp="1"/>
+          </p:cNvSpPr>
+          <p:nvPr>
+            <p:ph type="sldNum" sz="quarter" idx="10"/>
+          </p:nvPr>
+        </p:nvSpPr>
+        <p:spPr/>
+        <p:txBody>
+          <a:bodyPr/>
+          <a:lstStyle/>
+          <a:p>
+            <a:fld id="{DD7D2AD7-BD31-48B9-8C8A-7D4EAE7F6485}" type="slidenum">
+              <a:rPr lang="en-US" smtClean="0"/>
+              <a:t>32</a:t>
+            </a:fld>
+            <a:endParaRPr lang="en-US"/>
+          </a:p>
+        </p:txBody>
+      </p:sp>
+    </p:spTree>
+    <p:extLst>
+      <p:ext uri="{BB962C8B-B14F-4D97-AF65-F5344CB8AC3E}">
+        <p14:creationId xmlns:p14="http://schemas.microsoft.com/office/powerpoint/2010/main" val="3663360315"/>
+      </p:ext>
+    </p:extLst>
+  </p:cSld>
+  <p:clrMapOvr>
+    <a:masterClrMapping/>
+  </p:clrMapOvr>
+</p:notes>
+</file>
+
+<file path=ppt/notesSlides/notesSlide32.xml><?xml version="1.0" encoding="utf-8"?>
+<p:notes xmlns:a="http://schemas.openxmlformats.org/drawingml/2006/main" xmlns:r="http://schemas.openxmlformats.org/officeDocument/2006/relationships" xmlns:p="http://schemas.openxmlformats.org/presentationml/2006/main">
+  <p:cSld>
+    <p:spTree>
+      <p:nvGrpSpPr>
+        <p:cNvPr id="1" name=""/>
+        <p:cNvGrpSpPr/>
+        <p:nvPr/>
+      </p:nvGrpSpPr>
+      <p:grpSpPr>
+        <a:xfrm>
+          <a:off x="0" y="0"/>
+          <a:ext cx="0" cy="0"/>
+          <a:chOff x="0" y="0"/>
+          <a:chExt cx="0" cy="0"/>
+        </a:xfrm>
+      </p:grpSpPr>
+      <p:sp>
+        <p:nvSpPr>
+          <p:cNvPr id="2" name="Slide Image Placeholder 1"/>
+          <p:cNvSpPr>
+            <a:spLocks noGrp="1" noRot="1" noChangeAspect="1"/>
+          </p:cNvSpPr>
+          <p:nvPr>
+            <p:ph type="sldImg"/>
+          </p:nvPr>
+        </p:nvSpPr>
+        <p:spPr/>
+      </p:sp>
+      <p:sp>
+        <p:nvSpPr>
+          <p:cNvPr id="3" name="Notes Placeholder 2"/>
+          <p:cNvSpPr>
+            <a:spLocks noGrp="1"/>
+          </p:cNvSpPr>
+          <p:nvPr>
+            <p:ph type="body" idx="1"/>
+          </p:nvPr>
+        </p:nvSpPr>
+        <p:spPr/>
+        <p:txBody>
+          <a:bodyPr/>
+          <a:lstStyle/>
+          <a:p>
+            <a:endParaRPr lang="en-US" dirty="0"/>
+          </a:p>
+        </p:txBody>
+      </p:sp>
+      <p:sp>
+        <p:nvSpPr>
+          <p:cNvPr id="4" name="Slide Number Placeholder 3"/>
+          <p:cNvSpPr>
+            <a:spLocks noGrp="1"/>
+          </p:cNvSpPr>
+          <p:nvPr>
+            <p:ph type="sldNum" sz="quarter" idx="10"/>
+          </p:nvPr>
+        </p:nvSpPr>
+        <p:spPr/>
+        <p:txBody>
+          <a:bodyPr/>
+          <a:lstStyle/>
+          <a:p>
+            <a:fld id="{DD7D2AD7-BD31-48B9-8C8A-7D4EAE7F6485}" type="slidenum">
+              <a:rPr lang="en-US" smtClean="0"/>
+              <a:t>33</a:t>
+            </a:fld>
+            <a:endParaRPr lang="en-US"/>
+          </a:p>
+        </p:txBody>
+      </p:sp>
+    </p:spTree>
+    <p:extLst>
+      <p:ext uri="{BB962C8B-B14F-4D97-AF65-F5344CB8AC3E}">
+        <p14:creationId xmlns:p14="http://schemas.microsoft.com/office/powerpoint/2010/main" val="4078993138"/>
+      </p:ext>
+    </p:extLst>
+  </p:cSld>
+  <p:clrMapOvr>
+    <a:masterClrMapping/>
+  </p:clrMapOvr>
+</p:notes>
+</file>
+
+<file path=ppt/notesSlides/notesSlide33.xml><?xml version="1.0" encoding="utf-8"?>
+<p:notes xmlns:a="http://schemas.openxmlformats.org/drawingml/2006/main" xmlns:r="http://schemas.openxmlformats.org/officeDocument/2006/relationships" xmlns:p="http://schemas.openxmlformats.org/presentationml/2006/main">
+  <p:cSld>
+    <p:spTree>
+      <p:nvGrpSpPr>
+        <p:cNvPr id="1" name=""/>
+        <p:cNvGrpSpPr/>
+        <p:nvPr/>
+      </p:nvGrpSpPr>
+      <p:grpSpPr>
+        <a:xfrm>
+          <a:off x="0" y="0"/>
+          <a:ext cx="0" cy="0"/>
+          <a:chOff x="0" y="0"/>
+          <a:chExt cx="0" cy="0"/>
+        </a:xfrm>
+      </p:grpSpPr>
+      <p:sp>
+        <p:nvSpPr>
+          <p:cNvPr id="2" name="Slide Image Placeholder 1"/>
+          <p:cNvSpPr>
+            <a:spLocks noGrp="1" noRot="1" noChangeAspect="1"/>
+          </p:cNvSpPr>
+          <p:nvPr>
+            <p:ph type="sldImg"/>
+          </p:nvPr>
+        </p:nvSpPr>
+        <p:spPr/>
+      </p:sp>
+      <p:sp>
+        <p:nvSpPr>
+          <p:cNvPr id="3" name="Notes Placeholder 2"/>
+          <p:cNvSpPr>
+            <a:spLocks noGrp="1"/>
+          </p:cNvSpPr>
+          <p:nvPr>
+            <p:ph type="body" idx="1"/>
+          </p:nvPr>
+        </p:nvSpPr>
+        <p:spPr/>
+        <p:txBody>
+          <a:bodyPr/>
+          <a:lstStyle/>
+          <a:p>
+            <a:r>
+              <a:rPr lang="en-US" dirty="0" smtClean="0"/>
+              <a:t>Ask</a:t>
+            </a:r>
+            <a:r>
+              <a:rPr lang="en-US" baseline="0" dirty="0" smtClean="0"/>
+              <a:t> the user if they have learned </a:t>
+            </a:r>
+            <a:r>
+              <a:rPr lang="en-US" baseline="0" dirty="0" err="1" smtClean="0"/>
+              <a:t>javascript</a:t>
+            </a:r>
+            <a:endParaRPr lang="en-US" dirty="0"/>
+          </a:p>
+        </p:txBody>
+      </p:sp>
+      <p:sp>
+        <p:nvSpPr>
+          <p:cNvPr id="4" name="Slide Number Placeholder 3"/>
+          <p:cNvSpPr>
+            <a:spLocks noGrp="1"/>
+          </p:cNvSpPr>
+          <p:nvPr>
+            <p:ph type="sldNum" sz="quarter" idx="10"/>
+          </p:nvPr>
+        </p:nvSpPr>
+        <p:spPr/>
+        <p:txBody>
+          <a:bodyPr/>
+          <a:lstStyle/>
+          <a:p>
+            <a:fld id="{DD7D2AD7-BD31-48B9-8C8A-7D4EAE7F6485}" type="slidenum">
+              <a:rPr lang="en-US" smtClean="0"/>
+              <a:t>34</a:t>
+            </a:fld>
+            <a:endParaRPr lang="en-US"/>
+          </a:p>
+        </p:txBody>
+      </p:sp>
+    </p:spTree>
+    <p:extLst>
+      <p:ext uri="{BB962C8B-B14F-4D97-AF65-F5344CB8AC3E}">
+        <p14:creationId xmlns:p14="http://schemas.microsoft.com/office/powerpoint/2010/main" val="1183127221"/>
       </p:ext>
     </p:extLst>
   </p:cSld>
@@ -2827,7 +3193,7 @@
     </p:spTree>
     <p:extLst>
       <p:ext uri="{BB962C8B-B14F-4D97-AF65-F5344CB8AC3E}">
-        <p14:creationId xmlns:p14="http://schemas.microsoft.com/office/powerpoint/2010/main" val="1166741956"/>
+        <p14:creationId xmlns:p14="http://schemas.microsoft.com/office/powerpoint/2010/main" val="2924282514"/>
       </p:ext>
     </p:extLst>
   </p:cSld>
@@ -2915,7 +3281,7 @@
     </p:spTree>
     <p:extLst>
       <p:ext uri="{BB962C8B-B14F-4D97-AF65-F5344CB8AC3E}">
-        <p14:creationId xmlns:p14="http://schemas.microsoft.com/office/powerpoint/2010/main" val="2924282514"/>
+        <p14:creationId xmlns:p14="http://schemas.microsoft.com/office/powerpoint/2010/main" val="2482496389"/>
       </p:ext>
     </p:extLst>
   </p:cSld>
@@ -4071,7 +4437,7 @@
           <a:p>
             <a:fld id="{EFEED2B4-868F-4681-9E70-FF7ECCDC67D4}" type="datetimeFigureOut">
               <a:rPr lang="en-US" smtClean="0"/>
-              <a:t>4/7/2013</a:t>
+              <a:t>4/10/2013</a:t>
             </a:fld>
             <a:endParaRPr lang="en-US"/>
           </a:p>
@@ -4322,7 +4688,7 @@
           <a:p>
             <a:fld id="{EFEED2B4-868F-4681-9E70-FF7ECCDC67D4}" type="datetimeFigureOut">
               <a:rPr lang="en-US" smtClean="0"/>
-              <a:t>4/7/2013</a:t>
+              <a:t>4/10/2013</a:t>
             </a:fld>
             <a:endParaRPr lang="en-US"/>
           </a:p>
@@ -4636,7 +5002,7 @@
           <a:p>
             <a:fld id="{EFEED2B4-868F-4681-9E70-FF7ECCDC67D4}" type="datetimeFigureOut">
               <a:rPr lang="en-US" smtClean="0"/>
-              <a:t>4/7/2013</a:t>
+              <a:t>4/10/2013</a:t>
             </a:fld>
             <a:endParaRPr lang="en-US"/>
           </a:p>
@@ -4969,7 +5335,7 @@
           <a:p>
             <a:fld id="{EFEED2B4-868F-4681-9E70-FF7ECCDC67D4}" type="datetimeFigureOut">
               <a:rPr lang="en-US" smtClean="0"/>
-              <a:t>4/7/2013</a:t>
+              <a:t>4/10/2013</a:t>
             </a:fld>
             <a:endParaRPr lang="en-US"/>
           </a:p>
@@ -5283,7 +5649,7 @@
           <a:p>
             <a:fld id="{EFEED2B4-868F-4681-9E70-FF7ECCDC67D4}" type="datetimeFigureOut">
               <a:rPr lang="en-US" smtClean="0"/>
-              <a:t>4/7/2013</a:t>
+              <a:t>4/10/2013</a:t>
             </a:fld>
             <a:endParaRPr lang="en-US"/>
           </a:p>
@@ -5676,7 +6042,7 @@
           <a:p>
             <a:fld id="{EFEED2B4-868F-4681-9E70-FF7ECCDC67D4}" type="datetimeFigureOut">
               <a:rPr lang="en-US" smtClean="0"/>
-              <a:t>4/7/2013</a:t>
+              <a:t>4/10/2013</a:t>
             </a:fld>
             <a:endParaRPr lang="en-US"/>
           </a:p>
@@ -5846,7 +6212,7 @@
           <a:p>
             <a:fld id="{EFEED2B4-868F-4681-9E70-FF7ECCDC67D4}" type="datetimeFigureOut">
               <a:rPr lang="en-US" smtClean="0"/>
-              <a:t>4/7/2013</a:t>
+              <a:t>4/10/2013</a:t>
             </a:fld>
             <a:endParaRPr lang="en-US"/>
           </a:p>
@@ -6026,7 +6392,7 @@
           <a:p>
             <a:fld id="{EFEED2B4-868F-4681-9E70-FF7ECCDC67D4}" type="datetimeFigureOut">
               <a:rPr lang="en-US" smtClean="0"/>
-              <a:t>4/7/2013</a:t>
+              <a:t>4/10/2013</a:t>
             </a:fld>
             <a:endParaRPr lang="en-US"/>
           </a:p>
@@ -6263,7 +6629,7 @@
           <a:p>
             <a:fld id="{EFEED2B4-868F-4681-9E70-FF7ECCDC67D4}" type="datetimeFigureOut">
               <a:rPr lang="en-US" smtClean="0"/>
-              <a:t>4/7/2013</a:t>
+              <a:t>4/10/2013</a:t>
             </a:fld>
             <a:endParaRPr lang="en-US"/>
           </a:p>
@@ -6613,7 +6979,7 @@
           <a:p>
             <a:fld id="{EFEED2B4-868F-4681-9E70-FF7ECCDC67D4}" type="datetimeFigureOut">
               <a:rPr lang="en-US" smtClean="0"/>
-              <a:t>4/7/2013</a:t>
+              <a:t>4/10/2013</a:t>
             </a:fld>
             <a:endParaRPr lang="en-US"/>
           </a:p>
@@ -6874,7 +7240,7 @@
           <a:p>
             <a:fld id="{EFEED2B4-868F-4681-9E70-FF7ECCDC67D4}" type="datetimeFigureOut">
               <a:rPr lang="en-US" smtClean="0"/>
-              <a:t>4/7/2013</a:t>
+              <a:t>4/10/2013</a:t>
             </a:fld>
             <a:endParaRPr lang="en-US"/>
           </a:p>
@@ -7273,7 +7639,7 @@
           <a:p>
             <a:fld id="{EFEED2B4-868F-4681-9E70-FF7ECCDC67D4}" type="datetimeFigureOut">
               <a:rPr lang="en-US" smtClean="0"/>
-              <a:t>4/7/2013</a:t>
+              <a:t>4/10/2013</a:t>
             </a:fld>
             <a:endParaRPr lang="en-US"/>
           </a:p>
@@ -7549,7 +7915,7 @@
           <a:p>
             <a:fld id="{EFEED2B4-868F-4681-9E70-FF7ECCDC67D4}" type="datetimeFigureOut">
               <a:rPr lang="en-US" smtClean="0"/>
-              <a:t>4/7/2013</a:t>
+              <a:t>4/10/2013</a:t>
             </a:fld>
             <a:endParaRPr lang="en-US"/>
           </a:p>
@@ -7796,7 +8162,7 @@
           <a:p>
             <a:fld id="{EFEED2B4-868F-4681-9E70-FF7ECCDC67D4}" type="datetimeFigureOut">
               <a:rPr lang="en-US" smtClean="0"/>
-              <a:t>4/7/2013</a:t>
+              <a:t>4/10/2013</a:t>
             </a:fld>
             <a:endParaRPr lang="en-US"/>
           </a:p>
@@ -8286,7 +8652,7 @@
           <a:p>
             <a:fld id="{EFEED2B4-868F-4681-9E70-FF7ECCDC67D4}" type="datetimeFigureOut">
               <a:rPr lang="en-US" smtClean="0"/>
-              <a:t>4/7/2013</a:t>
+              <a:t>4/10/2013</a:t>
             </a:fld>
             <a:endParaRPr lang="en-US"/>
           </a:p>
@@ -8440,7 +8806,7 @@
             <a:fld id="{EFEED2B4-868F-4681-9E70-FF7ECCDC67D4}" type="datetimeFigureOut">
               <a:rPr lang="en-US" smtClean="0"/>
               <a:pPr/>
-              <a:t>4/7/2013</a:t>
+              <a:t>4/10/2013</a:t>
             </a:fld>
             <a:endParaRPr lang="en-US" dirty="0"/>
           </a:p>
@@ -8933,7 +9299,7 @@
           <a:p>
             <a:fld id="{EFEED2B4-868F-4681-9E70-FF7ECCDC67D4}" type="datetimeFigureOut">
               <a:rPr lang="en-US" smtClean="0"/>
-              <a:t>4/7/2013</a:t>
+              <a:t>4/10/2013</a:t>
             </a:fld>
             <a:endParaRPr lang="en-US"/>
           </a:p>
@@ -9422,7 +9788,7 @@
             <a:fld id="{EFEED2B4-868F-4681-9E70-FF7ECCDC67D4}" type="datetimeFigureOut">
               <a:rPr lang="en-US" smtClean="0"/>
               <a:pPr/>
-              <a:t>4/7/2013</a:t>
+              <a:t>4/10/2013</a:t>
             </a:fld>
             <a:endParaRPr lang="en-US" dirty="0"/>
           </a:p>
@@ -9688,7 +10054,7 @@
           <a:p>
             <a:fld id="{EFEED2B4-868F-4681-9E70-FF7ECCDC67D4}" type="datetimeFigureOut">
               <a:rPr lang="en-US" smtClean="0"/>
-              <a:t>4/7/2013</a:t>
+              <a:t>4/10/2013</a:t>
             </a:fld>
             <a:endParaRPr lang="en-US"/>
           </a:p>
@@ -10398,7 +10764,7 @@
           <a:p>
             <a:fld id="{EFEED2B4-868F-4681-9E70-FF7ECCDC67D4}" type="datetimeFigureOut">
               <a:rPr lang="en-US" smtClean="0"/>
-              <a:t>4/7/2013</a:t>
+              <a:t>4/10/2013</a:t>
             </a:fld>
             <a:endParaRPr lang="en-US"/>
           </a:p>
@@ -11008,7 +11374,7 @@
             <a:fld id="{EFEED2B4-868F-4681-9E70-FF7ECCDC67D4}" type="datetimeFigureOut">
               <a:rPr lang="en-US" smtClean="0"/>
               <a:pPr/>
-              <a:t>4/7/2013</a:t>
+              <a:t>4/10/2013</a:t>
             </a:fld>
             <a:endParaRPr lang="en-US" dirty="0"/>
           </a:p>
@@ -11284,7 +11650,7 @@
           <a:p>
             <a:fld id="{EFEED2B4-868F-4681-9E70-FF7ECCDC67D4}" type="datetimeFigureOut">
               <a:rPr lang="en-US" smtClean="0"/>
-              <a:t>4/7/2013</a:t>
+              <a:t>4/10/2013</a:t>
             </a:fld>
             <a:endParaRPr lang="en-US"/>
           </a:p>
@@ -11409,7 +11775,7 @@
           <a:p>
             <a:fld id="{EFEED2B4-868F-4681-9E70-FF7ECCDC67D4}" type="datetimeFigureOut">
               <a:rPr lang="en-US" smtClean="0"/>
-              <a:t>4/7/2013</a:t>
+              <a:t>4/10/2013</a:t>
             </a:fld>
             <a:endParaRPr lang="en-US"/>
           </a:p>
@@ -11928,7 +12294,7 @@
           <a:p>
             <a:fld id="{EFEED2B4-868F-4681-9E70-FF7ECCDC67D4}" type="datetimeFigureOut">
               <a:rPr lang="en-US" smtClean="0"/>
-              <a:t>4/7/2013</a:t>
+              <a:t>4/10/2013</a:t>
             </a:fld>
             <a:endParaRPr lang="en-US"/>
           </a:p>
@@ -12470,7 +12836,7 @@
           <a:p>
             <a:fld id="{EFEED2B4-868F-4681-9E70-FF7ECCDC67D4}" type="datetimeFigureOut">
               <a:rPr lang="en-US" smtClean="0"/>
-              <a:t>4/7/2013</a:t>
+              <a:t>4/10/2013</a:t>
             </a:fld>
             <a:endParaRPr lang="en-US"/>
           </a:p>
@@ -13038,7 +13404,7 @@
           <a:p>
             <a:fld id="{EFEED2B4-868F-4681-9E70-FF7ECCDC67D4}" type="datetimeFigureOut">
               <a:rPr lang="en-US" smtClean="0"/>
-              <a:t>4/7/2013</a:t>
+              <a:t>4/10/2013</a:t>
             </a:fld>
             <a:endParaRPr lang="en-US"/>
           </a:p>
@@ -14096,7 +14462,7 @@
             <a:fld id="{EFEED2B4-868F-4681-9E70-FF7ECCDC67D4}" type="datetimeFigureOut">
               <a:rPr lang="en-US" smtClean="0"/>
               <a:pPr/>
-              <a:t>4/7/2013</a:t>
+              <a:t>4/10/2013</a:t>
             </a:fld>
             <a:endParaRPr lang="en-US" dirty="0"/>
           </a:p>
@@ -14543,7 +14909,7 @@
           <a:p>
             <a:fld id="{EFEED2B4-868F-4681-9E70-FF7ECCDC67D4}" type="datetimeFigureOut">
               <a:rPr lang="en-US" smtClean="0"/>
-              <a:t>4/7/2013</a:t>
+              <a:t>4/10/2013</a:t>
             </a:fld>
             <a:endParaRPr lang="en-US"/>
           </a:p>
@@ -15110,7 +15476,7 @@
           <a:p>
             <a:fld id="{EFEED2B4-868F-4681-9E70-FF7ECCDC67D4}" type="datetimeFigureOut">
               <a:rPr lang="en-US" smtClean="0"/>
-              <a:t>4/7/2013</a:t>
+              <a:t>4/10/2013</a:t>
             </a:fld>
             <a:endParaRPr lang="en-US"/>
           </a:p>
@@ -15227,7 +15593,7 @@
           <a:p>
             <a:fld id="{EFEED2B4-868F-4681-9E70-FF7ECCDC67D4}" type="datetimeFigureOut">
               <a:rPr lang="en-US" smtClean="0"/>
-              <a:t>4/7/2013</a:t>
+              <a:t>4/10/2013</a:t>
             </a:fld>
             <a:endParaRPr lang="en-US"/>
           </a:p>
@@ -16743,7 +17109,7 @@
           <a:p>
             <a:fld id="{EFEED2B4-868F-4681-9E70-FF7ECCDC67D4}" type="datetimeFigureOut">
               <a:rPr lang="en-US" smtClean="0"/>
-              <a:t>4/7/2013</a:t>
+              <a:t>4/10/2013</a:t>
             </a:fld>
             <a:endParaRPr lang="en-US"/>
           </a:p>
@@ -17905,7 +18271,7 @@
           <a:p>
             <a:fld id="{EFEED2B4-868F-4681-9E70-FF7ECCDC67D4}" type="datetimeFigureOut">
               <a:rPr lang="en-US" smtClean="0"/>
-              <a:t>4/7/2013</a:t>
+              <a:t>4/10/2013</a:t>
             </a:fld>
             <a:endParaRPr lang="en-US"/>
           </a:p>
@@ -18214,7 +18580,7 @@
           <a:p>
             <a:fld id="{EFEED2B4-868F-4681-9E70-FF7ECCDC67D4}" type="datetimeFigureOut">
               <a:rPr lang="en-US" smtClean="0"/>
-              <a:t>4/7/2013</a:t>
+              <a:t>4/10/2013</a:t>
             </a:fld>
             <a:endParaRPr lang="en-US"/>
           </a:p>
@@ -18581,7 +18947,7 @@
             <a:fld id="{EFEED2B4-868F-4681-9E70-FF7ECCDC67D4}" type="datetimeFigureOut">
               <a:rPr lang="en-US" smtClean="0"/>
               <a:pPr/>
-              <a:t>4/7/2013</a:t>
+              <a:t>4/10/2013</a:t>
             </a:fld>
             <a:endParaRPr lang="en-US" dirty="0"/>
           </a:p>
@@ -18878,7 +19244,7 @@
             <a:fld id="{EFEED2B4-868F-4681-9E70-FF7ECCDC67D4}" type="datetimeFigureOut">
               <a:rPr lang="en-US" smtClean="0"/>
               <a:pPr/>
-              <a:t>4/7/2013</a:t>
+              <a:t>4/10/2013</a:t>
             </a:fld>
             <a:endParaRPr lang="en-US" dirty="0"/>
           </a:p>
@@ -19354,7 +19720,7 @@
             <a:fld id="{EFEED2B4-868F-4681-9E70-FF7ECCDC67D4}" type="datetimeFigureOut">
               <a:rPr lang="en-US" smtClean="0"/>
               <a:pPr/>
-              <a:t>4/7/2013</a:t>
+              <a:t>4/10/2013</a:t>
             </a:fld>
             <a:endParaRPr lang="en-US" dirty="0"/>
           </a:p>
@@ -19637,7 +20003,7 @@
           <a:p>
             <a:fld id="{EFEED2B4-868F-4681-9E70-FF7ECCDC67D4}" type="datetimeFigureOut">
               <a:rPr lang="en-US" smtClean="0"/>
-              <a:t>4/7/2013</a:t>
+              <a:t>4/10/2013</a:t>
             </a:fld>
             <a:endParaRPr lang="en-US"/>
           </a:p>
@@ -20130,7 +20496,7 @@
           <a:p>
             <a:fld id="{EFEED2B4-868F-4681-9E70-FF7ECCDC67D4}" type="datetimeFigureOut">
               <a:rPr lang="en-US" smtClean="0"/>
-              <a:t>4/7/2013</a:t>
+              <a:t>4/10/2013</a:t>
             </a:fld>
             <a:endParaRPr lang="en-US"/>
           </a:p>
@@ -20253,7 +20619,7 @@
           <a:p>
             <a:fld id="{EFEED2B4-868F-4681-9E70-FF7ECCDC67D4}" type="datetimeFigureOut">
               <a:rPr lang="en-US" smtClean="0"/>
-              <a:t>4/7/2013</a:t>
+              <a:t>4/10/2013</a:t>
             </a:fld>
             <a:endParaRPr lang="en-US"/>
           </a:p>
@@ -20348,7 +20714,7 @@
           <a:p>
             <a:fld id="{EFEED2B4-868F-4681-9E70-FF7ECCDC67D4}" type="datetimeFigureOut">
               <a:rPr lang="en-US" smtClean="0"/>
-              <a:t>4/7/2013</a:t>
+              <a:t>4/10/2013</a:t>
             </a:fld>
             <a:endParaRPr lang="en-US"/>
           </a:p>
@@ -20603,7 +20969,7 @@
           <a:p>
             <a:fld id="{EFEED2B4-868F-4681-9E70-FF7ECCDC67D4}" type="datetimeFigureOut">
               <a:rPr lang="en-US" smtClean="0"/>
-              <a:t>4/7/2013</a:t>
+              <a:t>4/10/2013</a:t>
             </a:fld>
             <a:endParaRPr lang="en-US"/>
           </a:p>
@@ -20866,7 +21232,7 @@
           <a:p>
             <a:fld id="{EFEED2B4-868F-4681-9E70-FF7ECCDC67D4}" type="datetimeFigureOut">
               <a:rPr lang="en-US" smtClean="0"/>
-              <a:t>4/7/2013</a:t>
+              <a:t>4/10/2013</a:t>
             </a:fld>
             <a:endParaRPr lang="en-US"/>
           </a:p>
@@ -21796,7 +22162,7 @@
           <a:p>
             <a:fld id="{EFEED2B4-868F-4681-9E70-FF7ECCDC67D4}" type="datetimeFigureOut">
               <a:rPr lang="en-US" smtClean="0"/>
-              <a:t>4/7/2013</a:t>
+              <a:t>4/10/2013</a:t>
             </a:fld>
             <a:endParaRPr lang="en-US"/>
           </a:p>
@@ -24650,7 +25016,7 @@
 </file>
 
 <file path=ppt/slides/slide12.xml><?xml version="1.0" encoding="utf-8"?>
-<p:sld xmlns:a="http://schemas.openxmlformats.org/drawingml/2006/main" xmlns:r="http://schemas.openxmlformats.org/officeDocument/2006/relationships" xmlns:p="http://schemas.openxmlformats.org/presentationml/2006/main">
+<p:sld xmlns:a="http://schemas.openxmlformats.org/drawingml/2006/main" xmlns:r="http://schemas.openxmlformats.org/officeDocument/2006/relationships" xmlns:p="http://schemas.openxmlformats.org/presentationml/2006/main" show="0">
   <p:cSld>
     <p:spTree>
       <p:nvGrpSpPr>
@@ -25755,7 +26121,15 @@
             </a:pPr>
             <a:r>
               <a:rPr lang="en-US" b="1" dirty="0" smtClean="0"/>
-              <a:t>The Ware has been won</a:t>
+              <a:t>The </a:t>
+            </a:r>
+            <a:r>
+              <a:rPr lang="en-US" b="1" dirty="0" smtClean="0"/>
+              <a:t>War </a:t>
+            </a:r>
+            <a:r>
+              <a:rPr lang="en-US" b="1" dirty="0" smtClean="0"/>
+              <a:t>has been won</a:t>
             </a:r>
             <a:endParaRPr lang="en-US" b="1" dirty="0"/>
           </a:p>
@@ -26238,6 +26612,253 @@
       </p:grpSpPr>
       <p:sp>
         <p:nvSpPr>
+          <p:cNvPr id="6" name="Text Placeholder 2"/>
+          <p:cNvSpPr txBox="1">
+            <a:spLocks/>
+          </p:cNvSpPr>
+          <p:nvPr/>
+        </p:nvSpPr>
+        <p:spPr>
+          <a:xfrm rot="5400000">
+            <a:off x="5682853" y="2925276"/>
+            <a:ext cx="6400800" cy="521494"/>
+          </a:xfrm>
+          <a:prstGeom prst="rect">
+            <a:avLst/>
+          </a:prstGeom>
+        </p:spPr>
+        <p:txBody>
+          <a:bodyPr>
+            <a:noAutofit/>
+          </a:bodyPr>
+          <a:lstStyle>
+            <a:lvl1pPr marL="342900" indent="-342900" algn="l" defTabSz="914400" rtl="0" eaLnBrk="1" latinLnBrk="0" hangingPunct="1">
+              <a:spcBef>
+                <a:spcPct val="20000"/>
+              </a:spcBef>
+              <a:buFont typeface="Arial" pitchFamily="34" charset="0"/>
+              <a:buChar char="•"/>
+              <a:defRPr sz="3200" kern="1200">
+                <a:solidFill>
+                  <a:schemeClr val="tx1"/>
+                </a:solidFill>
+                <a:latin typeface="+mn-lt"/>
+                <a:ea typeface="+mn-ea"/>
+                <a:cs typeface="+mn-cs"/>
+              </a:defRPr>
+            </a:lvl1pPr>
+            <a:lvl2pPr marL="742950" indent="-285750" algn="l" defTabSz="914400" rtl="0" eaLnBrk="1" latinLnBrk="0" hangingPunct="1">
+              <a:spcBef>
+                <a:spcPct val="20000"/>
+              </a:spcBef>
+              <a:buFont typeface="Arial" pitchFamily="34" charset="0"/>
+              <a:buChar char="–"/>
+              <a:defRPr sz="2800" kern="1200">
+                <a:solidFill>
+                  <a:schemeClr val="tx1"/>
+                </a:solidFill>
+                <a:latin typeface="+mn-lt"/>
+                <a:ea typeface="+mn-ea"/>
+                <a:cs typeface="+mn-cs"/>
+              </a:defRPr>
+            </a:lvl2pPr>
+            <a:lvl3pPr marL="1143000" indent="-228600" algn="l" defTabSz="914400" rtl="0" eaLnBrk="1" latinLnBrk="0" hangingPunct="1">
+              <a:spcBef>
+                <a:spcPct val="20000"/>
+              </a:spcBef>
+              <a:buFont typeface="Arial" pitchFamily="34" charset="0"/>
+              <a:buChar char="•"/>
+              <a:defRPr sz="2400" kern="1200">
+                <a:solidFill>
+                  <a:schemeClr val="tx1"/>
+                </a:solidFill>
+                <a:latin typeface="+mn-lt"/>
+                <a:ea typeface="+mn-ea"/>
+                <a:cs typeface="+mn-cs"/>
+              </a:defRPr>
+            </a:lvl3pPr>
+            <a:lvl4pPr marL="1600200" indent="-228600" algn="l" defTabSz="914400" rtl="0" eaLnBrk="1" latinLnBrk="0" hangingPunct="1">
+              <a:spcBef>
+                <a:spcPct val="20000"/>
+              </a:spcBef>
+              <a:buFont typeface="Arial" pitchFamily="34" charset="0"/>
+              <a:buChar char="–"/>
+              <a:defRPr sz="2000" kern="1200">
+                <a:solidFill>
+                  <a:schemeClr val="tx1"/>
+                </a:solidFill>
+                <a:latin typeface="+mn-lt"/>
+                <a:ea typeface="+mn-ea"/>
+                <a:cs typeface="+mn-cs"/>
+              </a:defRPr>
+            </a:lvl4pPr>
+            <a:lvl5pPr marL="2057400" indent="-228600" algn="l" defTabSz="914400" rtl="0" eaLnBrk="1" latinLnBrk="0" hangingPunct="1">
+              <a:spcBef>
+                <a:spcPct val="20000"/>
+              </a:spcBef>
+              <a:buFont typeface="Arial" pitchFamily="34" charset="0"/>
+              <a:buChar char="»"/>
+              <a:defRPr sz="2000" kern="1200">
+                <a:solidFill>
+                  <a:schemeClr val="tx1"/>
+                </a:solidFill>
+                <a:latin typeface="+mn-lt"/>
+                <a:ea typeface="+mn-ea"/>
+                <a:cs typeface="+mn-cs"/>
+              </a:defRPr>
+            </a:lvl5pPr>
+            <a:lvl6pPr marL="2514600" indent="-228600" algn="l" defTabSz="914400" rtl="0" eaLnBrk="1" latinLnBrk="0" hangingPunct="1">
+              <a:spcBef>
+                <a:spcPct val="20000"/>
+              </a:spcBef>
+              <a:buFont typeface="Arial" pitchFamily="34" charset="0"/>
+              <a:buChar char="•"/>
+              <a:defRPr sz="2000" kern="1200">
+                <a:solidFill>
+                  <a:schemeClr val="tx1"/>
+                </a:solidFill>
+                <a:latin typeface="+mn-lt"/>
+                <a:ea typeface="+mn-ea"/>
+                <a:cs typeface="+mn-cs"/>
+              </a:defRPr>
+            </a:lvl6pPr>
+            <a:lvl7pPr marL="2971800" indent="-228600" algn="l" defTabSz="914400" rtl="0" eaLnBrk="1" latinLnBrk="0" hangingPunct="1">
+              <a:spcBef>
+                <a:spcPct val="20000"/>
+              </a:spcBef>
+              <a:buFont typeface="Arial" pitchFamily="34" charset="0"/>
+              <a:buChar char="•"/>
+              <a:defRPr sz="2000" kern="1200">
+                <a:solidFill>
+                  <a:schemeClr val="tx1"/>
+                </a:solidFill>
+                <a:latin typeface="+mn-lt"/>
+                <a:ea typeface="+mn-ea"/>
+                <a:cs typeface="+mn-cs"/>
+              </a:defRPr>
+            </a:lvl7pPr>
+            <a:lvl8pPr marL="3429000" indent="-228600" algn="l" defTabSz="914400" rtl="0" eaLnBrk="1" latinLnBrk="0" hangingPunct="1">
+              <a:spcBef>
+                <a:spcPct val="20000"/>
+              </a:spcBef>
+              <a:buFont typeface="Arial" pitchFamily="34" charset="0"/>
+              <a:buChar char="•"/>
+              <a:defRPr sz="2000" kern="1200">
+                <a:solidFill>
+                  <a:schemeClr val="tx1"/>
+                </a:solidFill>
+                <a:latin typeface="+mn-lt"/>
+                <a:ea typeface="+mn-ea"/>
+                <a:cs typeface="+mn-cs"/>
+              </a:defRPr>
+            </a:lvl8pPr>
+            <a:lvl9pPr marL="3886200" indent="-228600" algn="l" defTabSz="914400" rtl="0" eaLnBrk="1" latinLnBrk="0" hangingPunct="1">
+              <a:spcBef>
+                <a:spcPct val="20000"/>
+              </a:spcBef>
+              <a:buFont typeface="Arial" pitchFamily="34" charset="0"/>
+              <a:buChar char="•"/>
+              <a:defRPr sz="2000" kern="1200">
+                <a:solidFill>
+                  <a:schemeClr val="tx1"/>
+                </a:solidFill>
+                <a:latin typeface="+mn-lt"/>
+                <a:ea typeface="+mn-ea"/>
+                <a:cs typeface="+mn-cs"/>
+              </a:defRPr>
+            </a:lvl9pPr>
+          </a:lstStyle>
+          <a:p>
+            <a:pPr>
+              <a:buNone/>
+            </a:pPr>
+            <a:endParaRPr lang="en-US" b="1" dirty="0"/>
+          </a:p>
+        </p:txBody>
+      </p:sp>
+      <p:pic>
+        <p:nvPicPr>
+          <p:cNvPr id="1026" name="Picture 2" descr="http://i1.squidoocdn.com/resize/squidoo_images/590/draft_lens17841621module149500628photo_1_1302615679Flat-Symbol-Clipart.jpg"/>
+          <p:cNvPicPr>
+            <a:picLocks noChangeAspect="1" noChangeArrowheads="1"/>
+          </p:cNvPicPr>
+          <p:nvPr/>
+        </p:nvPicPr>
+        <p:blipFill>
+          <a:blip r:embed="rId3" cstate="screen">
+            <a:extLst>
+              <a:ext uri="{28A0092B-C50C-407E-A947-70E740481C1C}">
+                <a14:useLocalDpi xmlns:a14="http://schemas.microsoft.com/office/drawing/2010/main" val="0"/>
+              </a:ext>
+            </a:extLst>
+          </a:blip>
+          <a:srcRect/>
+          <a:stretch>
+            <a:fillRect/>
+          </a:stretch>
+        </p:blipFill>
+        <p:spPr bwMode="auto">
+          <a:xfrm>
+            <a:off x="2590800" y="2133600"/>
+            <a:ext cx="2868798" cy="3709988"/>
+          </a:xfrm>
+          <a:prstGeom prst="rect">
+            <a:avLst/>
+          </a:prstGeom>
+          <a:noFill/>
+          <a:extLst>
+            <a:ext uri="{909E8E84-426E-40DD-AFC4-6F175D3DCCD1}">
+              <a14:hiddenFill xmlns:a14="http://schemas.microsoft.com/office/drawing/2010/main">
+                <a:solidFill>
+                  <a:srgbClr val="FFFFFF"/>
+                </a:solidFill>
+              </a14:hiddenFill>
+            </a:ext>
+          </a:extLst>
+        </p:spPr>
+      </p:pic>
+    </p:spTree>
+    <p:extLst>
+      <p:ext uri="{BB962C8B-B14F-4D97-AF65-F5344CB8AC3E}">
+        <p14:creationId xmlns:p14="http://schemas.microsoft.com/office/powerpoint/2010/main" val="2486505829"/>
+      </p:ext>
+    </p:extLst>
+  </p:cSld>
+  <p:clrMapOvr>
+    <a:masterClrMapping/>
+  </p:clrMapOvr>
+  <p:transition spd="slow">
+    <p:wipe/>
+  </p:transition>
+  <p:timing>
+    <p:tnLst>
+      <p:par>
+        <p:cTn id="1" dur="indefinite" restart="never" nodeType="tmRoot"/>
+      </p:par>
+    </p:tnLst>
+  </p:timing>
+</p:sld>
+</file>
+
+<file path=ppt/slides/slide16.xml><?xml version="1.0" encoding="utf-8"?>
+<p:sld xmlns:a="http://schemas.openxmlformats.org/drawingml/2006/main" xmlns:r="http://schemas.openxmlformats.org/officeDocument/2006/relationships" xmlns:p="http://schemas.openxmlformats.org/presentationml/2006/main" show="0">
+  <p:cSld>
+    <p:spTree>
+      <p:nvGrpSpPr>
+        <p:cNvPr id="1" name=""/>
+        <p:cNvGrpSpPr/>
+        <p:nvPr/>
+      </p:nvGrpSpPr>
+      <p:grpSpPr>
+        <a:xfrm>
+          <a:off x="0" y="0"/>
+          <a:ext cx="0" cy="0"/>
+          <a:chOff x="0" y="0"/>
+          <a:chExt cx="0" cy="0"/>
+        </a:xfrm>
+      </p:grpSpPr>
+      <p:sp>
+        <p:nvSpPr>
           <p:cNvPr id="2" name="TextBox 1"/>
           <p:cNvSpPr txBox="1"/>
           <p:nvPr/>
@@ -26458,10 +27079,51 @@
           </a:prstGeom>
         </p:spPr>
       </p:pic>
+      <p:pic>
+        <p:nvPicPr>
+          <p:cNvPr id="1026" name="Picture 2" descr="http://i1.squidoocdn.com/resize/squidoo_images/590/draft_lens17841621module149500628photo_1_1302615679Flat-Symbol-Clipart.jpg"/>
+          <p:cNvPicPr>
+            <a:picLocks noChangeAspect="1" noChangeArrowheads="1"/>
+          </p:cNvPicPr>
+          <p:nvPr/>
+        </p:nvPicPr>
+        <p:blipFill>
+          <a:blip r:embed="rId4">
+            <a:extLst>
+              <a:ext uri="{28A0092B-C50C-407E-A947-70E740481C1C}">
+                <a14:useLocalDpi xmlns:a14="http://schemas.microsoft.com/office/drawing/2010/main" val="0"/>
+              </a:ext>
+            </a:extLst>
+          </a:blip>
+          <a:srcRect/>
+          <a:stretch>
+            <a:fillRect/>
+          </a:stretch>
+        </p:blipFill>
+        <p:spPr bwMode="auto">
+          <a:xfrm>
+            <a:off x="155575" y="-3481388"/>
+            <a:ext cx="5619750" cy="7267576"/>
+          </a:xfrm>
+          <a:prstGeom prst="rect">
+            <a:avLst/>
+          </a:prstGeom>
+          <a:noFill/>
+          <a:extLst>
+            <a:ext uri="{909E8E84-426E-40DD-AFC4-6F175D3DCCD1}">
+              <a14:hiddenFill xmlns:a14="http://schemas.microsoft.com/office/drawing/2010/main">
+                <a:solidFill>
+                  <a:srgbClr val="FFFFFF"/>
+                </a:solidFill>
+              </a14:hiddenFill>
+            </a:ext>
+          </a:extLst>
+        </p:spPr>
+      </p:pic>
     </p:spTree>
     <p:extLst>
       <p:ext uri="{BB962C8B-B14F-4D97-AF65-F5344CB8AC3E}">
-        <p14:creationId xmlns:p14="http://schemas.microsoft.com/office/powerpoint/2010/main" val="2486505829"/>
+        <p14:creationId xmlns:p14="http://schemas.microsoft.com/office/powerpoint/2010/main" val="3565239238"/>
       </p:ext>
     </p:extLst>
   </p:cSld>
@@ -26481,7 +27143,7 @@
 </p:sld>
 </file>
 
-<file path=ppt/slides/slide16.xml><?xml version="1.0" encoding="utf-8"?>
+<file path=ppt/slides/slide17.xml><?xml version="1.0" encoding="utf-8"?>
 <p:sld xmlns:a="http://schemas.openxmlformats.org/drawingml/2006/main" xmlns:r="http://schemas.openxmlformats.org/officeDocument/2006/relationships" xmlns:p="http://schemas.openxmlformats.org/presentationml/2006/main">
   <p:cSld>
     <p:spTree>
@@ -26551,7 +27213,7 @@
         <p:spPr>
           <a:xfrm>
             <a:off x="304800" y="1314271"/>
-            <a:ext cx="8000999" cy="5632311"/>
+            <a:ext cx="8000999" cy="5078313"/>
           </a:xfrm>
           <a:prstGeom prst="rect">
             <a:avLst/>
@@ -26593,64 +27255,32 @@
             </a:endParaRPr>
           </a:p>
           <a:p>
-            <a:r>
-              <a:rPr lang="en-US" sz="3600" dirty="0" err="1" smtClean="0">
-                <a:latin typeface="Myriad Pro Light" panose="020B0403030403020204" pitchFamily="34" charset="0"/>
-              </a:rPr>
-              <a:t>var</a:t>
-            </a:r>
+            <a:endParaRPr lang="en-US" sz="3600" dirty="0" smtClean="0">
+              <a:latin typeface="Myriad Pro Light" panose="020B0403030403020204" pitchFamily="34" charset="0"/>
+            </a:endParaRPr>
+          </a:p>
+          <a:p>
+            <a:endParaRPr lang="en-US" sz="3600" dirty="0">
+              <a:latin typeface="Myriad Pro Light" panose="020B0403030403020204" pitchFamily="34" charset="0"/>
+            </a:endParaRPr>
+          </a:p>
+          <a:p>
+            <a:endParaRPr lang="en-US" sz="3600" dirty="0" smtClean="0">
+              <a:latin typeface="Myriad Pro Light" panose="020B0403030403020204" pitchFamily="34" charset="0"/>
+            </a:endParaRPr>
+          </a:p>
+          <a:p>
+            <a:endParaRPr lang="en-US" sz="3600" dirty="0" smtClean="0">
+              <a:latin typeface="Myriad Pro Light" panose="020B0403030403020204" pitchFamily="34" charset="0"/>
+            </a:endParaRPr>
+          </a:p>
+          <a:p>
             <a:r>
               <a:rPr lang="en-US" sz="3600" dirty="0" smtClean="0">
                 <a:latin typeface="Myriad Pro Light" panose="020B0403030403020204" pitchFamily="34" charset="0"/>
               </a:rPr>
-              <a:t> </a:t>
+              <a:t>Demo Time</a:t>
             </a:r>
-            <a:r>
-              <a:rPr lang="en-US" sz="3600" dirty="0" err="1" smtClean="0">
-                <a:latin typeface="Myriad Pro Light" panose="020B0403030403020204" pitchFamily="34" charset="0"/>
-              </a:rPr>
-              <a:t>vs</a:t>
-            </a:r>
-            <a:r>
-              <a:rPr lang="en-US" sz="3600" dirty="0" smtClean="0">
-                <a:latin typeface="Myriad Pro Light" panose="020B0403030403020204" pitchFamily="34" charset="0"/>
-              </a:rPr>
-              <a:t> non-</a:t>
-            </a:r>
-            <a:r>
-              <a:rPr lang="en-US" sz="3600" dirty="0" err="1" smtClean="0">
-                <a:latin typeface="Myriad Pro Light" panose="020B0403030403020204" pitchFamily="34" charset="0"/>
-              </a:rPr>
-              <a:t>var</a:t>
-            </a:r>
-            <a:endParaRPr lang="en-US" sz="3600" dirty="0" smtClean="0">
-              <a:latin typeface="Myriad Pro Light" panose="020B0403030403020204" pitchFamily="34" charset="0"/>
-            </a:endParaRPr>
-          </a:p>
-          <a:p>
-            <a:endParaRPr lang="en-US" sz="3600" dirty="0">
-              <a:latin typeface="Myriad Pro Light" panose="020B0403030403020204" pitchFamily="34" charset="0"/>
-            </a:endParaRPr>
-          </a:p>
-          <a:p>
-            <a:r>
-              <a:rPr lang="en-US" sz="3600" dirty="0" smtClean="0">
-                <a:latin typeface="Myriad Pro Light" panose="020B0403030403020204" pitchFamily="34" charset="0"/>
-              </a:rPr>
-              <a:t>this</a:t>
-            </a:r>
-          </a:p>
-          <a:p>
-            <a:endParaRPr lang="en-US" sz="3600" dirty="0">
-              <a:latin typeface="Myriad Pro Light" panose="020B0403030403020204" pitchFamily="34" charset="0"/>
-            </a:endParaRPr>
-          </a:p>
-          <a:p>
-            <a:endParaRPr lang="en-US" sz="3600" dirty="0">
-              <a:latin typeface="Myriad Pro Light" panose="020B0403030403020204" pitchFamily="34" charset="0"/>
-            </a:endParaRPr>
-          </a:p>
-          <a:p>
             <a:endParaRPr lang="en-US" sz="3600" dirty="0">
               <a:latin typeface="Myriad Pro Light" panose="020B0403030403020204" pitchFamily="34" charset="0"/>
             </a:endParaRPr>
@@ -26826,6 +27456,93 @@
           </a:p>
         </p:txBody>
       </p:sp>
+      <p:pic>
+        <p:nvPicPr>
+          <p:cNvPr id="2050" name="Picture 2" descr="http://ts1.mm.bing.net/th?id=H.5066288511517732&amp;pid=1.7"/>
+          <p:cNvPicPr>
+            <a:picLocks noChangeAspect="1" noChangeArrowheads="1"/>
+          </p:cNvPicPr>
+          <p:nvPr/>
+        </p:nvPicPr>
+        <p:blipFill>
+          <a:blip r:embed="rId3">
+            <a:extLst>
+              <a:ext uri="{28A0092B-C50C-407E-A947-70E740481C1C}">
+                <a14:useLocalDpi xmlns:a14="http://schemas.microsoft.com/office/drawing/2010/main" val="0"/>
+              </a:ext>
+            </a:extLst>
+          </a:blip>
+          <a:srcRect/>
+          <a:stretch>
+            <a:fillRect/>
+          </a:stretch>
+        </p:blipFill>
+        <p:spPr bwMode="auto">
+          <a:xfrm>
+            <a:off x="4572000" y="1875442"/>
+            <a:ext cx="2857500" cy="2847976"/>
+          </a:xfrm>
+          <a:prstGeom prst="ellipse">
+            <a:avLst/>
+          </a:prstGeom>
+          <a:ln>
+            <a:noFill/>
+          </a:ln>
+          <a:effectLst>
+            <a:softEdge rad="112500"/>
+          </a:effectLst>
+          <a:extLst>
+            <a:ext uri="{909E8E84-426E-40DD-AFC4-6F175D3DCCD1}">
+              <a14:hiddenFill xmlns:a14="http://schemas.microsoft.com/office/drawing/2010/main">
+                <a:solidFill>
+                  <a:srgbClr val="FFFFFF"/>
+                </a:solidFill>
+              </a14:hiddenFill>
+            </a:ext>
+          </a:extLst>
+        </p:spPr>
+      </p:pic>
+      <p:pic>
+        <p:nvPicPr>
+          <p:cNvPr id="2052" name="Picture 4" descr="http://www.divulgueseuwebsite.com.br/wp-content/uploads/2011/07/pesquisa-local.jpg"/>
+          <p:cNvPicPr>
+            <a:picLocks noChangeAspect="1" noChangeArrowheads="1"/>
+          </p:cNvPicPr>
+          <p:nvPr/>
+        </p:nvPicPr>
+        <p:blipFill>
+          <a:blip r:embed="rId4">
+            <a:extLst>
+              <a:ext uri="{28A0092B-C50C-407E-A947-70E740481C1C}">
+                <a14:useLocalDpi xmlns:a14="http://schemas.microsoft.com/office/drawing/2010/main" val="0"/>
+              </a:ext>
+            </a:extLst>
+          </a:blip>
+          <a:srcRect/>
+          <a:stretch>
+            <a:fillRect/>
+          </a:stretch>
+        </p:blipFill>
+        <p:spPr bwMode="auto">
+          <a:xfrm>
+            <a:off x="4572000" y="1865918"/>
+            <a:ext cx="2857500" cy="2857500"/>
+          </a:xfrm>
+          <a:prstGeom prst="rect">
+            <a:avLst/>
+          </a:prstGeom>
+          <a:noFill/>
+          <a:extLst>
+            <a:ext uri="{909E8E84-426E-40DD-AFC4-6F175D3DCCD1}">
+              <a14:hiddenFill xmlns:a14="http://schemas.microsoft.com/office/drawing/2010/main">
+                <a:solidFill>
+                  <a:srgbClr val="FFFFFF"/>
+                </a:solidFill>
+              </a14:hiddenFill>
+            </a:ext>
+          </a:extLst>
+        </p:spPr>
+      </p:pic>
     </p:spTree>
     <p:extLst>
       <p:ext uri="{BB962C8B-B14F-4D97-AF65-F5344CB8AC3E}">
@@ -26935,6 +27652,296 @@
                                   </p:childTnLst>
                                 </p:cTn>
                               </p:par>
+                              <p:par>
+                                <p:cTn id="9" presetID="1" presetClass="entr" presetSubtype="0" fill="hold" nodeType="withEffect">
+                                  <p:stCondLst>
+                                    <p:cond delay="100"/>
+                                  </p:stCondLst>
+                                  <p:childTnLst>
+                                    <p:set>
+                                      <p:cBhvr>
+                                        <p:cTn id="10" dur="1" fill="hold">
+                                          <p:stCondLst>
+                                            <p:cond delay="0"/>
+                                          </p:stCondLst>
+                                        </p:cTn>
+                                        <p:tgtEl>
+                                          <p:spTgt spid="2">
+                                            <p:txEl>
+                                              <p:pRg st="0" end="0"/>
+                                            </p:txEl>
+                                          </p:spTgt>
+                                        </p:tgtEl>
+                                        <p:attrNameLst>
+                                          <p:attrName>style.visibility</p:attrName>
+                                        </p:attrNameLst>
+                                      </p:cBhvr>
+                                      <p:to>
+                                        <p:strVal val="visible"/>
+                                      </p:to>
+                                    </p:set>
+                                  </p:childTnLst>
+                                </p:cTn>
+                              </p:par>
+                              <p:par>
+                                <p:cTn id="11" presetID="1" presetClass="entr" presetSubtype="0" fill="hold" nodeType="withEffect">
+                                  <p:stCondLst>
+                                    <p:cond delay="0"/>
+                                  </p:stCondLst>
+                                  <p:childTnLst>
+                                    <p:set>
+                                      <p:cBhvr>
+                                        <p:cTn id="12" dur="1" fill="hold">
+                                          <p:stCondLst>
+                                            <p:cond delay="0"/>
+                                          </p:stCondLst>
+                                        </p:cTn>
+                                        <p:tgtEl>
+                                          <p:spTgt spid="2050"/>
+                                        </p:tgtEl>
+                                        <p:attrNameLst>
+                                          <p:attrName>style.visibility</p:attrName>
+                                        </p:attrNameLst>
+                                      </p:cBhvr>
+                                      <p:to>
+                                        <p:strVal val="visible"/>
+                                      </p:to>
+                                    </p:set>
+                                  </p:childTnLst>
+                                </p:cTn>
+                              </p:par>
+                            </p:childTnLst>
+                          </p:cTn>
+                        </p:par>
+                      </p:childTnLst>
+                    </p:cTn>
+                  </p:par>
+                  <p:par>
+                    <p:cTn id="13" fill="hold">
+                      <p:stCondLst>
+                        <p:cond delay="indefinite"/>
+                      </p:stCondLst>
+                      <p:childTnLst>
+                        <p:par>
+                          <p:cTn id="14" fill="hold">
+                            <p:stCondLst>
+                              <p:cond delay="0"/>
+                            </p:stCondLst>
+                            <p:childTnLst>
+                              <p:par>
+                                <p:cTn id="15" presetID="6" presetClass="emph" presetSubtype="0" fill="hold" nodeType="clickEffect">
+                                  <p:stCondLst>
+                                    <p:cond delay="0"/>
+                                  </p:stCondLst>
+                                  <p:childTnLst>
+                                    <p:animScale>
+                                      <p:cBhvr>
+                                        <p:cTn id="16" dur="2000" fill="hold"/>
+                                        <p:tgtEl>
+                                          <p:spTgt spid="2050"/>
+                                        </p:tgtEl>
+                                      </p:cBhvr>
+                                      <p:by x="25000" y="25000"/>
+                                    </p:animScale>
+                                  </p:childTnLst>
+                                </p:cTn>
+                              </p:par>
+                              <p:par>
+                                <p:cTn id="17" presetID="42" presetClass="path" presetSubtype="0" accel="50000" decel="50000" fill="hold" nodeType="withEffect">
+                                  <p:stCondLst>
+                                    <p:cond delay="0"/>
+                                  </p:stCondLst>
+                                  <p:childTnLst>
+                                    <p:animMotion origin="layout" path="M 1.11022E-16 1.48148E-6 L -0.28125 -0.23658 " pathEditMode="relative" rAng="0" ptsTypes="AA">
+                                      <p:cBhvr>
+                                        <p:cTn id="18" dur="2000" fill="hold"/>
+                                        <p:tgtEl>
+                                          <p:spTgt spid="2050"/>
+                                        </p:tgtEl>
+                                        <p:attrNameLst>
+                                          <p:attrName>ppt_x</p:attrName>
+                                          <p:attrName>ppt_y</p:attrName>
+                                        </p:attrNameLst>
+                                      </p:cBhvr>
+                                      <p:rCtr x="-14063" y="-11829"/>
+                                    </p:animMotion>
+                                  </p:childTnLst>
+                                </p:cTn>
+                              </p:par>
+                            </p:childTnLst>
+                          </p:cTn>
+                        </p:par>
+                        <p:par>
+                          <p:cTn id="19" fill="hold">
+                            <p:stCondLst>
+                              <p:cond delay="2000"/>
+                            </p:stCondLst>
+                            <p:childTnLst>
+                              <p:par>
+                                <p:cTn id="20" presetID="1" presetClass="entr" presetSubtype="0" fill="hold" nodeType="afterEffect">
+                                  <p:stCondLst>
+                                    <p:cond delay="0"/>
+                                  </p:stCondLst>
+                                  <p:childTnLst>
+                                    <p:set>
+                                      <p:cBhvr>
+                                        <p:cTn id="21" dur="1" fill="hold">
+                                          <p:stCondLst>
+                                            <p:cond delay="0"/>
+                                          </p:stCondLst>
+                                        </p:cTn>
+                                        <p:tgtEl>
+                                          <p:spTgt spid="2">
+                                            <p:txEl>
+                                              <p:pRg st="2" end="2"/>
+                                            </p:txEl>
+                                          </p:spTgt>
+                                        </p:tgtEl>
+                                        <p:attrNameLst>
+                                          <p:attrName>style.visibility</p:attrName>
+                                        </p:attrNameLst>
+                                      </p:cBhvr>
+                                      <p:to>
+                                        <p:strVal val="visible"/>
+                                      </p:to>
+                                    </p:set>
+                                  </p:childTnLst>
+                                </p:cTn>
+                              </p:par>
+                            </p:childTnLst>
+                          </p:cTn>
+                        </p:par>
+                        <p:par>
+                          <p:cTn id="22" fill="hold">
+                            <p:stCondLst>
+                              <p:cond delay="2000"/>
+                            </p:stCondLst>
+                            <p:childTnLst>
+                              <p:par>
+                                <p:cTn id="23" presetID="1" presetClass="entr" presetSubtype="0" fill="hold" nodeType="afterEffect">
+                                  <p:stCondLst>
+                                    <p:cond delay="0"/>
+                                  </p:stCondLst>
+                                  <p:childTnLst>
+                                    <p:set>
+                                      <p:cBhvr>
+                                        <p:cTn id="24" dur="1" fill="hold">
+                                          <p:stCondLst>
+                                            <p:cond delay="0"/>
+                                          </p:stCondLst>
+                                        </p:cTn>
+                                        <p:tgtEl>
+                                          <p:spTgt spid="2052"/>
+                                        </p:tgtEl>
+                                        <p:attrNameLst>
+                                          <p:attrName>style.visibility</p:attrName>
+                                        </p:attrNameLst>
+                                      </p:cBhvr>
+                                      <p:to>
+                                        <p:strVal val="visible"/>
+                                      </p:to>
+                                    </p:set>
+                                  </p:childTnLst>
+                                </p:cTn>
+                              </p:par>
+                            </p:childTnLst>
+                          </p:cTn>
+                        </p:par>
+                      </p:childTnLst>
+                    </p:cTn>
+                  </p:par>
+                  <p:par>
+                    <p:cTn id="25" fill="hold">
+                      <p:stCondLst>
+                        <p:cond delay="indefinite"/>
+                      </p:stCondLst>
+                      <p:childTnLst>
+                        <p:par>
+                          <p:cTn id="26" fill="hold">
+                            <p:stCondLst>
+                              <p:cond delay="0"/>
+                            </p:stCondLst>
+                            <p:childTnLst>
+                              <p:par>
+                                <p:cTn id="27" presetID="6" presetClass="emph" presetSubtype="0" fill="hold" nodeType="clickEffect">
+                                  <p:stCondLst>
+                                    <p:cond delay="0"/>
+                                  </p:stCondLst>
+                                  <p:childTnLst>
+                                    <p:animScale>
+                                      <p:cBhvr>
+                                        <p:cTn id="28" dur="2000" fill="hold"/>
+                                        <p:tgtEl>
+                                          <p:spTgt spid="2052"/>
+                                        </p:tgtEl>
+                                      </p:cBhvr>
+                                      <p:by x="25000" y="25000"/>
+                                    </p:animScale>
+                                  </p:childTnLst>
+                                </p:cTn>
+                              </p:par>
+                              <p:par>
+                                <p:cTn id="29" presetID="42" presetClass="path" presetSubtype="0" accel="50000" decel="50000" fill="hold" nodeType="withEffect">
+                                  <p:stCondLst>
+                                    <p:cond delay="0"/>
+                                  </p:stCondLst>
+                                  <p:childTnLst>
+                                    <p:animMotion origin="layout" path="M 1.11022E-16 -4.07407E-6 L -0.28125 -0.08032 " pathEditMode="relative" rAng="0" ptsTypes="AA">
+                                      <p:cBhvr>
+                                        <p:cTn id="30" dur="2000" fill="hold"/>
+                                        <p:tgtEl>
+                                          <p:spTgt spid="2052"/>
+                                        </p:tgtEl>
+                                        <p:attrNameLst>
+                                          <p:attrName>ppt_x</p:attrName>
+                                          <p:attrName>ppt_y</p:attrName>
+                                        </p:attrNameLst>
+                                      </p:cBhvr>
+                                      <p:rCtr x="-14063" y="-4028"/>
+                                    </p:animMotion>
+                                  </p:childTnLst>
+                                </p:cTn>
+                              </p:par>
+                            </p:childTnLst>
+                          </p:cTn>
+                        </p:par>
+                        <p:par>
+                          <p:cTn id="31" fill="hold">
+                            <p:stCondLst>
+                              <p:cond delay="2000"/>
+                            </p:stCondLst>
+                            <p:childTnLst>
+                              <p:par>
+                                <p:cTn id="32" presetID="1" presetClass="entr" presetSubtype="0" fill="hold" nodeType="afterEffect">
+                                  <p:stCondLst>
+                                    <p:cond delay="0"/>
+                                  </p:stCondLst>
+                                  <p:childTnLst>
+                                    <p:set>
+                                      <p:cBhvr>
+                                        <p:cTn id="33" dur="1" fill="hold">
+                                          <p:stCondLst>
+                                            <p:cond delay="0"/>
+                                          </p:stCondLst>
+                                        </p:cTn>
+                                        <p:tgtEl>
+                                          <p:spTgt spid="2">
+                                            <p:txEl>
+                                              <p:pRg st="8" end="8"/>
+                                            </p:txEl>
+                                          </p:spTgt>
+                                        </p:tgtEl>
+                                        <p:attrNameLst>
+                                          <p:attrName>style.visibility</p:attrName>
+                                        </p:attrNameLst>
+                                      </p:cBhvr>
+                                      <p:to>
+                                        <p:strVal val="visible"/>
+                                      </p:to>
+                                    </p:set>
+                                  </p:childTnLst>
+                                </p:cTn>
+                              </p:par>
                             </p:childTnLst>
                           </p:cTn>
                         </p:par>
@@ -26969,8 +27976,8 @@
 </p:sld>
 </file>
 
-<file path=ppt/slides/slide17.xml><?xml version="1.0" encoding="utf-8"?>
-<p:sld xmlns:a="http://schemas.openxmlformats.org/drawingml/2006/main" xmlns:r="http://schemas.openxmlformats.org/officeDocument/2006/relationships" xmlns:p="http://schemas.openxmlformats.org/presentationml/2006/main">
+<file path=ppt/slides/slide18.xml><?xml version="1.0" encoding="utf-8"?>
+<p:sld xmlns:a="http://schemas.openxmlformats.org/drawingml/2006/main" xmlns:r="http://schemas.openxmlformats.org/officeDocument/2006/relationships" xmlns:p="http://schemas.openxmlformats.org/presentationml/2006/main" show="0">
   <p:cSld>
     <p:spTree>
       <p:nvGrpSpPr>
@@ -27377,8 +28384,8 @@
 </p:sld>
 </file>
 
-<file path=ppt/slides/slide18.xml><?xml version="1.0" encoding="utf-8"?>
-<p:sld xmlns:a="http://schemas.openxmlformats.org/drawingml/2006/main" xmlns:r="http://schemas.openxmlformats.org/officeDocument/2006/relationships" xmlns:p="http://schemas.openxmlformats.org/presentationml/2006/main">
+<file path=ppt/slides/slide19.xml><?xml version="1.0" encoding="utf-8"?>
+<p:sld xmlns:a="http://schemas.openxmlformats.org/drawingml/2006/main" xmlns:r="http://schemas.openxmlformats.org/officeDocument/2006/relationships" xmlns:p="http://schemas.openxmlformats.org/presentationml/2006/main" show="0">
   <p:cSld>
     <p:spTree>
       <p:nvGrpSpPr>
@@ -27642,7 +28649,7 @@
         <p:spPr>
           <a:xfrm>
             <a:off x="304800" y="1314271"/>
-            <a:ext cx="8000999" cy="3416320"/>
+            <a:ext cx="8000999" cy="5078313"/>
           </a:xfrm>
           <a:prstGeom prst="rect">
             <a:avLst/>
@@ -27698,6 +28705,24 @@
                 <a:latin typeface="Myriad Pro Light" panose="020B0403030403020204" pitchFamily="34" charset="0"/>
               </a:rPr>
               <a:t>Allow you to control scope</a:t>
+            </a:r>
+          </a:p>
+          <a:p>
+            <a:endParaRPr lang="en-US" sz="3600" dirty="0">
+              <a:latin typeface="Myriad Pro Light" panose="020B0403030403020204" pitchFamily="34" charset="0"/>
+            </a:endParaRPr>
+          </a:p>
+          <a:p>
+            <a:endParaRPr lang="en-US" sz="3600" dirty="0" smtClean="0">
+              <a:latin typeface="Myriad Pro Light" panose="020B0403030403020204" pitchFamily="34" charset="0"/>
+            </a:endParaRPr>
+          </a:p>
+          <a:p>
+            <a:r>
+              <a:rPr lang="en-US" sz="3600" dirty="0" smtClean="0">
+                <a:latin typeface="Myriad Pro Light" panose="020B0403030403020204" pitchFamily="34" charset="0"/>
+              </a:rPr>
+              <a:t>Demo Time</a:t>
             </a:r>
             <a:endParaRPr lang="en-US" sz="3600" dirty="0">
               <a:latin typeface="Myriad Pro Light" panose="020B0403030403020204" pitchFamily="34" charset="0"/>
@@ -27820,350 +28845,37 @@
                       </p:childTnLst>
                     </p:cTn>
                   </p:par>
-                </p:childTnLst>
-              </p:cTn>
-              <p:prevCondLst>
-                <p:cond evt="onPrev" delay="0">
-                  <p:tgtEl>
-                    <p:sldTgt/>
-                  </p:tgtEl>
-                </p:cond>
-              </p:prevCondLst>
-              <p:nextCondLst>
-                <p:cond evt="onNext" delay="0">
-                  <p:tgtEl>
-                    <p:sldTgt/>
-                  </p:tgtEl>
-                </p:cond>
-              </p:nextCondLst>
-            </p:seq>
-          </p:childTnLst>
-        </p:cTn>
-      </p:par>
-    </p:tnLst>
-    <p:bldLst>
-      <p:bldP spid="15" grpId="0" animBg="1"/>
-    </p:bldLst>
-  </p:timing>
-</p:sld>
-</file>
-
-<file path=ppt/slides/slide19.xml><?xml version="1.0" encoding="utf-8"?>
-<p:sld xmlns:a="http://schemas.openxmlformats.org/drawingml/2006/main" xmlns:r="http://schemas.openxmlformats.org/officeDocument/2006/relationships" xmlns:p="http://schemas.openxmlformats.org/presentationml/2006/main">
-  <p:cSld>
-    <p:spTree>
-      <p:nvGrpSpPr>
-        <p:cNvPr id="1" name=""/>
-        <p:cNvGrpSpPr/>
-        <p:nvPr/>
-      </p:nvGrpSpPr>
-      <p:grpSpPr>
-        <a:xfrm>
-          <a:off x="0" y="0"/>
-          <a:ext cx="0" cy="0"/>
-          <a:chOff x="0" y="0"/>
-          <a:chExt cx="0" cy="0"/>
-        </a:xfrm>
-      </p:grpSpPr>
-      <p:sp>
-        <p:nvSpPr>
-          <p:cNvPr id="15" name="TextBox 14"/>
-          <p:cNvSpPr txBox="1"/>
-          <p:nvPr/>
-        </p:nvSpPr>
-        <p:spPr>
-          <a:xfrm>
-            <a:off x="0" y="533400"/>
-            <a:ext cx="4343400" cy="461665"/>
-          </a:xfrm>
-          <a:prstGeom prst="rect">
-            <a:avLst/>
-          </a:prstGeom>
-          <a:solidFill>
-            <a:schemeClr val="tx1">
-              <a:lumMod val="95000"/>
-              <a:lumOff val="5000"/>
-              <a:alpha val="55000"/>
-            </a:schemeClr>
-          </a:solidFill>
-        </p:spPr>
-        <p:txBody>
-          <a:bodyPr wrap="square" rtlCol="0" anchor="ctr" anchorCtr="0">
-            <a:normAutofit/>
-          </a:bodyPr>
-          <a:lstStyle/>
-          <a:p>
-            <a:r>
-              <a:rPr lang="en-US" sz="2400" dirty="0" smtClean="0">
-                <a:solidFill>
-                  <a:schemeClr val="bg1"/>
-                </a:solidFill>
-              </a:rPr>
-              <a:t>Closure</a:t>
-            </a:r>
-            <a:endParaRPr lang="en-US" sz="2400" b="1" dirty="0">
-              <a:solidFill>
-                <a:schemeClr val="bg1"/>
-              </a:solidFill>
-            </a:endParaRPr>
-          </a:p>
-        </p:txBody>
-      </p:sp>
-      <p:sp>
-        <p:nvSpPr>
-          <p:cNvPr id="2" name="TextBox 1"/>
-          <p:cNvSpPr txBox="1"/>
-          <p:nvPr/>
-        </p:nvSpPr>
-        <p:spPr>
-          <a:xfrm>
-            <a:off x="304800" y="1314271"/>
-            <a:ext cx="8000999" cy="1569660"/>
-          </a:xfrm>
-          <a:prstGeom prst="rect">
-            <a:avLst/>
-          </a:prstGeom>
-          <a:noFill/>
-        </p:spPr>
-        <p:txBody>
-          <a:bodyPr wrap="square" rtlCol="0">
-            <a:spAutoFit/>
-          </a:bodyPr>
-          <a:lstStyle/>
-          <a:p>
-            <a:pPr algn="ctr"/>
-            <a:r>
-              <a:rPr lang="en-US" sz="9600" dirty="0" smtClean="0">
-                <a:latin typeface="Myriad Pro Light" panose="020B0403030403020204" pitchFamily="34" charset="0"/>
-              </a:rPr>
-              <a:t>Demo Time</a:t>
-            </a:r>
-            <a:endParaRPr lang="en-US" sz="9600" dirty="0">
-              <a:latin typeface="Myriad Pro Light" panose="020B0403030403020204" pitchFamily="34" charset="0"/>
-            </a:endParaRPr>
-          </a:p>
-        </p:txBody>
-      </p:sp>
-      <p:sp>
-        <p:nvSpPr>
-          <p:cNvPr id="6" name="Text Placeholder 2"/>
-          <p:cNvSpPr txBox="1">
-            <a:spLocks/>
-          </p:cNvSpPr>
-          <p:nvPr/>
-        </p:nvSpPr>
-        <p:spPr>
-          <a:xfrm rot="5400000">
-            <a:off x="5682853" y="2925276"/>
-            <a:ext cx="6400800" cy="521494"/>
-          </a:xfrm>
-          <a:prstGeom prst="rect">
-            <a:avLst/>
-          </a:prstGeom>
-        </p:spPr>
-        <p:txBody>
-          <a:bodyPr>
-            <a:noAutofit/>
-          </a:bodyPr>
-          <a:lstStyle>
-            <a:lvl1pPr marL="342900" indent="-342900" algn="l" defTabSz="914400" rtl="0" eaLnBrk="1" latinLnBrk="0" hangingPunct="1">
-              <a:spcBef>
-                <a:spcPct val="20000"/>
-              </a:spcBef>
-              <a:buFont typeface="Arial" pitchFamily="34" charset="0"/>
-              <a:buChar char="•"/>
-              <a:defRPr sz="3200" kern="1200">
-                <a:solidFill>
-                  <a:schemeClr val="tx1"/>
-                </a:solidFill>
-                <a:latin typeface="+mn-lt"/>
-                <a:ea typeface="+mn-ea"/>
-                <a:cs typeface="+mn-cs"/>
-              </a:defRPr>
-            </a:lvl1pPr>
-            <a:lvl2pPr marL="742950" indent="-285750" algn="l" defTabSz="914400" rtl="0" eaLnBrk="1" latinLnBrk="0" hangingPunct="1">
-              <a:spcBef>
-                <a:spcPct val="20000"/>
-              </a:spcBef>
-              <a:buFont typeface="Arial" pitchFamily="34" charset="0"/>
-              <a:buChar char="–"/>
-              <a:defRPr sz="2800" kern="1200">
-                <a:solidFill>
-                  <a:schemeClr val="tx1"/>
-                </a:solidFill>
-                <a:latin typeface="+mn-lt"/>
-                <a:ea typeface="+mn-ea"/>
-                <a:cs typeface="+mn-cs"/>
-              </a:defRPr>
-            </a:lvl2pPr>
-            <a:lvl3pPr marL="1143000" indent="-228600" algn="l" defTabSz="914400" rtl="0" eaLnBrk="1" latinLnBrk="0" hangingPunct="1">
-              <a:spcBef>
-                <a:spcPct val="20000"/>
-              </a:spcBef>
-              <a:buFont typeface="Arial" pitchFamily="34" charset="0"/>
-              <a:buChar char="•"/>
-              <a:defRPr sz="2400" kern="1200">
-                <a:solidFill>
-                  <a:schemeClr val="tx1"/>
-                </a:solidFill>
-                <a:latin typeface="+mn-lt"/>
-                <a:ea typeface="+mn-ea"/>
-                <a:cs typeface="+mn-cs"/>
-              </a:defRPr>
-            </a:lvl3pPr>
-            <a:lvl4pPr marL="1600200" indent="-228600" algn="l" defTabSz="914400" rtl="0" eaLnBrk="1" latinLnBrk="0" hangingPunct="1">
-              <a:spcBef>
-                <a:spcPct val="20000"/>
-              </a:spcBef>
-              <a:buFont typeface="Arial" pitchFamily="34" charset="0"/>
-              <a:buChar char="–"/>
-              <a:defRPr sz="2000" kern="1200">
-                <a:solidFill>
-                  <a:schemeClr val="tx1"/>
-                </a:solidFill>
-                <a:latin typeface="+mn-lt"/>
-                <a:ea typeface="+mn-ea"/>
-                <a:cs typeface="+mn-cs"/>
-              </a:defRPr>
-            </a:lvl4pPr>
-            <a:lvl5pPr marL="2057400" indent="-228600" algn="l" defTabSz="914400" rtl="0" eaLnBrk="1" latinLnBrk="0" hangingPunct="1">
-              <a:spcBef>
-                <a:spcPct val="20000"/>
-              </a:spcBef>
-              <a:buFont typeface="Arial" pitchFamily="34" charset="0"/>
-              <a:buChar char="»"/>
-              <a:defRPr sz="2000" kern="1200">
-                <a:solidFill>
-                  <a:schemeClr val="tx1"/>
-                </a:solidFill>
-                <a:latin typeface="+mn-lt"/>
-                <a:ea typeface="+mn-ea"/>
-                <a:cs typeface="+mn-cs"/>
-              </a:defRPr>
-            </a:lvl5pPr>
-            <a:lvl6pPr marL="2514600" indent="-228600" algn="l" defTabSz="914400" rtl="0" eaLnBrk="1" latinLnBrk="0" hangingPunct="1">
-              <a:spcBef>
-                <a:spcPct val="20000"/>
-              </a:spcBef>
-              <a:buFont typeface="Arial" pitchFamily="34" charset="0"/>
-              <a:buChar char="•"/>
-              <a:defRPr sz="2000" kern="1200">
-                <a:solidFill>
-                  <a:schemeClr val="tx1"/>
-                </a:solidFill>
-                <a:latin typeface="+mn-lt"/>
-                <a:ea typeface="+mn-ea"/>
-                <a:cs typeface="+mn-cs"/>
-              </a:defRPr>
-            </a:lvl6pPr>
-            <a:lvl7pPr marL="2971800" indent="-228600" algn="l" defTabSz="914400" rtl="0" eaLnBrk="1" latinLnBrk="0" hangingPunct="1">
-              <a:spcBef>
-                <a:spcPct val="20000"/>
-              </a:spcBef>
-              <a:buFont typeface="Arial" pitchFamily="34" charset="0"/>
-              <a:buChar char="•"/>
-              <a:defRPr sz="2000" kern="1200">
-                <a:solidFill>
-                  <a:schemeClr val="tx1"/>
-                </a:solidFill>
-                <a:latin typeface="+mn-lt"/>
-                <a:ea typeface="+mn-ea"/>
-                <a:cs typeface="+mn-cs"/>
-              </a:defRPr>
-            </a:lvl7pPr>
-            <a:lvl8pPr marL="3429000" indent="-228600" algn="l" defTabSz="914400" rtl="0" eaLnBrk="1" latinLnBrk="0" hangingPunct="1">
-              <a:spcBef>
-                <a:spcPct val="20000"/>
-              </a:spcBef>
-              <a:buFont typeface="Arial" pitchFamily="34" charset="0"/>
-              <a:buChar char="•"/>
-              <a:defRPr sz="2000" kern="1200">
-                <a:solidFill>
-                  <a:schemeClr val="tx1"/>
-                </a:solidFill>
-                <a:latin typeface="+mn-lt"/>
-                <a:ea typeface="+mn-ea"/>
-                <a:cs typeface="+mn-cs"/>
-              </a:defRPr>
-            </a:lvl8pPr>
-            <a:lvl9pPr marL="3886200" indent="-228600" algn="l" defTabSz="914400" rtl="0" eaLnBrk="1" latinLnBrk="0" hangingPunct="1">
-              <a:spcBef>
-                <a:spcPct val="20000"/>
-              </a:spcBef>
-              <a:buFont typeface="Arial" pitchFamily="34" charset="0"/>
-              <a:buChar char="•"/>
-              <a:defRPr sz="2000" kern="1200">
-                <a:solidFill>
-                  <a:schemeClr val="tx1"/>
-                </a:solidFill>
-                <a:latin typeface="+mn-lt"/>
-                <a:ea typeface="+mn-ea"/>
-                <a:cs typeface="+mn-cs"/>
-              </a:defRPr>
-            </a:lvl9pPr>
-          </a:lstStyle>
-          <a:p>
-            <a:pPr>
-              <a:buNone/>
-            </a:pPr>
-            <a:r>
-              <a:rPr lang="en-US" b="1" dirty="0"/>
-              <a:t>Language Primer</a:t>
-            </a:r>
-          </a:p>
-        </p:txBody>
-      </p:sp>
-    </p:spTree>
-    <p:extLst>
-      <p:ext uri="{BB962C8B-B14F-4D97-AF65-F5344CB8AC3E}">
-        <p14:creationId xmlns:p14="http://schemas.microsoft.com/office/powerpoint/2010/main" val="357628571"/>
-      </p:ext>
-    </p:extLst>
-  </p:cSld>
-  <p:clrMapOvr>
-    <a:masterClrMapping/>
-  </p:clrMapOvr>
-  <p:transition spd="slow">
-    <p:wipe/>
-  </p:transition>
-  <p:timing>
-    <p:tnLst>
-      <p:par>
-        <p:cTn id="1" dur="indefinite" restart="never" nodeType="tmRoot">
-          <p:childTnLst>
-            <p:seq concurrent="1" nextAc="seek">
-              <p:cTn id="2" dur="indefinite" nodeType="mainSeq">
-                <p:childTnLst>
                   <p:par>
-                    <p:cTn id="3" fill="hold">
+                    <p:cTn id="9" fill="hold">
                       <p:stCondLst>
                         <p:cond delay="indefinite"/>
-                        <p:cond evt="onBegin" delay="0">
-                          <p:tn val="2"/>
-                        </p:cond>
                       </p:stCondLst>
                       <p:childTnLst>
                         <p:par>
-                          <p:cTn id="4" fill="hold">
+                          <p:cTn id="10" fill="hold">
                             <p:stCondLst>
                               <p:cond delay="0"/>
                             </p:stCondLst>
                             <p:childTnLst>
                               <p:par>
-                                <p:cTn id="5" presetID="2" presetClass="entr" presetSubtype="8" fill="hold" grpId="0" nodeType="afterEffect">
+                                <p:cTn id="11" presetID="1" presetClass="entr" presetSubtype="0" fill="hold" nodeType="clickEffect">
                                   <p:stCondLst>
-                                    <p:cond delay="100"/>
+                                    <p:cond delay="0"/>
                                   </p:stCondLst>
                                   <p:childTnLst>
                                     <p:set>
                                       <p:cBhvr>
-                                        <p:cTn id="6" dur="1" fill="hold">
+                                        <p:cTn id="12" dur="1" fill="hold">
                                           <p:stCondLst>
                                             <p:cond delay="0"/>
                                           </p:stCondLst>
                                         </p:cTn>
                                         <p:tgtEl>
-                                          <p:spTgt spid="15"/>
+                                          <p:spTgt spid="5">
+                                            <p:txEl>
+                                              <p:pRg st="0" end="0"/>
+                                            </p:txEl>
+                                          </p:spTgt>
                                         </p:tgtEl>
                                         <p:attrNameLst>
                                           <p:attrName>style.visibility</p:attrName>
@@ -28173,52 +28885,153 @@
                                         <p:strVal val="visible"/>
                                       </p:to>
                                     </p:set>
-                                    <p:anim calcmode="lin" valueType="num">
-                                      <p:cBhvr additive="base">
-                                        <p:cTn id="7" dur="500" fill="hold"/>
+                                  </p:childTnLst>
+                                </p:cTn>
+                              </p:par>
+                            </p:childTnLst>
+                          </p:cTn>
+                        </p:par>
+                      </p:childTnLst>
+                    </p:cTn>
+                  </p:par>
+                  <p:par>
+                    <p:cTn id="13" fill="hold">
+                      <p:stCondLst>
+                        <p:cond delay="indefinite"/>
+                      </p:stCondLst>
+                      <p:childTnLst>
+                        <p:par>
+                          <p:cTn id="14" fill="hold">
+                            <p:stCondLst>
+                              <p:cond delay="0"/>
+                            </p:stCondLst>
+                            <p:childTnLst>
+                              <p:par>
+                                <p:cTn id="15" presetID="1" presetClass="entr" presetSubtype="0" fill="hold" nodeType="clickEffect">
+                                  <p:stCondLst>
+                                    <p:cond delay="0"/>
+                                  </p:stCondLst>
+                                  <p:childTnLst>
+                                    <p:set>
+                                      <p:cBhvr>
+                                        <p:cTn id="16" dur="1" fill="hold">
+                                          <p:stCondLst>
+                                            <p:cond delay="0"/>
+                                          </p:stCondLst>
+                                        </p:cTn>
                                         <p:tgtEl>
-                                          <p:spTgt spid="15"/>
+                                          <p:spTgt spid="5">
+                                            <p:txEl>
+                                              <p:pRg st="2" end="2"/>
+                                            </p:txEl>
+                                          </p:spTgt>
                                         </p:tgtEl>
                                         <p:attrNameLst>
-                                          <p:attrName>ppt_x</p:attrName>
+                                          <p:attrName>style.visibility</p:attrName>
                                         </p:attrNameLst>
                                       </p:cBhvr>
-                                      <p:tavLst>
-                                        <p:tav tm="0">
-                                          <p:val>
-                                            <p:strVal val="0-#ppt_w/2"/>
-                                          </p:val>
-                                        </p:tav>
-                                        <p:tav tm="100000">
-                                          <p:val>
-                                            <p:strVal val="#ppt_x"/>
-                                          </p:val>
-                                        </p:tav>
-                                      </p:tavLst>
-                                    </p:anim>
-                                    <p:anim calcmode="lin" valueType="num">
-                                      <p:cBhvr additive="base">
-                                        <p:cTn id="8" dur="500" fill="hold"/>
+                                      <p:to>
+                                        <p:strVal val="visible"/>
+                                      </p:to>
+                                    </p:set>
+                                  </p:childTnLst>
+                                </p:cTn>
+                              </p:par>
+                            </p:childTnLst>
+                          </p:cTn>
+                        </p:par>
+                      </p:childTnLst>
+                    </p:cTn>
+                  </p:par>
+                  <p:par>
+                    <p:cTn id="17" fill="hold">
+                      <p:stCondLst>
+                        <p:cond delay="indefinite"/>
+                      </p:stCondLst>
+                      <p:childTnLst>
+                        <p:par>
+                          <p:cTn id="18" fill="hold">
+                            <p:stCondLst>
+                              <p:cond delay="0"/>
+                            </p:stCondLst>
+                            <p:childTnLst>
+                              <p:par>
+                                <p:cTn id="19" presetID="1" presetClass="entr" presetSubtype="0" fill="hold" nodeType="clickEffect">
+                                  <p:stCondLst>
+                                    <p:cond delay="0"/>
+                                  </p:stCondLst>
+                                  <p:childTnLst>
+                                    <p:set>
+                                      <p:cBhvr>
+                                        <p:cTn id="20" dur="1" fill="hold">
+                                          <p:stCondLst>
+                                            <p:cond delay="0"/>
+                                          </p:stCondLst>
+                                        </p:cTn>
                                         <p:tgtEl>
-                                          <p:spTgt spid="15"/>
+                                          <p:spTgt spid="5">
+                                            <p:txEl>
+                                              <p:pRg st="4" end="4"/>
+                                            </p:txEl>
+                                          </p:spTgt>
                                         </p:tgtEl>
                                         <p:attrNameLst>
-                                          <p:attrName>ppt_y</p:attrName>
+                                          <p:attrName>style.visibility</p:attrName>
                                         </p:attrNameLst>
                                       </p:cBhvr>
-                                      <p:tavLst>
-                                        <p:tav tm="0">
-                                          <p:val>
-                                            <p:strVal val="#ppt_y"/>
-                                          </p:val>
-                                        </p:tav>
-                                        <p:tav tm="100000">
-                                          <p:val>
-                                            <p:strVal val="#ppt_y"/>
-                                          </p:val>
-                                        </p:tav>
-                                      </p:tavLst>
-                                    </p:anim>
+                                      <p:to>
+                                        <p:strVal val="visible"/>
+                                      </p:to>
+                                    </p:set>
+                                  </p:childTnLst>
+                                </p:cTn>
+                              </p:par>
+                            </p:childTnLst>
+                          </p:cTn>
+                        </p:par>
+                      </p:childTnLst>
+                    </p:cTn>
+                  </p:par>
+                  <p:par>
+                    <p:cTn id="21" fill="hold">
+                      <p:stCondLst>
+                        <p:cond delay="indefinite"/>
+                      </p:stCondLst>
+                      <p:childTnLst>
+                        <p:par>
+                          <p:cTn id="22" fill="hold">
+                            <p:stCondLst>
+                              <p:cond delay="0"/>
+                            </p:stCondLst>
+                            <p:childTnLst>
+                              <p:par>
+                                <p:cTn id="23" presetID="1" presetClass="entr" presetSubtype="0" fill="hold" nodeType="clickEffect">
+                                  <p:stCondLst>
+                                    <p:cond delay="0"/>
+                                  </p:stCondLst>
+                                  <p:childTnLst>
+                                    <p:set>
+                                      <p:cBhvr>
+                                        <p:cTn id="24" dur="1" fill="hold">
+                                          <p:stCondLst>
+                                            <p:cond delay="0"/>
+                                          </p:stCondLst>
+                                        </p:cTn>
+                                        <p:tgtEl>
+                                          <p:spTgt spid="5">
+                                            <p:txEl>
+                                              <p:pRg st="7" end="7"/>
+                                            </p:txEl>
+                                          </p:spTgt>
+                                        </p:tgtEl>
+                                        <p:attrNameLst>
+                                          <p:attrName>style.visibility</p:attrName>
+                                        </p:attrNameLst>
+                                      </p:cBhvr>
+                                      <p:to>
+                                        <p:strVal val="visible"/>
+                                      </p:to>
+                                    </p:set>
                                   </p:childTnLst>
                                 </p:cTn>
                               </p:par>
@@ -28257,7 +29070,7 @@
 </file>
 
 <file path=ppt/slides/slide2.xml><?xml version="1.0" encoding="utf-8"?>
-<p:sld xmlns:a="http://schemas.openxmlformats.org/drawingml/2006/main" xmlns:r="http://schemas.openxmlformats.org/officeDocument/2006/relationships" xmlns:p="http://schemas.openxmlformats.org/presentationml/2006/main">
+<p:sld xmlns:a="http://schemas.openxmlformats.org/drawingml/2006/main" xmlns:r="http://schemas.openxmlformats.org/officeDocument/2006/relationships" xmlns:p="http://schemas.openxmlformats.org/presentationml/2006/main" show="0">
   <p:cSld>
     <p:spTree>
       <p:nvGrpSpPr>
@@ -28603,7 +29416,7 @@
 </file>
 
 <file path=ppt/slides/slide20.xml><?xml version="1.0" encoding="utf-8"?>
-<p:sld xmlns:a="http://schemas.openxmlformats.org/drawingml/2006/main" xmlns:r="http://schemas.openxmlformats.org/officeDocument/2006/relationships" xmlns:p="http://schemas.openxmlformats.org/presentationml/2006/main">
+<p:sld xmlns:a="http://schemas.openxmlformats.org/drawingml/2006/main" xmlns:r="http://schemas.openxmlformats.org/officeDocument/2006/relationships" xmlns:p="http://schemas.openxmlformats.org/presentationml/2006/main" show="0">
   <p:cSld>
     <p:spTree>
       <p:nvGrpSpPr>
@@ -28653,7 +29466,7 @@
                   <a:schemeClr val="bg1"/>
                 </a:solidFill>
               </a:rPr>
-              <a:t>Language Typing</a:t>
+              <a:t>Closure</a:t>
             </a:r>
             <a:endParaRPr lang="en-US" sz="2400" b="1" dirty="0">
               <a:solidFill>
@@ -28672,7 +29485,7 @@
         <p:spPr>
           <a:xfrm>
             <a:off x="304800" y="1314271"/>
-            <a:ext cx="8000999" cy="2862322"/>
+            <a:ext cx="8000999" cy="1569660"/>
           </a:xfrm>
           <a:prstGeom prst="rect">
             <a:avLst/>
@@ -28685,7 +29498,16 @@
           </a:bodyPr>
           <a:lstStyle/>
           <a:p>
-            <a:endParaRPr lang="en-US" sz="3600" dirty="0"/>
+            <a:pPr algn="ctr"/>
+            <a:r>
+              <a:rPr lang="en-US" sz="9600" dirty="0" smtClean="0">
+                <a:latin typeface="Myriad Pro Light" panose="020B0403030403020204" pitchFamily="34" charset="0"/>
+              </a:rPr>
+              <a:t>Demo Time</a:t>
+            </a:r>
+            <a:endParaRPr lang="en-US" sz="9600" dirty="0">
+              <a:latin typeface="Myriad Pro Light" panose="020B0403030403020204" pitchFamily="34" charset="0"/>
+            </a:endParaRPr>
           </a:p>
         </p:txBody>
       </p:sp>
@@ -28858,70 +29680,10 @@
           </a:p>
         </p:txBody>
       </p:sp>
-      <p:sp>
-        <p:nvSpPr>
-          <p:cNvPr id="5" name="TextBox 4"/>
-          <p:cNvSpPr txBox="1"/>
-          <p:nvPr/>
-        </p:nvSpPr>
-        <p:spPr>
-          <a:xfrm>
-            <a:off x="304800" y="1314271"/>
-            <a:ext cx="8000999" cy="3416320"/>
-          </a:xfrm>
-          <a:prstGeom prst="rect">
-            <a:avLst/>
-          </a:prstGeom>
-          <a:noFill/>
-        </p:spPr>
-        <p:txBody>
-          <a:bodyPr wrap="square" rtlCol="0">
-            <a:spAutoFit/>
-          </a:bodyPr>
-          <a:lstStyle/>
-          <a:p>
-            <a:r>
-              <a:rPr lang="en-US" sz="3600" dirty="0" smtClean="0">
-                <a:latin typeface="Myriad Pro Light" panose="020B0403030403020204" pitchFamily="34" charset="0"/>
-              </a:rPr>
-              <a:t>Is Dynamic</a:t>
-            </a:r>
-          </a:p>
-          <a:p>
-            <a:endParaRPr lang="en-US" sz="3600" dirty="0">
-              <a:latin typeface="Myriad Pro Light" panose="020B0403030403020204" pitchFamily="34" charset="0"/>
-            </a:endParaRPr>
-          </a:p>
-          <a:p>
-            <a:r>
-              <a:rPr lang="en-US" sz="3600" dirty="0" smtClean="0">
-                <a:latin typeface="Myriad Pro Light" panose="020B0403030403020204" pitchFamily="34" charset="0"/>
-              </a:rPr>
-              <a:t>‘the meaning’ of items can change</a:t>
-            </a:r>
-          </a:p>
-          <a:p>
-            <a:endParaRPr lang="en-US" sz="3600" dirty="0">
-              <a:latin typeface="Myriad Pro Light" panose="020B0403030403020204" pitchFamily="34" charset="0"/>
-            </a:endParaRPr>
-          </a:p>
-          <a:p>
-            <a:r>
-              <a:rPr lang="en-US" sz="3600" dirty="0" smtClean="0">
-                <a:latin typeface="Myriad Pro Light" panose="020B0403030403020204" pitchFamily="34" charset="0"/>
-              </a:rPr>
-              <a:t>Can make debugging harder than static languages</a:t>
-            </a:r>
-            <a:endParaRPr lang="en-US" sz="3600" dirty="0">
-              <a:latin typeface="Myriad Pro Light" panose="020B0403030403020204" pitchFamily="34" charset="0"/>
-            </a:endParaRPr>
-          </a:p>
-        </p:txBody>
-      </p:sp>
     </p:spTree>
     <p:extLst>
       <p:ext uri="{BB962C8B-B14F-4D97-AF65-F5344CB8AC3E}">
-        <p14:creationId xmlns:p14="http://schemas.microsoft.com/office/powerpoint/2010/main" val="2871218711"/>
+        <p14:creationId xmlns:p14="http://schemas.microsoft.com/office/powerpoint/2010/main" val="357628571"/>
       </p:ext>
     </p:extLst>
   </p:cSld>
@@ -29131,7 +29893,7 @@
         <p:spPr>
           <a:xfrm>
             <a:off x="304800" y="1314271"/>
-            <a:ext cx="8000999" cy="1569660"/>
+            <a:ext cx="8000999" cy="2862322"/>
           </a:xfrm>
           <a:prstGeom prst="rect">
             <a:avLst/>
@@ -29144,16 +29906,7 @@
           </a:bodyPr>
           <a:lstStyle/>
           <a:p>
-            <a:pPr algn="ctr"/>
-            <a:r>
-              <a:rPr lang="en-US" sz="9600" dirty="0" smtClean="0">
-                <a:latin typeface="Myriad Pro Light" panose="020B0403030403020204" pitchFamily="34" charset="0"/>
-              </a:rPr>
-              <a:t>Demo Time</a:t>
-            </a:r>
-            <a:endParaRPr lang="en-US" sz="9600" dirty="0">
-              <a:latin typeface="Myriad Pro Light" panose="020B0403030403020204" pitchFamily="34" charset="0"/>
-            </a:endParaRPr>
+            <a:endParaRPr lang="en-US" sz="3600" dirty="0"/>
           </a:p>
         </p:txBody>
       </p:sp>
@@ -29326,10 +30079,88 @@
           </a:p>
         </p:txBody>
       </p:sp>
+      <p:sp>
+        <p:nvSpPr>
+          <p:cNvPr id="5" name="TextBox 4"/>
+          <p:cNvSpPr txBox="1"/>
+          <p:nvPr/>
+        </p:nvSpPr>
+        <p:spPr>
+          <a:xfrm>
+            <a:off x="304800" y="1314271"/>
+            <a:ext cx="8000999" cy="5078313"/>
+          </a:xfrm>
+          <a:prstGeom prst="rect">
+            <a:avLst/>
+          </a:prstGeom>
+          <a:noFill/>
+        </p:spPr>
+        <p:txBody>
+          <a:bodyPr wrap="square" rtlCol="0">
+            <a:spAutoFit/>
+          </a:bodyPr>
+          <a:lstStyle/>
+          <a:p>
+            <a:r>
+              <a:rPr lang="en-US" sz="3600" dirty="0" smtClean="0">
+                <a:latin typeface="Myriad Pro Light" panose="020B0403030403020204" pitchFamily="34" charset="0"/>
+              </a:rPr>
+              <a:t>Is Dynamic</a:t>
+            </a:r>
+          </a:p>
+          <a:p>
+            <a:endParaRPr lang="en-US" sz="3600" dirty="0">
+              <a:latin typeface="Myriad Pro Light" panose="020B0403030403020204" pitchFamily="34" charset="0"/>
+            </a:endParaRPr>
+          </a:p>
+          <a:p>
+            <a:r>
+              <a:rPr lang="en-US" sz="3600" dirty="0" smtClean="0">
+                <a:latin typeface="Myriad Pro Light" panose="020B0403030403020204" pitchFamily="34" charset="0"/>
+              </a:rPr>
+              <a:t>‘the meaning’ of items can change</a:t>
+            </a:r>
+          </a:p>
+          <a:p>
+            <a:endParaRPr lang="en-US" sz="3600" dirty="0">
+              <a:latin typeface="Myriad Pro Light" panose="020B0403030403020204" pitchFamily="34" charset="0"/>
+            </a:endParaRPr>
+          </a:p>
+          <a:p>
+            <a:r>
+              <a:rPr lang="en-US" sz="3600" dirty="0" smtClean="0">
+                <a:latin typeface="Myriad Pro Light" panose="020B0403030403020204" pitchFamily="34" charset="0"/>
+              </a:rPr>
+              <a:t>Can make debugging harder than static languages</a:t>
+            </a:r>
+          </a:p>
+          <a:p>
+            <a:endParaRPr lang="en-US" sz="3600" dirty="0">
+              <a:latin typeface="Myriad Pro Light" panose="020B0403030403020204" pitchFamily="34" charset="0"/>
+            </a:endParaRPr>
+          </a:p>
+          <a:p>
+            <a:endParaRPr lang="en-US" sz="3600" dirty="0" smtClean="0">
+              <a:latin typeface="Myriad Pro Light" panose="020B0403030403020204" pitchFamily="34" charset="0"/>
+            </a:endParaRPr>
+          </a:p>
+          <a:p>
+            <a:r>
+              <a:rPr lang="en-US" sz="3600" dirty="0" smtClean="0">
+                <a:latin typeface="Myriad Pro Light" panose="020B0403030403020204" pitchFamily="34" charset="0"/>
+              </a:rPr>
+              <a:t>Demo Time</a:t>
+            </a:r>
+            <a:endParaRPr lang="en-US" sz="3600" dirty="0">
+              <a:latin typeface="Myriad Pro Light" panose="020B0403030403020204" pitchFamily="34" charset="0"/>
+            </a:endParaRPr>
+          </a:p>
+        </p:txBody>
+      </p:sp>
     </p:spTree>
     <p:extLst>
       <p:ext uri="{BB962C8B-B14F-4D97-AF65-F5344CB8AC3E}">
-        <p14:creationId xmlns:p14="http://schemas.microsoft.com/office/powerpoint/2010/main" val="3215691454"/>
+        <p14:creationId xmlns:p14="http://schemas.microsoft.com/office/powerpoint/2010/main" val="2871218711"/>
       </p:ext>
     </p:extLst>
   </p:cSld>
@@ -29441,6 +30272,202 @@
                       </p:childTnLst>
                     </p:cTn>
                   </p:par>
+                  <p:par>
+                    <p:cTn id="9" fill="hold">
+                      <p:stCondLst>
+                        <p:cond delay="indefinite"/>
+                      </p:stCondLst>
+                      <p:childTnLst>
+                        <p:par>
+                          <p:cTn id="10" fill="hold">
+                            <p:stCondLst>
+                              <p:cond delay="0"/>
+                            </p:stCondLst>
+                            <p:childTnLst>
+                              <p:par>
+                                <p:cTn id="11" presetID="1" presetClass="entr" presetSubtype="0" fill="hold" nodeType="clickEffect">
+                                  <p:stCondLst>
+                                    <p:cond delay="0"/>
+                                  </p:stCondLst>
+                                  <p:childTnLst>
+                                    <p:set>
+                                      <p:cBhvr>
+                                        <p:cTn id="12" dur="1" fill="hold">
+                                          <p:stCondLst>
+                                            <p:cond delay="0"/>
+                                          </p:stCondLst>
+                                        </p:cTn>
+                                        <p:tgtEl>
+                                          <p:spTgt spid="5">
+                                            <p:txEl>
+                                              <p:pRg st="0" end="0"/>
+                                            </p:txEl>
+                                          </p:spTgt>
+                                        </p:tgtEl>
+                                        <p:attrNameLst>
+                                          <p:attrName>style.visibility</p:attrName>
+                                        </p:attrNameLst>
+                                      </p:cBhvr>
+                                      <p:to>
+                                        <p:strVal val="visible"/>
+                                      </p:to>
+                                    </p:set>
+                                  </p:childTnLst>
+                                </p:cTn>
+                              </p:par>
+                            </p:childTnLst>
+                          </p:cTn>
+                        </p:par>
+                      </p:childTnLst>
+                    </p:cTn>
+                  </p:par>
+                  <p:par>
+                    <p:cTn id="13" fill="hold">
+                      <p:stCondLst>
+                        <p:cond delay="indefinite"/>
+                      </p:stCondLst>
+                      <p:childTnLst>
+                        <p:par>
+                          <p:cTn id="14" fill="hold">
+                            <p:stCondLst>
+                              <p:cond delay="0"/>
+                            </p:stCondLst>
+                            <p:childTnLst>
+                              <p:par>
+                                <p:cTn id="15" presetID="1" presetClass="entr" presetSubtype="0" fill="hold" nodeType="clickEffect">
+                                  <p:stCondLst>
+                                    <p:cond delay="0"/>
+                                  </p:stCondLst>
+                                  <p:childTnLst>
+                                    <p:set>
+                                      <p:cBhvr>
+                                        <p:cTn id="16" dur="1" fill="hold">
+                                          <p:stCondLst>
+                                            <p:cond delay="0"/>
+                                          </p:stCondLst>
+                                        </p:cTn>
+                                        <p:tgtEl>
+                                          <p:spTgt spid="5">
+                                            <p:txEl>
+                                              <p:pRg st="2" end="2"/>
+                                            </p:txEl>
+                                          </p:spTgt>
+                                        </p:tgtEl>
+                                        <p:attrNameLst>
+                                          <p:attrName>style.visibility</p:attrName>
+                                        </p:attrNameLst>
+                                      </p:cBhvr>
+                                      <p:to>
+                                        <p:strVal val="visible"/>
+                                      </p:to>
+                                    </p:set>
+                                  </p:childTnLst>
+                                </p:cTn>
+                              </p:par>
+                            </p:childTnLst>
+                          </p:cTn>
+                        </p:par>
+                      </p:childTnLst>
+                    </p:cTn>
+                  </p:par>
+                  <p:par>
+                    <p:cTn id="17" fill="hold">
+                      <p:stCondLst>
+                        <p:cond delay="indefinite"/>
+                      </p:stCondLst>
+                      <p:childTnLst>
+                        <p:par>
+                          <p:cTn id="18" fill="hold">
+                            <p:stCondLst>
+                              <p:cond delay="0"/>
+                            </p:stCondLst>
+                            <p:childTnLst>
+                              <p:par>
+                                <p:cTn id="19" presetID="1" presetClass="entr" presetSubtype="0" fill="hold" nodeType="clickEffect">
+                                  <p:stCondLst>
+                                    <p:cond delay="0"/>
+                                  </p:stCondLst>
+                                  <p:childTnLst>
+                                    <p:set>
+                                      <p:cBhvr>
+                                        <p:cTn id="20" dur="1" fill="hold">
+                                          <p:stCondLst>
+                                            <p:cond delay="0"/>
+                                          </p:stCondLst>
+                                        </p:cTn>
+                                        <p:tgtEl>
+                                          <p:spTgt spid="5">
+                                            <p:txEl>
+                                              <p:pRg st="4" end="4"/>
+                                            </p:txEl>
+                                          </p:spTgt>
+                                        </p:tgtEl>
+                                        <p:attrNameLst>
+                                          <p:attrName>style.visibility</p:attrName>
+                                        </p:attrNameLst>
+                                      </p:cBhvr>
+                                      <p:to>
+                                        <p:strVal val="visible"/>
+                                      </p:to>
+                                    </p:set>
+                                  </p:childTnLst>
+                                </p:cTn>
+                              </p:par>
+                            </p:childTnLst>
+                          </p:cTn>
+                        </p:par>
+                      </p:childTnLst>
+                    </p:cTn>
+                  </p:par>
+                  <p:par>
+                    <p:cTn id="21" fill="hold">
+                      <p:stCondLst>
+                        <p:cond delay="indefinite"/>
+                      </p:stCondLst>
+                      <p:childTnLst>
+                        <p:par>
+                          <p:cTn id="22" fill="hold">
+                            <p:stCondLst>
+                              <p:cond delay="0"/>
+                            </p:stCondLst>
+                            <p:childTnLst>
+                              <p:par>
+                                <p:cTn id="23" presetID="1" presetClass="entr" presetSubtype="0" fill="hold" nodeType="clickEffect">
+                                  <p:stCondLst>
+                                    <p:cond delay="0"/>
+                                  </p:stCondLst>
+                                  <p:childTnLst>
+                                    <p:set>
+                                      <p:cBhvr>
+                                        <p:cTn id="24" dur="1" fill="hold">
+                                          <p:stCondLst>
+                                            <p:cond delay="0"/>
+                                          </p:stCondLst>
+                                        </p:cTn>
+                                        <p:tgtEl>
+                                          <p:spTgt spid="5">
+                                            <p:txEl>
+                                              <p:pRg st="7" end="7"/>
+                                            </p:txEl>
+                                          </p:spTgt>
+                                        </p:tgtEl>
+                                        <p:attrNameLst>
+                                          <p:attrName>style.visibility</p:attrName>
+                                        </p:attrNameLst>
+                                      </p:cBhvr>
+                                      <p:to>
+                                        <p:strVal val="visible"/>
+                                      </p:to>
+                                    </p:set>
+                                  </p:childTnLst>
+                                </p:cTn>
+                              </p:par>
+                            </p:childTnLst>
+                          </p:cTn>
+                        </p:par>
+                      </p:childTnLst>
+                    </p:cTn>
+                  </p:par>
                 </p:childTnLst>
               </p:cTn>
               <p:prevCondLst>
@@ -29470,7 +30497,7 @@
 </file>
 
 <file path=ppt/slides/slide22.xml><?xml version="1.0" encoding="utf-8"?>
-<p:sld xmlns:a="http://schemas.openxmlformats.org/drawingml/2006/main" xmlns:r="http://schemas.openxmlformats.org/officeDocument/2006/relationships" xmlns:p="http://schemas.openxmlformats.org/presentationml/2006/main">
+<p:sld xmlns:a="http://schemas.openxmlformats.org/drawingml/2006/main" xmlns:r="http://schemas.openxmlformats.org/officeDocument/2006/relationships" xmlns:p="http://schemas.openxmlformats.org/presentationml/2006/main" show="0">
   <p:cSld>
     <p:spTree>
       <p:nvGrpSpPr>
@@ -29515,20 +30542,12 @@
           <a:lstStyle/>
           <a:p>
             <a:r>
-              <a:rPr lang="en-US" sz="2400" smtClean="0">
+              <a:rPr lang="en-US" sz="2400" dirty="0" smtClean="0">
                 <a:solidFill>
                   <a:schemeClr val="bg1"/>
                 </a:solidFill>
               </a:rPr>
-              <a:t>Implementation </a:t>
-            </a:r>
-            <a:r>
-              <a:rPr lang="en-US" sz="2400" dirty="0" smtClean="0">
-                <a:solidFill>
-                  <a:schemeClr val="bg1"/>
-                </a:solidFill>
-              </a:rPr>
-              <a:t>Patterns</a:t>
+              <a:t>Language Typing</a:t>
             </a:r>
             <a:endParaRPr lang="en-US" sz="2400" b="1" dirty="0">
               <a:solidFill>
@@ -29547,7 +30566,7 @@
         <p:spPr>
           <a:xfrm>
             <a:off x="304800" y="1314271"/>
-            <a:ext cx="8000999" cy="2862322"/>
+            <a:ext cx="8000999" cy="1569660"/>
           </a:xfrm>
           <a:prstGeom prst="rect">
             <a:avLst/>
@@ -29560,7 +30579,16 @@
           </a:bodyPr>
           <a:lstStyle/>
           <a:p>
-            <a:endParaRPr lang="en-US" sz="3600" dirty="0"/>
+            <a:pPr algn="ctr"/>
+            <a:r>
+              <a:rPr lang="en-US" sz="9600" dirty="0" smtClean="0">
+                <a:latin typeface="Myriad Pro Light" panose="020B0403030403020204" pitchFamily="34" charset="0"/>
+              </a:rPr>
+              <a:t>Demo Time</a:t>
+            </a:r>
+            <a:endParaRPr lang="en-US" sz="9600" dirty="0">
+              <a:latin typeface="Myriad Pro Light" panose="020B0403030403020204" pitchFamily="34" charset="0"/>
+            </a:endParaRPr>
           </a:p>
         </p:txBody>
       </p:sp>
@@ -29733,150 +30761,10 @@
           </a:p>
         </p:txBody>
       </p:sp>
-      <p:sp>
-        <p:nvSpPr>
-          <p:cNvPr id="5" name="TextBox 4"/>
-          <p:cNvSpPr txBox="1"/>
-          <p:nvPr/>
-        </p:nvSpPr>
-        <p:spPr>
-          <a:xfrm>
-            <a:off x="304800" y="1314271"/>
-            <a:ext cx="8000999" cy="4524315"/>
-          </a:xfrm>
-          <a:prstGeom prst="rect">
-            <a:avLst/>
-          </a:prstGeom>
-          <a:noFill/>
-        </p:spPr>
-        <p:txBody>
-          <a:bodyPr wrap="square" rtlCol="0">
-            <a:spAutoFit/>
-          </a:bodyPr>
-          <a:lstStyle/>
-          <a:p>
-            <a:r>
-              <a:rPr lang="en-US" sz="3600" dirty="0" smtClean="0">
-                <a:latin typeface="Myriad Pro Light" panose="020B0403030403020204" pitchFamily="34" charset="0"/>
-              </a:rPr>
-              <a:t>Prototype</a:t>
-            </a:r>
-          </a:p>
-          <a:p>
-            <a:r>
-              <a:rPr lang="en-US" sz="3600" dirty="0">
-                <a:latin typeface="Myriad Pro Light" panose="020B0403030403020204" pitchFamily="34" charset="0"/>
-              </a:rPr>
-              <a:t>	</a:t>
-            </a:r>
-            <a:r>
-              <a:rPr lang="en-US" sz="2400" dirty="0" smtClean="0">
-                <a:latin typeface="Myriad Pro Light" panose="020B0403030403020204" pitchFamily="34" charset="0"/>
-              </a:rPr>
-              <a:t>Leverages JavaScript’s built in features</a:t>
-            </a:r>
-          </a:p>
-          <a:p>
-            <a:r>
-              <a:rPr lang="en-US" sz="2400" dirty="0">
-                <a:latin typeface="Myriad Pro Light" panose="020B0403030403020204" pitchFamily="34" charset="0"/>
-              </a:rPr>
-              <a:t>	</a:t>
-            </a:r>
-            <a:r>
-              <a:rPr lang="en-US" sz="2400" dirty="0" smtClean="0">
-                <a:latin typeface="Myriad Pro Light" panose="020B0403030403020204" pitchFamily="34" charset="0"/>
-              </a:rPr>
-              <a:t>Loads functions into memory one time, </a:t>
-            </a:r>
-            <a:r>
-              <a:rPr lang="en-US" sz="2400" dirty="0" err="1" smtClean="0">
-                <a:latin typeface="Myriad Pro Light" panose="020B0403030403020204" pitchFamily="34" charset="0"/>
-              </a:rPr>
-              <a:t>perf</a:t>
-            </a:r>
-            <a:r>
-              <a:rPr lang="en-US" sz="2400" dirty="0" smtClean="0">
-                <a:latin typeface="Myriad Pro Light" panose="020B0403030403020204" pitchFamily="34" charset="0"/>
-              </a:rPr>
-              <a:t> gain</a:t>
-            </a:r>
-          </a:p>
-          <a:p>
-            <a:r>
-              <a:rPr lang="en-US" sz="2400" dirty="0">
-                <a:latin typeface="Myriad Pro Light" panose="020B0403030403020204" pitchFamily="34" charset="0"/>
-              </a:rPr>
-              <a:t>	</a:t>
-            </a:r>
-            <a:r>
-              <a:rPr lang="en-US" sz="2400" dirty="0" smtClean="0">
-                <a:latin typeface="Myriad Pro Light" panose="020B0403030403020204" pitchFamily="34" charset="0"/>
-              </a:rPr>
-              <a:t>Allows overriding functions</a:t>
-            </a:r>
-            <a:endParaRPr lang="en-US" sz="2400" dirty="0" smtClean="0">
-              <a:latin typeface="Myriad Pro Light" panose="020B0403030403020204" pitchFamily="34" charset="0"/>
-            </a:endParaRPr>
-          </a:p>
-          <a:p>
-            <a:endParaRPr lang="en-US" sz="3600" dirty="0">
-              <a:latin typeface="Myriad Pro Light" panose="020B0403030403020204" pitchFamily="34" charset="0"/>
-            </a:endParaRPr>
-          </a:p>
-          <a:p>
-            <a:r>
-              <a:rPr lang="en-US" sz="3600" dirty="0" smtClean="0">
-                <a:latin typeface="Myriad Pro Light" panose="020B0403030403020204" pitchFamily="34" charset="0"/>
-              </a:rPr>
-              <a:t>Module </a:t>
-            </a:r>
-          </a:p>
-          <a:p>
-            <a:r>
-              <a:rPr lang="en-US" sz="2400" dirty="0" smtClean="0">
-                <a:latin typeface="Myriad Pro Light" panose="020B0403030403020204" pitchFamily="34" charset="0"/>
-              </a:rPr>
-              <a:t>	Removes variables/functions from global scope</a:t>
-            </a:r>
-          </a:p>
-          <a:p>
-            <a:r>
-              <a:rPr lang="en-US" sz="2400" dirty="0">
-                <a:latin typeface="Myriad Pro Light" panose="020B0403030403020204" pitchFamily="34" charset="0"/>
-              </a:rPr>
-              <a:t>	</a:t>
-            </a:r>
-            <a:r>
-              <a:rPr lang="en-US" sz="2400" dirty="0" smtClean="0">
-                <a:latin typeface="Myriad Pro Light" panose="020B0403030403020204" pitchFamily="34" charset="0"/>
-              </a:rPr>
-              <a:t>Only exposed public members.</a:t>
-            </a:r>
-          </a:p>
-          <a:p>
-            <a:r>
-              <a:rPr lang="en-US" sz="2400" dirty="0">
-                <a:latin typeface="Myriad Pro Light" panose="020B0403030403020204" pitchFamily="34" charset="0"/>
-              </a:rPr>
-              <a:t>	</a:t>
-            </a:r>
-            <a:r>
-              <a:rPr lang="en-US" sz="2400" dirty="0" smtClean="0">
-                <a:latin typeface="Myriad Pro Light" panose="020B0403030403020204" pitchFamily="34" charset="0"/>
-              </a:rPr>
-              <a:t>Loads functions into memory for each instance of an 	object</a:t>
-            </a:r>
-            <a:endParaRPr lang="en-US" sz="2400" dirty="0">
-              <a:latin typeface="Myriad Pro Light" panose="020B0403030403020204" pitchFamily="34" charset="0"/>
-            </a:endParaRPr>
-          </a:p>
-        </p:txBody>
-      </p:sp>
     </p:spTree>
     <p:extLst>
       <p:ext uri="{BB962C8B-B14F-4D97-AF65-F5344CB8AC3E}">
-        <p14:creationId xmlns:p14="http://schemas.microsoft.com/office/powerpoint/2010/main" val="1607435485"/>
+        <p14:creationId xmlns:p14="http://schemas.microsoft.com/office/powerpoint/2010/main" val="3215691454"/>
       </p:ext>
     </p:extLst>
   </p:cSld>
@@ -30062,6 +30950,932 @@
           <a:lstStyle/>
           <a:p>
             <a:r>
+              <a:rPr lang="en-US" sz="2400" smtClean="0">
+                <a:solidFill>
+                  <a:schemeClr val="bg1"/>
+                </a:solidFill>
+              </a:rPr>
+              <a:t>Implementation </a:t>
+            </a:r>
+            <a:r>
+              <a:rPr lang="en-US" sz="2400" dirty="0" smtClean="0">
+                <a:solidFill>
+                  <a:schemeClr val="bg1"/>
+                </a:solidFill>
+              </a:rPr>
+              <a:t>Patterns</a:t>
+            </a:r>
+            <a:endParaRPr lang="en-US" sz="2400" b="1" dirty="0">
+              <a:solidFill>
+                <a:schemeClr val="bg1"/>
+              </a:solidFill>
+            </a:endParaRPr>
+          </a:p>
+        </p:txBody>
+      </p:sp>
+      <p:sp>
+        <p:nvSpPr>
+          <p:cNvPr id="2" name="TextBox 1"/>
+          <p:cNvSpPr txBox="1"/>
+          <p:nvPr/>
+        </p:nvSpPr>
+        <p:spPr>
+          <a:xfrm>
+            <a:off x="304800" y="1314271"/>
+            <a:ext cx="8000999" cy="2862322"/>
+          </a:xfrm>
+          <a:prstGeom prst="rect">
+            <a:avLst/>
+          </a:prstGeom>
+          <a:noFill/>
+        </p:spPr>
+        <p:txBody>
+          <a:bodyPr wrap="square" rtlCol="0">
+            <a:spAutoFit/>
+          </a:bodyPr>
+          <a:lstStyle/>
+          <a:p>
+            <a:endParaRPr lang="en-US" sz="3600" dirty="0"/>
+          </a:p>
+        </p:txBody>
+      </p:sp>
+      <p:sp>
+        <p:nvSpPr>
+          <p:cNvPr id="6" name="Text Placeholder 2"/>
+          <p:cNvSpPr txBox="1">
+            <a:spLocks/>
+          </p:cNvSpPr>
+          <p:nvPr/>
+        </p:nvSpPr>
+        <p:spPr>
+          <a:xfrm rot="5400000">
+            <a:off x="5682853" y="2925276"/>
+            <a:ext cx="6400800" cy="521494"/>
+          </a:xfrm>
+          <a:prstGeom prst="rect">
+            <a:avLst/>
+          </a:prstGeom>
+        </p:spPr>
+        <p:txBody>
+          <a:bodyPr>
+            <a:noAutofit/>
+          </a:bodyPr>
+          <a:lstStyle>
+            <a:lvl1pPr marL="342900" indent="-342900" algn="l" defTabSz="914400" rtl="0" eaLnBrk="1" latinLnBrk="0" hangingPunct="1">
+              <a:spcBef>
+                <a:spcPct val="20000"/>
+              </a:spcBef>
+              <a:buFont typeface="Arial" pitchFamily="34" charset="0"/>
+              <a:buChar char="•"/>
+              <a:defRPr sz="3200" kern="1200">
+                <a:solidFill>
+                  <a:schemeClr val="tx1"/>
+                </a:solidFill>
+                <a:latin typeface="+mn-lt"/>
+                <a:ea typeface="+mn-ea"/>
+                <a:cs typeface="+mn-cs"/>
+              </a:defRPr>
+            </a:lvl1pPr>
+            <a:lvl2pPr marL="742950" indent="-285750" algn="l" defTabSz="914400" rtl="0" eaLnBrk="1" latinLnBrk="0" hangingPunct="1">
+              <a:spcBef>
+                <a:spcPct val="20000"/>
+              </a:spcBef>
+              <a:buFont typeface="Arial" pitchFamily="34" charset="0"/>
+              <a:buChar char="–"/>
+              <a:defRPr sz="2800" kern="1200">
+                <a:solidFill>
+                  <a:schemeClr val="tx1"/>
+                </a:solidFill>
+                <a:latin typeface="+mn-lt"/>
+                <a:ea typeface="+mn-ea"/>
+                <a:cs typeface="+mn-cs"/>
+              </a:defRPr>
+            </a:lvl2pPr>
+            <a:lvl3pPr marL="1143000" indent="-228600" algn="l" defTabSz="914400" rtl="0" eaLnBrk="1" latinLnBrk="0" hangingPunct="1">
+              <a:spcBef>
+                <a:spcPct val="20000"/>
+              </a:spcBef>
+              <a:buFont typeface="Arial" pitchFamily="34" charset="0"/>
+              <a:buChar char="•"/>
+              <a:defRPr sz="2400" kern="1200">
+                <a:solidFill>
+                  <a:schemeClr val="tx1"/>
+                </a:solidFill>
+                <a:latin typeface="+mn-lt"/>
+                <a:ea typeface="+mn-ea"/>
+                <a:cs typeface="+mn-cs"/>
+              </a:defRPr>
+            </a:lvl3pPr>
+            <a:lvl4pPr marL="1600200" indent="-228600" algn="l" defTabSz="914400" rtl="0" eaLnBrk="1" latinLnBrk="0" hangingPunct="1">
+              <a:spcBef>
+                <a:spcPct val="20000"/>
+              </a:spcBef>
+              <a:buFont typeface="Arial" pitchFamily="34" charset="0"/>
+              <a:buChar char="–"/>
+              <a:defRPr sz="2000" kern="1200">
+                <a:solidFill>
+                  <a:schemeClr val="tx1"/>
+                </a:solidFill>
+                <a:latin typeface="+mn-lt"/>
+                <a:ea typeface="+mn-ea"/>
+                <a:cs typeface="+mn-cs"/>
+              </a:defRPr>
+            </a:lvl4pPr>
+            <a:lvl5pPr marL="2057400" indent="-228600" algn="l" defTabSz="914400" rtl="0" eaLnBrk="1" latinLnBrk="0" hangingPunct="1">
+              <a:spcBef>
+                <a:spcPct val="20000"/>
+              </a:spcBef>
+              <a:buFont typeface="Arial" pitchFamily="34" charset="0"/>
+              <a:buChar char="»"/>
+              <a:defRPr sz="2000" kern="1200">
+                <a:solidFill>
+                  <a:schemeClr val="tx1"/>
+                </a:solidFill>
+                <a:latin typeface="+mn-lt"/>
+                <a:ea typeface="+mn-ea"/>
+                <a:cs typeface="+mn-cs"/>
+              </a:defRPr>
+            </a:lvl5pPr>
+            <a:lvl6pPr marL="2514600" indent="-228600" algn="l" defTabSz="914400" rtl="0" eaLnBrk="1" latinLnBrk="0" hangingPunct="1">
+              <a:spcBef>
+                <a:spcPct val="20000"/>
+              </a:spcBef>
+              <a:buFont typeface="Arial" pitchFamily="34" charset="0"/>
+              <a:buChar char="•"/>
+              <a:defRPr sz="2000" kern="1200">
+                <a:solidFill>
+                  <a:schemeClr val="tx1"/>
+                </a:solidFill>
+                <a:latin typeface="+mn-lt"/>
+                <a:ea typeface="+mn-ea"/>
+                <a:cs typeface="+mn-cs"/>
+              </a:defRPr>
+            </a:lvl6pPr>
+            <a:lvl7pPr marL="2971800" indent="-228600" algn="l" defTabSz="914400" rtl="0" eaLnBrk="1" latinLnBrk="0" hangingPunct="1">
+              <a:spcBef>
+                <a:spcPct val="20000"/>
+              </a:spcBef>
+              <a:buFont typeface="Arial" pitchFamily="34" charset="0"/>
+              <a:buChar char="•"/>
+              <a:defRPr sz="2000" kern="1200">
+                <a:solidFill>
+                  <a:schemeClr val="tx1"/>
+                </a:solidFill>
+                <a:latin typeface="+mn-lt"/>
+                <a:ea typeface="+mn-ea"/>
+                <a:cs typeface="+mn-cs"/>
+              </a:defRPr>
+            </a:lvl7pPr>
+            <a:lvl8pPr marL="3429000" indent="-228600" algn="l" defTabSz="914400" rtl="0" eaLnBrk="1" latinLnBrk="0" hangingPunct="1">
+              <a:spcBef>
+                <a:spcPct val="20000"/>
+              </a:spcBef>
+              <a:buFont typeface="Arial" pitchFamily="34" charset="0"/>
+              <a:buChar char="•"/>
+              <a:defRPr sz="2000" kern="1200">
+                <a:solidFill>
+                  <a:schemeClr val="tx1"/>
+                </a:solidFill>
+                <a:latin typeface="+mn-lt"/>
+                <a:ea typeface="+mn-ea"/>
+                <a:cs typeface="+mn-cs"/>
+              </a:defRPr>
+            </a:lvl8pPr>
+            <a:lvl9pPr marL="3886200" indent="-228600" algn="l" defTabSz="914400" rtl="0" eaLnBrk="1" latinLnBrk="0" hangingPunct="1">
+              <a:spcBef>
+                <a:spcPct val="20000"/>
+              </a:spcBef>
+              <a:buFont typeface="Arial" pitchFamily="34" charset="0"/>
+              <a:buChar char="•"/>
+              <a:defRPr sz="2000" kern="1200">
+                <a:solidFill>
+                  <a:schemeClr val="tx1"/>
+                </a:solidFill>
+                <a:latin typeface="+mn-lt"/>
+                <a:ea typeface="+mn-ea"/>
+                <a:cs typeface="+mn-cs"/>
+              </a:defRPr>
+            </a:lvl9pPr>
+          </a:lstStyle>
+          <a:p>
+            <a:pPr>
+              <a:buNone/>
+            </a:pPr>
+            <a:r>
+              <a:rPr lang="en-US" b="1" dirty="0"/>
+              <a:t>Language Primer</a:t>
+            </a:r>
+          </a:p>
+        </p:txBody>
+      </p:sp>
+      <p:sp>
+        <p:nvSpPr>
+          <p:cNvPr id="5" name="TextBox 4"/>
+          <p:cNvSpPr txBox="1"/>
+          <p:nvPr/>
+        </p:nvSpPr>
+        <p:spPr>
+          <a:xfrm>
+            <a:off x="304800" y="1314271"/>
+            <a:ext cx="8000999" cy="5170646"/>
+          </a:xfrm>
+          <a:prstGeom prst="rect">
+            <a:avLst/>
+          </a:prstGeom>
+          <a:noFill/>
+        </p:spPr>
+        <p:txBody>
+          <a:bodyPr wrap="square" rtlCol="0">
+            <a:spAutoFit/>
+          </a:bodyPr>
+          <a:lstStyle/>
+          <a:p>
+            <a:r>
+              <a:rPr lang="en-US" sz="3600" dirty="0" smtClean="0">
+                <a:latin typeface="Myriad Pro Light" panose="020B0403030403020204" pitchFamily="34" charset="0"/>
+              </a:rPr>
+              <a:t>Prototype</a:t>
+            </a:r>
+          </a:p>
+          <a:p>
+            <a:r>
+              <a:rPr lang="en-US" sz="3600" dirty="0">
+                <a:latin typeface="Myriad Pro Light" panose="020B0403030403020204" pitchFamily="34" charset="0"/>
+              </a:rPr>
+              <a:t>	</a:t>
+            </a:r>
+            <a:r>
+              <a:rPr lang="en-US" sz="2400" dirty="0" smtClean="0">
+                <a:latin typeface="Myriad Pro Light" panose="020B0403030403020204" pitchFamily="34" charset="0"/>
+              </a:rPr>
+              <a:t>Leverages JavaScript’s built in features</a:t>
+            </a:r>
+          </a:p>
+          <a:p>
+            <a:r>
+              <a:rPr lang="en-US" sz="2400" dirty="0">
+                <a:latin typeface="Myriad Pro Light" panose="020B0403030403020204" pitchFamily="34" charset="0"/>
+              </a:rPr>
+              <a:t>	</a:t>
+            </a:r>
+            <a:r>
+              <a:rPr lang="en-US" sz="2400" dirty="0" smtClean="0">
+                <a:latin typeface="Myriad Pro Light" panose="020B0403030403020204" pitchFamily="34" charset="0"/>
+              </a:rPr>
+              <a:t>Loads functions into memory one time, </a:t>
+            </a:r>
+            <a:r>
+              <a:rPr lang="en-US" sz="2400" dirty="0" err="1" smtClean="0">
+                <a:latin typeface="Myriad Pro Light" panose="020B0403030403020204" pitchFamily="34" charset="0"/>
+              </a:rPr>
+              <a:t>perf</a:t>
+            </a:r>
+            <a:r>
+              <a:rPr lang="en-US" sz="2400" dirty="0" smtClean="0">
+                <a:latin typeface="Myriad Pro Light" panose="020B0403030403020204" pitchFamily="34" charset="0"/>
+              </a:rPr>
+              <a:t> gain</a:t>
+            </a:r>
+          </a:p>
+          <a:p>
+            <a:r>
+              <a:rPr lang="en-US" sz="2400" dirty="0">
+                <a:latin typeface="Myriad Pro Light" panose="020B0403030403020204" pitchFamily="34" charset="0"/>
+              </a:rPr>
+              <a:t>	</a:t>
+            </a:r>
+            <a:r>
+              <a:rPr lang="en-US" sz="2400" dirty="0" smtClean="0">
+                <a:latin typeface="Myriad Pro Light" panose="020B0403030403020204" pitchFamily="34" charset="0"/>
+              </a:rPr>
+              <a:t>Allows overriding functions</a:t>
+            </a:r>
+          </a:p>
+          <a:p>
+            <a:endParaRPr lang="en-US" dirty="0">
+              <a:latin typeface="Myriad Pro Light" panose="020B0403030403020204" pitchFamily="34" charset="0"/>
+            </a:endParaRPr>
+          </a:p>
+          <a:p>
+            <a:r>
+              <a:rPr lang="en-US" sz="3600" dirty="0" smtClean="0">
+                <a:latin typeface="Myriad Pro Light" panose="020B0403030403020204" pitchFamily="34" charset="0"/>
+              </a:rPr>
+              <a:t>Module </a:t>
+            </a:r>
+          </a:p>
+          <a:p>
+            <a:r>
+              <a:rPr lang="en-US" sz="2400" dirty="0" smtClean="0">
+                <a:latin typeface="Myriad Pro Light" panose="020B0403030403020204" pitchFamily="34" charset="0"/>
+              </a:rPr>
+              <a:t>	Removes variables/functions from global scope</a:t>
+            </a:r>
+          </a:p>
+          <a:p>
+            <a:r>
+              <a:rPr lang="en-US" sz="2400" dirty="0">
+                <a:latin typeface="Myriad Pro Light" panose="020B0403030403020204" pitchFamily="34" charset="0"/>
+              </a:rPr>
+              <a:t>	</a:t>
+            </a:r>
+            <a:r>
+              <a:rPr lang="en-US" sz="2400" dirty="0" smtClean="0">
+                <a:latin typeface="Myriad Pro Light" panose="020B0403030403020204" pitchFamily="34" charset="0"/>
+              </a:rPr>
+              <a:t>Only exposed public members.</a:t>
+            </a:r>
+          </a:p>
+          <a:p>
+            <a:r>
+              <a:rPr lang="en-US" sz="2400" dirty="0">
+                <a:latin typeface="Myriad Pro Light" panose="020B0403030403020204" pitchFamily="34" charset="0"/>
+              </a:rPr>
+              <a:t>	</a:t>
+            </a:r>
+            <a:r>
+              <a:rPr lang="en-US" sz="2400" dirty="0" smtClean="0">
+                <a:latin typeface="Myriad Pro Light" panose="020B0403030403020204" pitchFamily="34" charset="0"/>
+              </a:rPr>
+              <a:t>Loads functions into memory for each instance of an 	object</a:t>
+            </a:r>
+          </a:p>
+          <a:p>
+            <a:endParaRPr lang="en-US" sz="2400" dirty="0" smtClean="0">
+              <a:latin typeface="Myriad Pro Light" panose="020B0403030403020204" pitchFamily="34" charset="0"/>
+            </a:endParaRPr>
+          </a:p>
+          <a:p>
+            <a:r>
+              <a:rPr lang="en-US" sz="3600" dirty="0" smtClean="0">
+                <a:latin typeface="Myriad Pro Light" panose="020B0403030403020204" pitchFamily="34" charset="0"/>
+              </a:rPr>
+              <a:t>Demo Time</a:t>
+            </a:r>
+            <a:endParaRPr lang="en-US" sz="3600" dirty="0">
+              <a:latin typeface="Myriad Pro Light" panose="020B0403030403020204" pitchFamily="34" charset="0"/>
+            </a:endParaRPr>
+          </a:p>
+        </p:txBody>
+      </p:sp>
+    </p:spTree>
+    <p:extLst>
+      <p:ext uri="{BB962C8B-B14F-4D97-AF65-F5344CB8AC3E}">
+        <p14:creationId xmlns:p14="http://schemas.microsoft.com/office/powerpoint/2010/main" val="1607435485"/>
+      </p:ext>
+    </p:extLst>
+  </p:cSld>
+  <p:clrMapOvr>
+    <a:masterClrMapping/>
+  </p:clrMapOvr>
+  <p:transition spd="slow">
+    <p:wipe/>
+  </p:transition>
+  <p:timing>
+    <p:tnLst>
+      <p:par>
+        <p:cTn id="1" dur="indefinite" restart="never" nodeType="tmRoot">
+          <p:childTnLst>
+            <p:seq concurrent="1" nextAc="seek">
+              <p:cTn id="2" dur="indefinite" nodeType="mainSeq">
+                <p:childTnLst>
+                  <p:par>
+                    <p:cTn id="3" fill="hold">
+                      <p:stCondLst>
+                        <p:cond delay="indefinite"/>
+                        <p:cond evt="onBegin" delay="0">
+                          <p:tn val="2"/>
+                        </p:cond>
+                      </p:stCondLst>
+                      <p:childTnLst>
+                        <p:par>
+                          <p:cTn id="4" fill="hold">
+                            <p:stCondLst>
+                              <p:cond delay="0"/>
+                            </p:stCondLst>
+                            <p:childTnLst>
+                              <p:par>
+                                <p:cTn id="5" presetID="2" presetClass="entr" presetSubtype="8" fill="hold" grpId="0" nodeType="afterEffect">
+                                  <p:stCondLst>
+                                    <p:cond delay="100"/>
+                                  </p:stCondLst>
+                                  <p:childTnLst>
+                                    <p:set>
+                                      <p:cBhvr>
+                                        <p:cTn id="6" dur="1" fill="hold">
+                                          <p:stCondLst>
+                                            <p:cond delay="0"/>
+                                          </p:stCondLst>
+                                        </p:cTn>
+                                        <p:tgtEl>
+                                          <p:spTgt spid="15"/>
+                                        </p:tgtEl>
+                                        <p:attrNameLst>
+                                          <p:attrName>style.visibility</p:attrName>
+                                        </p:attrNameLst>
+                                      </p:cBhvr>
+                                      <p:to>
+                                        <p:strVal val="visible"/>
+                                      </p:to>
+                                    </p:set>
+                                    <p:anim calcmode="lin" valueType="num">
+                                      <p:cBhvr additive="base">
+                                        <p:cTn id="7" dur="500" fill="hold"/>
+                                        <p:tgtEl>
+                                          <p:spTgt spid="15"/>
+                                        </p:tgtEl>
+                                        <p:attrNameLst>
+                                          <p:attrName>ppt_x</p:attrName>
+                                        </p:attrNameLst>
+                                      </p:cBhvr>
+                                      <p:tavLst>
+                                        <p:tav tm="0">
+                                          <p:val>
+                                            <p:strVal val="0-#ppt_w/2"/>
+                                          </p:val>
+                                        </p:tav>
+                                        <p:tav tm="100000">
+                                          <p:val>
+                                            <p:strVal val="#ppt_x"/>
+                                          </p:val>
+                                        </p:tav>
+                                      </p:tavLst>
+                                    </p:anim>
+                                    <p:anim calcmode="lin" valueType="num">
+                                      <p:cBhvr additive="base">
+                                        <p:cTn id="8" dur="500" fill="hold"/>
+                                        <p:tgtEl>
+                                          <p:spTgt spid="15"/>
+                                        </p:tgtEl>
+                                        <p:attrNameLst>
+                                          <p:attrName>ppt_y</p:attrName>
+                                        </p:attrNameLst>
+                                      </p:cBhvr>
+                                      <p:tavLst>
+                                        <p:tav tm="0">
+                                          <p:val>
+                                            <p:strVal val="#ppt_y"/>
+                                          </p:val>
+                                        </p:tav>
+                                        <p:tav tm="100000">
+                                          <p:val>
+                                            <p:strVal val="#ppt_y"/>
+                                          </p:val>
+                                        </p:tav>
+                                      </p:tavLst>
+                                    </p:anim>
+                                  </p:childTnLst>
+                                </p:cTn>
+                              </p:par>
+                            </p:childTnLst>
+                          </p:cTn>
+                        </p:par>
+                      </p:childTnLst>
+                    </p:cTn>
+                  </p:par>
+                  <p:par>
+                    <p:cTn id="9" fill="hold">
+                      <p:stCondLst>
+                        <p:cond delay="indefinite"/>
+                      </p:stCondLst>
+                      <p:childTnLst>
+                        <p:par>
+                          <p:cTn id="10" fill="hold">
+                            <p:stCondLst>
+                              <p:cond delay="0"/>
+                            </p:stCondLst>
+                            <p:childTnLst>
+                              <p:par>
+                                <p:cTn id="11" presetID="1" presetClass="entr" presetSubtype="0" fill="hold" nodeType="clickEffect">
+                                  <p:stCondLst>
+                                    <p:cond delay="0"/>
+                                  </p:stCondLst>
+                                  <p:childTnLst>
+                                    <p:set>
+                                      <p:cBhvr>
+                                        <p:cTn id="12" dur="1" fill="hold">
+                                          <p:stCondLst>
+                                            <p:cond delay="0"/>
+                                          </p:stCondLst>
+                                        </p:cTn>
+                                        <p:tgtEl>
+                                          <p:spTgt spid="5">
+                                            <p:txEl>
+                                              <p:pRg st="0" end="0"/>
+                                            </p:txEl>
+                                          </p:spTgt>
+                                        </p:tgtEl>
+                                        <p:attrNameLst>
+                                          <p:attrName>style.visibility</p:attrName>
+                                        </p:attrNameLst>
+                                      </p:cBhvr>
+                                      <p:to>
+                                        <p:strVal val="visible"/>
+                                      </p:to>
+                                    </p:set>
+                                  </p:childTnLst>
+                                </p:cTn>
+                              </p:par>
+                            </p:childTnLst>
+                          </p:cTn>
+                        </p:par>
+                      </p:childTnLst>
+                    </p:cTn>
+                  </p:par>
+                  <p:par>
+                    <p:cTn id="13" fill="hold">
+                      <p:stCondLst>
+                        <p:cond delay="indefinite"/>
+                      </p:stCondLst>
+                      <p:childTnLst>
+                        <p:par>
+                          <p:cTn id="14" fill="hold">
+                            <p:stCondLst>
+                              <p:cond delay="0"/>
+                            </p:stCondLst>
+                            <p:childTnLst>
+                              <p:par>
+                                <p:cTn id="15" presetID="1" presetClass="entr" presetSubtype="0" fill="hold" nodeType="clickEffect">
+                                  <p:stCondLst>
+                                    <p:cond delay="0"/>
+                                  </p:stCondLst>
+                                  <p:childTnLst>
+                                    <p:set>
+                                      <p:cBhvr>
+                                        <p:cTn id="16" dur="1" fill="hold">
+                                          <p:stCondLst>
+                                            <p:cond delay="0"/>
+                                          </p:stCondLst>
+                                        </p:cTn>
+                                        <p:tgtEl>
+                                          <p:spTgt spid="5">
+                                            <p:txEl>
+                                              <p:pRg st="1" end="1"/>
+                                            </p:txEl>
+                                          </p:spTgt>
+                                        </p:tgtEl>
+                                        <p:attrNameLst>
+                                          <p:attrName>style.visibility</p:attrName>
+                                        </p:attrNameLst>
+                                      </p:cBhvr>
+                                      <p:to>
+                                        <p:strVal val="visible"/>
+                                      </p:to>
+                                    </p:set>
+                                  </p:childTnLst>
+                                </p:cTn>
+                              </p:par>
+                              <p:par>
+                                <p:cTn id="17" presetID="1" presetClass="entr" presetSubtype="0" fill="hold" nodeType="withEffect">
+                                  <p:stCondLst>
+                                    <p:cond delay="0"/>
+                                  </p:stCondLst>
+                                  <p:childTnLst>
+                                    <p:set>
+                                      <p:cBhvr>
+                                        <p:cTn id="18" dur="1" fill="hold">
+                                          <p:stCondLst>
+                                            <p:cond delay="0"/>
+                                          </p:stCondLst>
+                                        </p:cTn>
+                                        <p:tgtEl>
+                                          <p:spTgt spid="5">
+                                            <p:txEl>
+                                              <p:pRg st="2" end="2"/>
+                                            </p:txEl>
+                                          </p:spTgt>
+                                        </p:tgtEl>
+                                        <p:attrNameLst>
+                                          <p:attrName>style.visibility</p:attrName>
+                                        </p:attrNameLst>
+                                      </p:cBhvr>
+                                      <p:to>
+                                        <p:strVal val="visible"/>
+                                      </p:to>
+                                    </p:set>
+                                  </p:childTnLst>
+                                </p:cTn>
+                              </p:par>
+                              <p:par>
+                                <p:cTn id="19" presetID="1" presetClass="entr" presetSubtype="0" fill="hold" nodeType="withEffect">
+                                  <p:stCondLst>
+                                    <p:cond delay="0"/>
+                                  </p:stCondLst>
+                                  <p:childTnLst>
+                                    <p:set>
+                                      <p:cBhvr>
+                                        <p:cTn id="20" dur="1" fill="hold">
+                                          <p:stCondLst>
+                                            <p:cond delay="0"/>
+                                          </p:stCondLst>
+                                        </p:cTn>
+                                        <p:tgtEl>
+                                          <p:spTgt spid="5">
+                                            <p:txEl>
+                                              <p:pRg st="3" end="3"/>
+                                            </p:txEl>
+                                          </p:spTgt>
+                                        </p:tgtEl>
+                                        <p:attrNameLst>
+                                          <p:attrName>style.visibility</p:attrName>
+                                        </p:attrNameLst>
+                                      </p:cBhvr>
+                                      <p:to>
+                                        <p:strVal val="visible"/>
+                                      </p:to>
+                                    </p:set>
+                                  </p:childTnLst>
+                                </p:cTn>
+                              </p:par>
+                            </p:childTnLst>
+                          </p:cTn>
+                        </p:par>
+                      </p:childTnLst>
+                    </p:cTn>
+                  </p:par>
+                  <p:par>
+                    <p:cTn id="21" fill="hold">
+                      <p:stCondLst>
+                        <p:cond delay="indefinite"/>
+                      </p:stCondLst>
+                      <p:childTnLst>
+                        <p:par>
+                          <p:cTn id="22" fill="hold">
+                            <p:stCondLst>
+                              <p:cond delay="0"/>
+                            </p:stCondLst>
+                            <p:childTnLst>
+                              <p:par>
+                                <p:cTn id="23" presetID="1" presetClass="entr" presetSubtype="0" fill="hold" nodeType="clickEffect">
+                                  <p:stCondLst>
+                                    <p:cond delay="0"/>
+                                  </p:stCondLst>
+                                  <p:childTnLst>
+                                    <p:set>
+                                      <p:cBhvr>
+                                        <p:cTn id="24" dur="1" fill="hold">
+                                          <p:stCondLst>
+                                            <p:cond delay="0"/>
+                                          </p:stCondLst>
+                                        </p:cTn>
+                                        <p:tgtEl>
+                                          <p:spTgt spid="5">
+                                            <p:txEl>
+                                              <p:pRg st="5" end="5"/>
+                                            </p:txEl>
+                                          </p:spTgt>
+                                        </p:tgtEl>
+                                        <p:attrNameLst>
+                                          <p:attrName>style.visibility</p:attrName>
+                                        </p:attrNameLst>
+                                      </p:cBhvr>
+                                      <p:to>
+                                        <p:strVal val="visible"/>
+                                      </p:to>
+                                    </p:set>
+                                  </p:childTnLst>
+                                </p:cTn>
+                              </p:par>
+                            </p:childTnLst>
+                          </p:cTn>
+                        </p:par>
+                      </p:childTnLst>
+                    </p:cTn>
+                  </p:par>
+                  <p:par>
+                    <p:cTn id="25" fill="hold">
+                      <p:stCondLst>
+                        <p:cond delay="indefinite"/>
+                      </p:stCondLst>
+                      <p:childTnLst>
+                        <p:par>
+                          <p:cTn id="26" fill="hold">
+                            <p:stCondLst>
+                              <p:cond delay="0"/>
+                            </p:stCondLst>
+                            <p:childTnLst>
+                              <p:par>
+                                <p:cTn id="27" presetID="1" presetClass="entr" presetSubtype="0" fill="hold" nodeType="clickEffect">
+                                  <p:stCondLst>
+                                    <p:cond delay="0"/>
+                                  </p:stCondLst>
+                                  <p:childTnLst>
+                                    <p:set>
+                                      <p:cBhvr>
+                                        <p:cTn id="28" dur="1" fill="hold">
+                                          <p:stCondLst>
+                                            <p:cond delay="0"/>
+                                          </p:stCondLst>
+                                        </p:cTn>
+                                        <p:tgtEl>
+                                          <p:spTgt spid="5">
+                                            <p:txEl>
+                                              <p:pRg st="6" end="6"/>
+                                            </p:txEl>
+                                          </p:spTgt>
+                                        </p:tgtEl>
+                                        <p:attrNameLst>
+                                          <p:attrName>style.visibility</p:attrName>
+                                        </p:attrNameLst>
+                                      </p:cBhvr>
+                                      <p:to>
+                                        <p:strVal val="visible"/>
+                                      </p:to>
+                                    </p:set>
+                                  </p:childTnLst>
+                                </p:cTn>
+                              </p:par>
+                              <p:par>
+                                <p:cTn id="29" presetID="1" presetClass="entr" presetSubtype="0" fill="hold" nodeType="withEffect">
+                                  <p:stCondLst>
+                                    <p:cond delay="0"/>
+                                  </p:stCondLst>
+                                  <p:childTnLst>
+                                    <p:set>
+                                      <p:cBhvr>
+                                        <p:cTn id="30" dur="1" fill="hold">
+                                          <p:stCondLst>
+                                            <p:cond delay="0"/>
+                                          </p:stCondLst>
+                                        </p:cTn>
+                                        <p:tgtEl>
+                                          <p:spTgt spid="5">
+                                            <p:txEl>
+                                              <p:pRg st="7" end="7"/>
+                                            </p:txEl>
+                                          </p:spTgt>
+                                        </p:tgtEl>
+                                        <p:attrNameLst>
+                                          <p:attrName>style.visibility</p:attrName>
+                                        </p:attrNameLst>
+                                      </p:cBhvr>
+                                      <p:to>
+                                        <p:strVal val="visible"/>
+                                      </p:to>
+                                    </p:set>
+                                  </p:childTnLst>
+                                </p:cTn>
+                              </p:par>
+                              <p:par>
+                                <p:cTn id="31" presetID="1" presetClass="entr" presetSubtype="0" fill="hold" nodeType="withEffect">
+                                  <p:stCondLst>
+                                    <p:cond delay="0"/>
+                                  </p:stCondLst>
+                                  <p:childTnLst>
+                                    <p:set>
+                                      <p:cBhvr>
+                                        <p:cTn id="32" dur="1" fill="hold">
+                                          <p:stCondLst>
+                                            <p:cond delay="0"/>
+                                          </p:stCondLst>
+                                        </p:cTn>
+                                        <p:tgtEl>
+                                          <p:spTgt spid="5">
+                                            <p:txEl>
+                                              <p:pRg st="8" end="8"/>
+                                            </p:txEl>
+                                          </p:spTgt>
+                                        </p:tgtEl>
+                                        <p:attrNameLst>
+                                          <p:attrName>style.visibility</p:attrName>
+                                        </p:attrNameLst>
+                                      </p:cBhvr>
+                                      <p:to>
+                                        <p:strVal val="visible"/>
+                                      </p:to>
+                                    </p:set>
+                                  </p:childTnLst>
+                                </p:cTn>
+                              </p:par>
+                            </p:childTnLst>
+                          </p:cTn>
+                        </p:par>
+                      </p:childTnLst>
+                    </p:cTn>
+                  </p:par>
+                  <p:par>
+                    <p:cTn id="33" fill="hold">
+                      <p:stCondLst>
+                        <p:cond delay="indefinite"/>
+                      </p:stCondLst>
+                      <p:childTnLst>
+                        <p:par>
+                          <p:cTn id="34" fill="hold">
+                            <p:stCondLst>
+                              <p:cond delay="0"/>
+                            </p:stCondLst>
+                            <p:childTnLst>
+                              <p:par>
+                                <p:cTn id="35" presetID="1" presetClass="entr" presetSubtype="0" fill="hold" nodeType="clickEffect">
+                                  <p:stCondLst>
+                                    <p:cond delay="0"/>
+                                  </p:stCondLst>
+                                  <p:childTnLst>
+                                    <p:set>
+                                      <p:cBhvr>
+                                        <p:cTn id="36" dur="1" fill="hold">
+                                          <p:stCondLst>
+                                            <p:cond delay="0"/>
+                                          </p:stCondLst>
+                                        </p:cTn>
+                                        <p:tgtEl>
+                                          <p:spTgt spid="5">
+                                            <p:txEl>
+                                              <p:pRg st="10" end="10"/>
+                                            </p:txEl>
+                                          </p:spTgt>
+                                        </p:tgtEl>
+                                        <p:attrNameLst>
+                                          <p:attrName>style.visibility</p:attrName>
+                                        </p:attrNameLst>
+                                      </p:cBhvr>
+                                      <p:to>
+                                        <p:strVal val="visible"/>
+                                      </p:to>
+                                    </p:set>
+                                  </p:childTnLst>
+                                </p:cTn>
+                              </p:par>
+                            </p:childTnLst>
+                          </p:cTn>
+                        </p:par>
+                      </p:childTnLst>
+                    </p:cTn>
+                  </p:par>
+                </p:childTnLst>
+              </p:cTn>
+              <p:prevCondLst>
+                <p:cond evt="onPrev" delay="0">
+                  <p:tgtEl>
+                    <p:sldTgt/>
+                  </p:tgtEl>
+                </p:cond>
+              </p:prevCondLst>
+              <p:nextCondLst>
+                <p:cond evt="onNext" delay="0">
+                  <p:tgtEl>
+                    <p:sldTgt/>
+                  </p:tgtEl>
+                </p:cond>
+              </p:nextCondLst>
+            </p:seq>
+          </p:childTnLst>
+        </p:cTn>
+      </p:par>
+    </p:tnLst>
+    <p:bldLst>
+      <p:bldP spid="15" grpId="0" animBg="1"/>
+    </p:bldLst>
+  </p:timing>
+</p:sld>
+</file>
+
+<file path=ppt/slides/slide24.xml><?xml version="1.0" encoding="utf-8"?>
+<p:sld xmlns:a="http://schemas.openxmlformats.org/drawingml/2006/main" xmlns:r="http://schemas.openxmlformats.org/officeDocument/2006/relationships" xmlns:p="http://schemas.openxmlformats.org/presentationml/2006/main" show="0">
+  <p:cSld>
+    <p:spTree>
+      <p:nvGrpSpPr>
+        <p:cNvPr id="1" name=""/>
+        <p:cNvGrpSpPr/>
+        <p:nvPr/>
+      </p:nvGrpSpPr>
+      <p:grpSpPr>
+        <a:xfrm>
+          <a:off x="0" y="0"/>
+          <a:ext cx="0" cy="0"/>
+          <a:chOff x="0" y="0"/>
+          <a:chExt cx="0" cy="0"/>
+        </a:xfrm>
+      </p:grpSpPr>
+      <p:sp>
+        <p:nvSpPr>
+          <p:cNvPr id="15" name="TextBox 14"/>
+          <p:cNvSpPr txBox="1"/>
+          <p:nvPr/>
+        </p:nvSpPr>
+        <p:spPr>
+          <a:xfrm>
+            <a:off x="0" y="533400"/>
+            <a:ext cx="4343400" cy="461665"/>
+          </a:xfrm>
+          <a:prstGeom prst="rect">
+            <a:avLst/>
+          </a:prstGeom>
+          <a:solidFill>
+            <a:schemeClr val="tx1">
+              <a:lumMod val="95000"/>
+              <a:lumOff val="5000"/>
+              <a:alpha val="55000"/>
+            </a:schemeClr>
+          </a:solidFill>
+        </p:spPr>
+        <p:txBody>
+          <a:bodyPr wrap="square" rtlCol="0" anchor="ctr" anchorCtr="0">
+            <a:normAutofit/>
+          </a:bodyPr>
+          <a:lstStyle/>
+          <a:p>
+            <a:r>
               <a:rPr lang="en-US" sz="2400" dirty="0" smtClean="0">
                 <a:solidFill>
                   <a:schemeClr val="bg1"/>
@@ -30424,7 +32238,254 @@
 </p:sld>
 </file>
 
-<file path=ppt/slides/slide24.xml><?xml version="1.0" encoding="utf-8"?>
+<file path=ppt/slides/slide25.xml><?xml version="1.0" encoding="utf-8"?>
+<p:sld xmlns:a="http://schemas.openxmlformats.org/drawingml/2006/main" xmlns:r="http://schemas.openxmlformats.org/officeDocument/2006/relationships" xmlns:p="http://schemas.openxmlformats.org/presentationml/2006/main">
+  <p:cSld>
+    <p:spTree>
+      <p:nvGrpSpPr>
+        <p:cNvPr id="1" name=""/>
+        <p:cNvGrpSpPr/>
+        <p:nvPr/>
+      </p:nvGrpSpPr>
+      <p:grpSpPr>
+        <a:xfrm>
+          <a:off x="0" y="0"/>
+          <a:ext cx="0" cy="0"/>
+          <a:chOff x="0" y="0"/>
+          <a:chExt cx="0" cy="0"/>
+        </a:xfrm>
+      </p:grpSpPr>
+      <p:sp>
+        <p:nvSpPr>
+          <p:cNvPr id="6" name="Text Placeholder 2"/>
+          <p:cNvSpPr txBox="1">
+            <a:spLocks/>
+          </p:cNvSpPr>
+          <p:nvPr/>
+        </p:nvSpPr>
+        <p:spPr>
+          <a:xfrm rot="5400000">
+            <a:off x="5682853" y="2925276"/>
+            <a:ext cx="6400800" cy="521494"/>
+          </a:xfrm>
+          <a:prstGeom prst="rect">
+            <a:avLst/>
+          </a:prstGeom>
+        </p:spPr>
+        <p:txBody>
+          <a:bodyPr>
+            <a:noAutofit/>
+          </a:bodyPr>
+          <a:lstStyle>
+            <a:lvl1pPr marL="342900" indent="-342900" algn="l" defTabSz="914400" rtl="0" eaLnBrk="1" latinLnBrk="0" hangingPunct="1">
+              <a:spcBef>
+                <a:spcPct val="20000"/>
+              </a:spcBef>
+              <a:buFont typeface="Arial" pitchFamily="34" charset="0"/>
+              <a:buChar char="•"/>
+              <a:defRPr sz="3200" kern="1200">
+                <a:solidFill>
+                  <a:schemeClr val="tx1"/>
+                </a:solidFill>
+                <a:latin typeface="+mn-lt"/>
+                <a:ea typeface="+mn-ea"/>
+                <a:cs typeface="+mn-cs"/>
+              </a:defRPr>
+            </a:lvl1pPr>
+            <a:lvl2pPr marL="742950" indent="-285750" algn="l" defTabSz="914400" rtl="0" eaLnBrk="1" latinLnBrk="0" hangingPunct="1">
+              <a:spcBef>
+                <a:spcPct val="20000"/>
+              </a:spcBef>
+              <a:buFont typeface="Arial" pitchFamily="34" charset="0"/>
+              <a:buChar char="–"/>
+              <a:defRPr sz="2800" kern="1200">
+                <a:solidFill>
+                  <a:schemeClr val="tx1"/>
+                </a:solidFill>
+                <a:latin typeface="+mn-lt"/>
+                <a:ea typeface="+mn-ea"/>
+                <a:cs typeface="+mn-cs"/>
+              </a:defRPr>
+            </a:lvl2pPr>
+            <a:lvl3pPr marL="1143000" indent="-228600" algn="l" defTabSz="914400" rtl="0" eaLnBrk="1" latinLnBrk="0" hangingPunct="1">
+              <a:spcBef>
+                <a:spcPct val="20000"/>
+              </a:spcBef>
+              <a:buFont typeface="Arial" pitchFamily="34" charset="0"/>
+              <a:buChar char="•"/>
+              <a:defRPr sz="2400" kern="1200">
+                <a:solidFill>
+                  <a:schemeClr val="tx1"/>
+                </a:solidFill>
+                <a:latin typeface="+mn-lt"/>
+                <a:ea typeface="+mn-ea"/>
+                <a:cs typeface="+mn-cs"/>
+              </a:defRPr>
+            </a:lvl3pPr>
+            <a:lvl4pPr marL="1600200" indent="-228600" algn="l" defTabSz="914400" rtl="0" eaLnBrk="1" latinLnBrk="0" hangingPunct="1">
+              <a:spcBef>
+                <a:spcPct val="20000"/>
+              </a:spcBef>
+              <a:buFont typeface="Arial" pitchFamily="34" charset="0"/>
+              <a:buChar char="–"/>
+              <a:defRPr sz="2000" kern="1200">
+                <a:solidFill>
+                  <a:schemeClr val="tx1"/>
+                </a:solidFill>
+                <a:latin typeface="+mn-lt"/>
+                <a:ea typeface="+mn-ea"/>
+                <a:cs typeface="+mn-cs"/>
+              </a:defRPr>
+            </a:lvl4pPr>
+            <a:lvl5pPr marL="2057400" indent="-228600" algn="l" defTabSz="914400" rtl="0" eaLnBrk="1" latinLnBrk="0" hangingPunct="1">
+              <a:spcBef>
+                <a:spcPct val="20000"/>
+              </a:spcBef>
+              <a:buFont typeface="Arial" pitchFamily="34" charset="0"/>
+              <a:buChar char="»"/>
+              <a:defRPr sz="2000" kern="1200">
+                <a:solidFill>
+                  <a:schemeClr val="tx1"/>
+                </a:solidFill>
+                <a:latin typeface="+mn-lt"/>
+                <a:ea typeface="+mn-ea"/>
+                <a:cs typeface="+mn-cs"/>
+              </a:defRPr>
+            </a:lvl5pPr>
+            <a:lvl6pPr marL="2514600" indent="-228600" algn="l" defTabSz="914400" rtl="0" eaLnBrk="1" latinLnBrk="0" hangingPunct="1">
+              <a:spcBef>
+                <a:spcPct val="20000"/>
+              </a:spcBef>
+              <a:buFont typeface="Arial" pitchFamily="34" charset="0"/>
+              <a:buChar char="•"/>
+              <a:defRPr sz="2000" kern="1200">
+                <a:solidFill>
+                  <a:schemeClr val="tx1"/>
+                </a:solidFill>
+                <a:latin typeface="+mn-lt"/>
+                <a:ea typeface="+mn-ea"/>
+                <a:cs typeface="+mn-cs"/>
+              </a:defRPr>
+            </a:lvl6pPr>
+            <a:lvl7pPr marL="2971800" indent="-228600" algn="l" defTabSz="914400" rtl="0" eaLnBrk="1" latinLnBrk="0" hangingPunct="1">
+              <a:spcBef>
+                <a:spcPct val="20000"/>
+              </a:spcBef>
+              <a:buFont typeface="Arial" pitchFamily="34" charset="0"/>
+              <a:buChar char="•"/>
+              <a:defRPr sz="2000" kern="1200">
+                <a:solidFill>
+                  <a:schemeClr val="tx1"/>
+                </a:solidFill>
+                <a:latin typeface="+mn-lt"/>
+                <a:ea typeface="+mn-ea"/>
+                <a:cs typeface="+mn-cs"/>
+              </a:defRPr>
+            </a:lvl7pPr>
+            <a:lvl8pPr marL="3429000" indent="-228600" algn="l" defTabSz="914400" rtl="0" eaLnBrk="1" latinLnBrk="0" hangingPunct="1">
+              <a:spcBef>
+                <a:spcPct val="20000"/>
+              </a:spcBef>
+              <a:buFont typeface="Arial" pitchFamily="34" charset="0"/>
+              <a:buChar char="•"/>
+              <a:defRPr sz="2000" kern="1200">
+                <a:solidFill>
+                  <a:schemeClr val="tx1"/>
+                </a:solidFill>
+                <a:latin typeface="+mn-lt"/>
+                <a:ea typeface="+mn-ea"/>
+                <a:cs typeface="+mn-cs"/>
+              </a:defRPr>
+            </a:lvl8pPr>
+            <a:lvl9pPr marL="3886200" indent="-228600" algn="l" defTabSz="914400" rtl="0" eaLnBrk="1" latinLnBrk="0" hangingPunct="1">
+              <a:spcBef>
+                <a:spcPct val="20000"/>
+              </a:spcBef>
+              <a:buFont typeface="Arial" pitchFamily="34" charset="0"/>
+              <a:buChar char="•"/>
+              <a:defRPr sz="2000" kern="1200">
+                <a:solidFill>
+                  <a:schemeClr val="tx1"/>
+                </a:solidFill>
+                <a:latin typeface="+mn-lt"/>
+                <a:ea typeface="+mn-ea"/>
+                <a:cs typeface="+mn-cs"/>
+              </a:defRPr>
+            </a:lvl9pPr>
+          </a:lstStyle>
+          <a:p>
+            <a:pPr>
+              <a:buNone/>
+            </a:pPr>
+            <a:endParaRPr lang="en-US" b="1" dirty="0"/>
+          </a:p>
+        </p:txBody>
+      </p:sp>
+      <p:pic>
+        <p:nvPicPr>
+          <p:cNvPr id="3074" name="Picture 2" descr="http://ceservices.fr/wp-content/uploads/2012/06/Fotolia_35754864_M_Expert.jpg"/>
+          <p:cNvPicPr>
+            <a:picLocks noChangeAspect="1" noChangeArrowheads="1"/>
+          </p:cNvPicPr>
+          <p:nvPr/>
+        </p:nvPicPr>
+        <p:blipFill>
+          <a:blip r:embed="rId3" cstate="screen">
+            <a:extLst>
+              <a:ext uri="{28A0092B-C50C-407E-A947-70E740481C1C}">
+                <a14:useLocalDpi xmlns:a14="http://schemas.microsoft.com/office/drawing/2010/main" val="0"/>
+              </a:ext>
+            </a:extLst>
+          </a:blip>
+          <a:srcRect/>
+          <a:stretch>
+            <a:fillRect/>
+          </a:stretch>
+        </p:blipFill>
+        <p:spPr bwMode="auto">
+          <a:xfrm>
+            <a:off x="1676400" y="885690"/>
+            <a:ext cx="5055483" cy="4600665"/>
+          </a:xfrm>
+          <a:prstGeom prst="rect">
+            <a:avLst/>
+          </a:prstGeom>
+          <a:noFill/>
+          <a:extLst>
+            <a:ext uri="{909E8E84-426E-40DD-AFC4-6F175D3DCCD1}">
+              <a14:hiddenFill xmlns:a14="http://schemas.microsoft.com/office/drawing/2010/main">
+                <a:solidFill>
+                  <a:srgbClr val="FFFFFF"/>
+                </a:solidFill>
+              </a14:hiddenFill>
+            </a:ext>
+          </a:extLst>
+        </p:spPr>
+      </p:pic>
+    </p:spTree>
+    <p:extLst>
+      <p:ext uri="{BB962C8B-B14F-4D97-AF65-F5344CB8AC3E}">
+        <p14:creationId xmlns:p14="http://schemas.microsoft.com/office/powerpoint/2010/main" val="2046518494"/>
+      </p:ext>
+    </p:extLst>
+  </p:cSld>
+  <p:clrMapOvr>
+    <a:masterClrMapping/>
+  </p:clrMapOvr>
+  <p:transition spd="slow">
+    <p:wipe/>
+  </p:transition>
+  <p:timing>
+    <p:tnLst>
+      <p:par>
+        <p:cTn id="1" dur="indefinite" restart="never" nodeType="tmRoot"/>
+      </p:par>
+    </p:tnLst>
+  </p:timing>
+</p:sld>
+</file>
+
+<file path=ppt/slides/slide26.xml><?xml version="1.0" encoding="utf-8"?>
 <p:sld xmlns:a="http://schemas.openxmlformats.org/drawingml/2006/main" xmlns:r="http://schemas.openxmlformats.org/officeDocument/2006/relationships" xmlns:p="http://schemas.openxmlformats.org/presentationml/2006/main">
   <p:cSld>
     <p:spTree>
@@ -31436,7 +33497,7 @@
 </p:sld>
 </file>
 
-<file path=ppt/slides/slide25.xml><?xml version="1.0" encoding="utf-8"?>
+<file path=ppt/slides/slide27.xml><?xml version="1.0" encoding="utf-8"?>
 <p:sld xmlns:a="http://schemas.openxmlformats.org/drawingml/2006/main" xmlns:r="http://schemas.openxmlformats.org/officeDocument/2006/relationships" xmlns:p="http://schemas.openxmlformats.org/presentationml/2006/main">
   <p:cSld>
     <p:spTree>
@@ -32308,7 +34369,7 @@
 </p:sld>
 </file>
 
-<file path=ppt/slides/slide26.xml><?xml version="1.0" encoding="utf-8"?>
+<file path=ppt/slides/slide28.xml><?xml version="1.0" encoding="utf-8"?>
 <p:sld xmlns:a="http://schemas.openxmlformats.org/drawingml/2006/main" xmlns:r="http://schemas.openxmlformats.org/officeDocument/2006/relationships" xmlns:p="http://schemas.openxmlformats.org/presentationml/2006/main">
   <p:cSld>
     <p:spTree>
@@ -32575,7 +34636,7 @@
 </p:sld>
 </file>
 
-<file path=ppt/slides/slide27.xml><?xml version="1.0" encoding="utf-8"?>
+<file path=ppt/slides/slide29.xml><?xml version="1.0" encoding="utf-8"?>
 <p:sld xmlns:a="http://schemas.openxmlformats.org/drawingml/2006/main" xmlns:r="http://schemas.openxmlformats.org/officeDocument/2006/relationships" xmlns:p="http://schemas.openxmlformats.org/presentationml/2006/main">
   <p:cSld>
     <p:spTree>
@@ -33432,7 +35493,1068 @@
 </p:sld>
 </file>
 
-<file path=ppt/slides/slide28.xml><?xml version="1.0" encoding="utf-8"?>
+<file path=ppt/slides/slide3.xml><?xml version="1.0" encoding="utf-8"?>
+<p:sld xmlns:a="http://schemas.openxmlformats.org/drawingml/2006/main" xmlns:r="http://schemas.openxmlformats.org/officeDocument/2006/relationships" xmlns:p="http://schemas.openxmlformats.org/presentationml/2006/main">
+  <p:cSld>
+    <p:spTree>
+      <p:nvGrpSpPr>
+        <p:cNvPr id="1" name=""/>
+        <p:cNvGrpSpPr/>
+        <p:nvPr/>
+      </p:nvGrpSpPr>
+      <p:grpSpPr>
+        <a:xfrm>
+          <a:off x="0" y="0"/>
+          <a:ext cx="0" cy="0"/>
+          <a:chOff x="0" y="0"/>
+          <a:chExt cx="0" cy="0"/>
+        </a:xfrm>
+      </p:grpSpPr>
+      <p:sp>
+        <p:nvSpPr>
+          <p:cNvPr id="15" name="TextBox 14"/>
+          <p:cNvSpPr txBox="1"/>
+          <p:nvPr/>
+        </p:nvSpPr>
+        <p:spPr>
+          <a:xfrm>
+            <a:off x="0" y="533400"/>
+            <a:ext cx="4343400" cy="461665"/>
+          </a:xfrm>
+          <a:prstGeom prst="rect">
+            <a:avLst/>
+          </a:prstGeom>
+          <a:solidFill>
+            <a:schemeClr val="tx1">
+              <a:lumMod val="95000"/>
+              <a:lumOff val="5000"/>
+              <a:alpha val="55000"/>
+            </a:schemeClr>
+          </a:solidFill>
+        </p:spPr>
+        <p:txBody>
+          <a:bodyPr wrap="square" rtlCol="0" anchor="ctr" anchorCtr="0">
+            <a:normAutofit/>
+          </a:bodyPr>
+          <a:lstStyle/>
+          <a:p>
+            <a:r>
+              <a:rPr lang="en-US" sz="2400" dirty="0" smtClean="0">
+                <a:solidFill>
+                  <a:schemeClr val="bg1"/>
+                </a:solidFill>
+              </a:rPr>
+              <a:t>Types of Adopters</a:t>
+            </a:r>
+            <a:endParaRPr lang="en-US" sz="2400" b="1" dirty="0">
+              <a:solidFill>
+                <a:schemeClr val="bg1"/>
+              </a:solidFill>
+            </a:endParaRPr>
+          </a:p>
+        </p:txBody>
+      </p:sp>
+      <p:sp>
+        <p:nvSpPr>
+          <p:cNvPr id="2" name="TextBox 1"/>
+          <p:cNvSpPr txBox="1"/>
+          <p:nvPr/>
+        </p:nvSpPr>
+        <p:spPr>
+          <a:xfrm>
+            <a:off x="304800" y="1314271"/>
+            <a:ext cx="8000999" cy="3970318"/>
+          </a:xfrm>
+          <a:prstGeom prst="rect">
+            <a:avLst/>
+          </a:prstGeom>
+          <a:noFill/>
+        </p:spPr>
+        <p:txBody>
+          <a:bodyPr wrap="square" rtlCol="0">
+            <a:spAutoFit/>
+          </a:bodyPr>
+          <a:lstStyle/>
+          <a:p>
+            <a:pPr marL="742950" indent="-742950">
+              <a:buFont typeface="+mj-lt"/>
+              <a:buAutoNum type="arabicPeriod"/>
+            </a:pPr>
+            <a:r>
+              <a:rPr lang="en-US" sz="3600" dirty="0" smtClean="0">
+                <a:latin typeface="Myriad Pro Light" panose="020B0403030403020204" pitchFamily="34" charset="0"/>
+              </a:rPr>
+              <a:t>Innovators</a:t>
+            </a:r>
+          </a:p>
+          <a:p>
+            <a:pPr marL="742950" indent="-742950">
+              <a:buFont typeface="+mj-lt"/>
+              <a:buAutoNum type="arabicPeriod"/>
+            </a:pPr>
+            <a:endParaRPr lang="en-US" sz="3600" dirty="0">
+              <a:latin typeface="Myriad Pro Light" panose="020B0403030403020204" pitchFamily="34" charset="0"/>
+            </a:endParaRPr>
+          </a:p>
+          <a:p>
+            <a:pPr marL="742950" indent="-742950">
+              <a:buFont typeface="+mj-lt"/>
+              <a:buAutoNum type="arabicPeriod"/>
+            </a:pPr>
+            <a:endParaRPr lang="en-US" sz="3600" dirty="0" smtClean="0">
+              <a:latin typeface="Myriad Pro Light" panose="020B0403030403020204" pitchFamily="34" charset="0"/>
+            </a:endParaRPr>
+          </a:p>
+          <a:p>
+            <a:pPr marL="742950" indent="-742950">
+              <a:buFont typeface="+mj-lt"/>
+              <a:buAutoNum type="arabicPeriod"/>
+            </a:pPr>
+            <a:r>
+              <a:rPr lang="en-US" sz="3600" dirty="0" smtClean="0">
+                <a:latin typeface="Myriad Pro Light" panose="020B0403030403020204" pitchFamily="34" charset="0"/>
+              </a:rPr>
+              <a:t>Majority</a:t>
+            </a:r>
+          </a:p>
+          <a:p>
+            <a:pPr marL="742950" indent="-742950">
+              <a:buFont typeface="+mj-lt"/>
+              <a:buAutoNum type="arabicPeriod"/>
+            </a:pPr>
+            <a:endParaRPr lang="en-US" sz="3600" dirty="0">
+              <a:latin typeface="Myriad Pro Light" panose="020B0403030403020204" pitchFamily="34" charset="0"/>
+            </a:endParaRPr>
+          </a:p>
+          <a:p>
+            <a:pPr marL="742950" indent="-742950">
+              <a:buFont typeface="+mj-lt"/>
+              <a:buAutoNum type="arabicPeriod"/>
+            </a:pPr>
+            <a:endParaRPr lang="en-US" sz="3600" dirty="0" smtClean="0">
+              <a:latin typeface="Myriad Pro Light" panose="020B0403030403020204" pitchFamily="34" charset="0"/>
+            </a:endParaRPr>
+          </a:p>
+          <a:p>
+            <a:pPr marL="742950" indent="-742950">
+              <a:buFont typeface="+mj-lt"/>
+              <a:buAutoNum type="arabicPeriod"/>
+            </a:pPr>
+            <a:r>
+              <a:rPr lang="en-US" sz="3600" dirty="0" smtClean="0">
+                <a:latin typeface="Myriad Pro Light" panose="020B0403030403020204" pitchFamily="34" charset="0"/>
+              </a:rPr>
+              <a:t>Laggards</a:t>
+            </a:r>
+            <a:endParaRPr lang="en-US" sz="3600" dirty="0">
+              <a:latin typeface="Myriad Pro Light" panose="020B0403030403020204" pitchFamily="34" charset="0"/>
+            </a:endParaRPr>
+          </a:p>
+        </p:txBody>
+      </p:sp>
+      <p:sp>
+        <p:nvSpPr>
+          <p:cNvPr id="4" name="Text Placeholder 2"/>
+          <p:cNvSpPr txBox="1">
+            <a:spLocks/>
+          </p:cNvSpPr>
+          <p:nvPr/>
+        </p:nvSpPr>
+        <p:spPr>
+          <a:xfrm rot="5400000">
+            <a:off x="5682853" y="2939653"/>
+            <a:ext cx="6400800" cy="521494"/>
+          </a:xfrm>
+          <a:prstGeom prst="rect">
+            <a:avLst/>
+          </a:prstGeom>
+        </p:spPr>
+        <p:txBody>
+          <a:bodyPr>
+            <a:noAutofit/>
+          </a:bodyPr>
+          <a:lstStyle>
+            <a:lvl1pPr marL="342900" indent="-342900" algn="l" defTabSz="914400" rtl="0" eaLnBrk="1" latinLnBrk="0" hangingPunct="1">
+              <a:spcBef>
+                <a:spcPct val="20000"/>
+              </a:spcBef>
+              <a:buFont typeface="Arial" pitchFamily="34" charset="0"/>
+              <a:buChar char="•"/>
+              <a:defRPr sz="3200" kern="1200">
+                <a:solidFill>
+                  <a:schemeClr val="tx1"/>
+                </a:solidFill>
+                <a:latin typeface="+mn-lt"/>
+                <a:ea typeface="+mn-ea"/>
+                <a:cs typeface="+mn-cs"/>
+              </a:defRPr>
+            </a:lvl1pPr>
+            <a:lvl2pPr marL="742950" indent="-285750" algn="l" defTabSz="914400" rtl="0" eaLnBrk="1" latinLnBrk="0" hangingPunct="1">
+              <a:spcBef>
+                <a:spcPct val="20000"/>
+              </a:spcBef>
+              <a:buFont typeface="Arial" pitchFamily="34" charset="0"/>
+              <a:buChar char="–"/>
+              <a:defRPr sz="2800" kern="1200">
+                <a:solidFill>
+                  <a:schemeClr val="tx1"/>
+                </a:solidFill>
+                <a:latin typeface="+mn-lt"/>
+                <a:ea typeface="+mn-ea"/>
+                <a:cs typeface="+mn-cs"/>
+              </a:defRPr>
+            </a:lvl2pPr>
+            <a:lvl3pPr marL="1143000" indent="-228600" algn="l" defTabSz="914400" rtl="0" eaLnBrk="1" latinLnBrk="0" hangingPunct="1">
+              <a:spcBef>
+                <a:spcPct val="20000"/>
+              </a:spcBef>
+              <a:buFont typeface="Arial" pitchFamily="34" charset="0"/>
+              <a:buChar char="•"/>
+              <a:defRPr sz="2400" kern="1200">
+                <a:solidFill>
+                  <a:schemeClr val="tx1"/>
+                </a:solidFill>
+                <a:latin typeface="+mn-lt"/>
+                <a:ea typeface="+mn-ea"/>
+                <a:cs typeface="+mn-cs"/>
+              </a:defRPr>
+            </a:lvl3pPr>
+            <a:lvl4pPr marL="1600200" indent="-228600" algn="l" defTabSz="914400" rtl="0" eaLnBrk="1" latinLnBrk="0" hangingPunct="1">
+              <a:spcBef>
+                <a:spcPct val="20000"/>
+              </a:spcBef>
+              <a:buFont typeface="Arial" pitchFamily="34" charset="0"/>
+              <a:buChar char="–"/>
+              <a:defRPr sz="2000" kern="1200">
+                <a:solidFill>
+                  <a:schemeClr val="tx1"/>
+                </a:solidFill>
+                <a:latin typeface="+mn-lt"/>
+                <a:ea typeface="+mn-ea"/>
+                <a:cs typeface="+mn-cs"/>
+              </a:defRPr>
+            </a:lvl4pPr>
+            <a:lvl5pPr marL="2057400" indent="-228600" algn="l" defTabSz="914400" rtl="0" eaLnBrk="1" latinLnBrk="0" hangingPunct="1">
+              <a:spcBef>
+                <a:spcPct val="20000"/>
+              </a:spcBef>
+              <a:buFont typeface="Arial" pitchFamily="34" charset="0"/>
+              <a:buChar char="»"/>
+              <a:defRPr sz="2000" kern="1200">
+                <a:solidFill>
+                  <a:schemeClr val="tx1"/>
+                </a:solidFill>
+                <a:latin typeface="+mn-lt"/>
+                <a:ea typeface="+mn-ea"/>
+                <a:cs typeface="+mn-cs"/>
+              </a:defRPr>
+            </a:lvl5pPr>
+            <a:lvl6pPr marL="2514600" indent="-228600" algn="l" defTabSz="914400" rtl="0" eaLnBrk="1" latinLnBrk="0" hangingPunct="1">
+              <a:spcBef>
+                <a:spcPct val="20000"/>
+              </a:spcBef>
+              <a:buFont typeface="Arial" pitchFamily="34" charset="0"/>
+              <a:buChar char="•"/>
+              <a:defRPr sz="2000" kern="1200">
+                <a:solidFill>
+                  <a:schemeClr val="tx1"/>
+                </a:solidFill>
+                <a:latin typeface="+mn-lt"/>
+                <a:ea typeface="+mn-ea"/>
+                <a:cs typeface="+mn-cs"/>
+              </a:defRPr>
+            </a:lvl6pPr>
+            <a:lvl7pPr marL="2971800" indent="-228600" algn="l" defTabSz="914400" rtl="0" eaLnBrk="1" latinLnBrk="0" hangingPunct="1">
+              <a:spcBef>
+                <a:spcPct val="20000"/>
+              </a:spcBef>
+              <a:buFont typeface="Arial" pitchFamily="34" charset="0"/>
+              <a:buChar char="•"/>
+              <a:defRPr sz="2000" kern="1200">
+                <a:solidFill>
+                  <a:schemeClr val="tx1"/>
+                </a:solidFill>
+                <a:latin typeface="+mn-lt"/>
+                <a:ea typeface="+mn-ea"/>
+                <a:cs typeface="+mn-cs"/>
+              </a:defRPr>
+            </a:lvl7pPr>
+            <a:lvl8pPr marL="3429000" indent="-228600" algn="l" defTabSz="914400" rtl="0" eaLnBrk="1" latinLnBrk="0" hangingPunct="1">
+              <a:spcBef>
+                <a:spcPct val="20000"/>
+              </a:spcBef>
+              <a:buFont typeface="Arial" pitchFamily="34" charset="0"/>
+              <a:buChar char="•"/>
+              <a:defRPr sz="2000" kern="1200">
+                <a:solidFill>
+                  <a:schemeClr val="tx1"/>
+                </a:solidFill>
+                <a:latin typeface="+mn-lt"/>
+                <a:ea typeface="+mn-ea"/>
+                <a:cs typeface="+mn-cs"/>
+              </a:defRPr>
+            </a:lvl8pPr>
+            <a:lvl9pPr marL="3886200" indent="-228600" algn="l" defTabSz="914400" rtl="0" eaLnBrk="1" latinLnBrk="0" hangingPunct="1">
+              <a:spcBef>
+                <a:spcPct val="20000"/>
+              </a:spcBef>
+              <a:buFont typeface="Arial" pitchFamily="34" charset="0"/>
+              <a:buChar char="•"/>
+              <a:defRPr sz="2000" kern="1200">
+                <a:solidFill>
+                  <a:schemeClr val="tx1"/>
+                </a:solidFill>
+                <a:latin typeface="+mn-lt"/>
+                <a:ea typeface="+mn-ea"/>
+                <a:cs typeface="+mn-cs"/>
+              </a:defRPr>
+            </a:lvl9pPr>
+          </a:lstStyle>
+          <a:p>
+            <a:pPr>
+              <a:buFont typeface="Arial" pitchFamily="34" charset="0"/>
+              <a:buNone/>
+            </a:pPr>
+            <a:endParaRPr lang="en-US" b="1" dirty="0"/>
+          </a:p>
+        </p:txBody>
+      </p:sp>
+      <p:pic>
+        <p:nvPicPr>
+          <p:cNvPr id="7" name="Picture 6"/>
+          <p:cNvPicPr>
+            <a:picLocks noChangeAspect="1"/>
+          </p:cNvPicPr>
+          <p:nvPr/>
+        </p:nvPicPr>
+        <p:blipFill>
+          <a:blip r:embed="rId3" cstate="screen">
+            <a:extLst>
+              <a:ext uri="{28A0092B-C50C-407E-A947-70E740481C1C}">
+                <a14:useLocalDpi xmlns:a14="http://schemas.microsoft.com/office/drawing/2010/main" val="0"/>
+              </a:ext>
+            </a:extLst>
+          </a:blip>
+          <a:stretch>
+            <a:fillRect/>
+          </a:stretch>
+        </p:blipFill>
+        <p:spPr>
+          <a:xfrm>
+            <a:off x="4326147" y="3792747"/>
+            <a:ext cx="2608053" cy="2608053"/>
+          </a:xfrm>
+          <a:prstGeom prst="rect">
+            <a:avLst/>
+          </a:prstGeom>
+        </p:spPr>
+      </p:pic>
+      <p:pic>
+        <p:nvPicPr>
+          <p:cNvPr id="3" name="Picture 2"/>
+          <p:cNvPicPr>
+            <a:picLocks noChangeAspect="1"/>
+          </p:cNvPicPr>
+          <p:nvPr/>
+        </p:nvPicPr>
+        <p:blipFill>
+          <a:blip r:embed="rId4">
+            <a:extLst>
+              <a:ext uri="{28A0092B-C50C-407E-A947-70E740481C1C}">
+                <a14:useLocalDpi xmlns:a14="http://schemas.microsoft.com/office/drawing/2010/main" val="0"/>
+              </a:ext>
+            </a:extLst>
+          </a:blip>
+          <a:stretch>
+            <a:fillRect/>
+          </a:stretch>
+        </p:blipFill>
+        <p:spPr>
+          <a:xfrm>
+            <a:off x="4343400" y="1447800"/>
+            <a:ext cx="2590800" cy="2590800"/>
+          </a:xfrm>
+          <a:prstGeom prst="rect">
+            <a:avLst/>
+          </a:prstGeom>
+        </p:spPr>
+      </p:pic>
+      <p:pic>
+        <p:nvPicPr>
+          <p:cNvPr id="8" name="Picture 7"/>
+          <p:cNvPicPr>
+            <a:picLocks noChangeAspect="1"/>
+          </p:cNvPicPr>
+          <p:nvPr/>
+        </p:nvPicPr>
+        <p:blipFill>
+          <a:blip r:embed="rId5">
+            <a:extLst>
+              <a:ext uri="{28A0092B-C50C-407E-A947-70E740481C1C}">
+                <a14:useLocalDpi xmlns:a14="http://schemas.microsoft.com/office/drawing/2010/main" val="0"/>
+              </a:ext>
+            </a:extLst>
+          </a:blip>
+          <a:stretch>
+            <a:fillRect/>
+          </a:stretch>
+        </p:blipFill>
+        <p:spPr>
+          <a:xfrm>
+            <a:off x="4273669" y="2453580"/>
+            <a:ext cx="2857500" cy="2143125"/>
+          </a:xfrm>
+          <a:prstGeom prst="rect">
+            <a:avLst/>
+          </a:prstGeom>
+        </p:spPr>
+      </p:pic>
+    </p:spTree>
+    <p:extLst>
+      <p:ext uri="{BB962C8B-B14F-4D97-AF65-F5344CB8AC3E}">
+        <p14:creationId xmlns:p14="http://schemas.microsoft.com/office/powerpoint/2010/main" val="3711302578"/>
+      </p:ext>
+    </p:extLst>
+  </p:cSld>
+  <p:clrMapOvr>
+    <a:masterClrMapping/>
+  </p:clrMapOvr>
+  <p:transition spd="slow">
+    <p:wipe/>
+  </p:transition>
+  <p:timing>
+    <p:tnLst>
+      <p:par>
+        <p:cTn id="1" dur="indefinite" restart="never" nodeType="tmRoot">
+          <p:childTnLst>
+            <p:seq concurrent="1" nextAc="seek">
+              <p:cTn id="2" dur="indefinite" nodeType="mainSeq">
+                <p:childTnLst>
+                  <p:par>
+                    <p:cTn id="3" fill="hold">
+                      <p:stCondLst>
+                        <p:cond delay="indefinite"/>
+                        <p:cond evt="onBegin" delay="0">
+                          <p:tn val="2"/>
+                        </p:cond>
+                      </p:stCondLst>
+                      <p:childTnLst>
+                        <p:par>
+                          <p:cTn id="4" fill="hold">
+                            <p:stCondLst>
+                              <p:cond delay="0"/>
+                            </p:stCondLst>
+                            <p:childTnLst>
+                              <p:par>
+                                <p:cTn id="5" presetID="2" presetClass="entr" presetSubtype="8" fill="hold" grpId="0" nodeType="afterEffect">
+                                  <p:stCondLst>
+                                    <p:cond delay="100"/>
+                                  </p:stCondLst>
+                                  <p:childTnLst>
+                                    <p:set>
+                                      <p:cBhvr>
+                                        <p:cTn id="6" dur="1" fill="hold">
+                                          <p:stCondLst>
+                                            <p:cond delay="0"/>
+                                          </p:stCondLst>
+                                        </p:cTn>
+                                        <p:tgtEl>
+                                          <p:spTgt spid="15"/>
+                                        </p:tgtEl>
+                                        <p:attrNameLst>
+                                          <p:attrName>style.visibility</p:attrName>
+                                        </p:attrNameLst>
+                                      </p:cBhvr>
+                                      <p:to>
+                                        <p:strVal val="visible"/>
+                                      </p:to>
+                                    </p:set>
+                                    <p:anim calcmode="lin" valueType="num">
+                                      <p:cBhvr additive="base">
+                                        <p:cTn id="7" dur="500" fill="hold"/>
+                                        <p:tgtEl>
+                                          <p:spTgt spid="15"/>
+                                        </p:tgtEl>
+                                        <p:attrNameLst>
+                                          <p:attrName>ppt_x</p:attrName>
+                                        </p:attrNameLst>
+                                      </p:cBhvr>
+                                      <p:tavLst>
+                                        <p:tav tm="0">
+                                          <p:val>
+                                            <p:strVal val="0-#ppt_w/2"/>
+                                          </p:val>
+                                        </p:tav>
+                                        <p:tav tm="100000">
+                                          <p:val>
+                                            <p:strVal val="#ppt_x"/>
+                                          </p:val>
+                                        </p:tav>
+                                      </p:tavLst>
+                                    </p:anim>
+                                    <p:anim calcmode="lin" valueType="num">
+                                      <p:cBhvr additive="base">
+                                        <p:cTn id="8" dur="500" fill="hold"/>
+                                        <p:tgtEl>
+                                          <p:spTgt spid="15"/>
+                                        </p:tgtEl>
+                                        <p:attrNameLst>
+                                          <p:attrName>ppt_y</p:attrName>
+                                        </p:attrNameLst>
+                                      </p:cBhvr>
+                                      <p:tavLst>
+                                        <p:tav tm="0">
+                                          <p:val>
+                                            <p:strVal val="#ppt_y"/>
+                                          </p:val>
+                                        </p:tav>
+                                        <p:tav tm="100000">
+                                          <p:val>
+                                            <p:strVal val="#ppt_y"/>
+                                          </p:val>
+                                        </p:tav>
+                                      </p:tavLst>
+                                    </p:anim>
+                                  </p:childTnLst>
+                                </p:cTn>
+                              </p:par>
+                            </p:childTnLst>
+                          </p:cTn>
+                        </p:par>
+                        <p:par>
+                          <p:cTn id="9" fill="hold">
+                            <p:stCondLst>
+                              <p:cond delay="600"/>
+                            </p:stCondLst>
+                            <p:childTnLst>
+                              <p:par>
+                                <p:cTn id="10" presetID="10" presetClass="entr" presetSubtype="0" fill="hold" grpId="0" nodeType="afterEffect" nodePh="1">
+                                  <p:stCondLst>
+                                    <p:cond delay="0"/>
+                                  </p:stCondLst>
+                                  <p:endCondLst>
+                                    <p:cond evt="begin" delay="0">
+                                      <p:tn val="10"/>
+                                    </p:cond>
+                                  </p:endCondLst>
+                                  <p:childTnLst>
+                                    <p:set>
+                                      <p:cBhvr>
+                                        <p:cTn id="11" dur="1" fill="hold">
+                                          <p:stCondLst>
+                                            <p:cond delay="0"/>
+                                          </p:stCondLst>
+                                        </p:cTn>
+                                        <p:tgtEl>
+                                          <p:spTgt spid="4">
+                                            <p:txEl>
+                                              <p:pRg st="0" end="0"/>
+                                            </p:txEl>
+                                          </p:spTgt>
+                                        </p:tgtEl>
+                                        <p:attrNameLst>
+                                          <p:attrName>style.visibility</p:attrName>
+                                        </p:attrNameLst>
+                                      </p:cBhvr>
+                                      <p:to>
+                                        <p:strVal val="visible"/>
+                                      </p:to>
+                                    </p:set>
+                                    <p:animEffect transition="in" filter="fade">
+                                      <p:cBhvr>
+                                        <p:cTn id="12" dur="1000"/>
+                                        <p:tgtEl>
+                                          <p:spTgt spid="4">
+                                            <p:txEl>
+                                              <p:pRg st="0" end="0"/>
+                                            </p:txEl>
+                                          </p:spTgt>
+                                        </p:tgtEl>
+                                      </p:cBhvr>
+                                    </p:animEffect>
+                                  </p:childTnLst>
+                                </p:cTn>
+                              </p:par>
+                            </p:childTnLst>
+                          </p:cTn>
+                        </p:par>
+                      </p:childTnLst>
+                    </p:cTn>
+                  </p:par>
+                  <p:par>
+                    <p:cTn id="13" fill="hold">
+                      <p:stCondLst>
+                        <p:cond delay="indefinite"/>
+                      </p:stCondLst>
+                      <p:childTnLst>
+                        <p:par>
+                          <p:cTn id="14" fill="hold">
+                            <p:stCondLst>
+                              <p:cond delay="0"/>
+                            </p:stCondLst>
+                            <p:childTnLst>
+                              <p:par>
+                                <p:cTn id="15" presetID="10" presetClass="entr" presetSubtype="0" fill="hold" nodeType="clickEffect">
+                                  <p:stCondLst>
+                                    <p:cond delay="0"/>
+                                  </p:stCondLst>
+                                  <p:childTnLst>
+                                    <p:set>
+                                      <p:cBhvr>
+                                        <p:cTn id="16" dur="1" fill="hold">
+                                          <p:stCondLst>
+                                            <p:cond delay="0"/>
+                                          </p:stCondLst>
+                                        </p:cTn>
+                                        <p:tgtEl>
+                                          <p:spTgt spid="2">
+                                            <p:txEl>
+                                              <p:pRg st="0" end="0"/>
+                                            </p:txEl>
+                                          </p:spTgt>
+                                        </p:tgtEl>
+                                        <p:attrNameLst>
+                                          <p:attrName>style.visibility</p:attrName>
+                                        </p:attrNameLst>
+                                      </p:cBhvr>
+                                      <p:to>
+                                        <p:strVal val="visible"/>
+                                      </p:to>
+                                    </p:set>
+                                    <p:animEffect transition="in" filter="fade">
+                                      <p:cBhvr>
+                                        <p:cTn id="17" dur="500"/>
+                                        <p:tgtEl>
+                                          <p:spTgt spid="2">
+                                            <p:txEl>
+                                              <p:pRg st="0" end="0"/>
+                                            </p:txEl>
+                                          </p:spTgt>
+                                        </p:tgtEl>
+                                      </p:cBhvr>
+                                    </p:animEffect>
+                                  </p:childTnLst>
+                                </p:cTn>
+                              </p:par>
+                              <p:par>
+                                <p:cTn id="18" presetID="10" presetClass="entr" presetSubtype="0" fill="hold" nodeType="withEffect">
+                                  <p:stCondLst>
+                                    <p:cond delay="0"/>
+                                  </p:stCondLst>
+                                  <p:childTnLst>
+                                    <p:set>
+                                      <p:cBhvr>
+                                        <p:cTn id="19" dur="1" fill="hold">
+                                          <p:stCondLst>
+                                            <p:cond delay="0"/>
+                                          </p:stCondLst>
+                                        </p:cTn>
+                                        <p:tgtEl>
+                                          <p:spTgt spid="3"/>
+                                        </p:tgtEl>
+                                        <p:attrNameLst>
+                                          <p:attrName>style.visibility</p:attrName>
+                                        </p:attrNameLst>
+                                      </p:cBhvr>
+                                      <p:to>
+                                        <p:strVal val="visible"/>
+                                      </p:to>
+                                    </p:set>
+                                    <p:animEffect transition="in" filter="fade">
+                                      <p:cBhvr>
+                                        <p:cTn id="20" dur="500"/>
+                                        <p:tgtEl>
+                                          <p:spTgt spid="3"/>
+                                        </p:tgtEl>
+                                      </p:cBhvr>
+                                    </p:animEffect>
+                                  </p:childTnLst>
+                                </p:cTn>
+                              </p:par>
+                            </p:childTnLst>
+                          </p:cTn>
+                        </p:par>
+                      </p:childTnLst>
+                    </p:cTn>
+                  </p:par>
+                  <p:par>
+                    <p:cTn id="21" fill="hold">
+                      <p:stCondLst>
+                        <p:cond delay="indefinite"/>
+                      </p:stCondLst>
+                      <p:childTnLst>
+                        <p:par>
+                          <p:cTn id="22" fill="hold">
+                            <p:stCondLst>
+                              <p:cond delay="0"/>
+                            </p:stCondLst>
+                            <p:childTnLst>
+                              <p:par>
+                                <p:cTn id="23" presetID="10" presetClass="entr" presetSubtype="0" fill="hold" nodeType="clickEffect">
+                                  <p:stCondLst>
+                                    <p:cond delay="0"/>
+                                  </p:stCondLst>
+                                  <p:childTnLst>
+                                    <p:set>
+                                      <p:cBhvr>
+                                        <p:cTn id="24" dur="1" fill="hold">
+                                          <p:stCondLst>
+                                            <p:cond delay="0"/>
+                                          </p:stCondLst>
+                                        </p:cTn>
+                                        <p:tgtEl>
+                                          <p:spTgt spid="2">
+                                            <p:txEl>
+                                              <p:pRg st="3" end="3"/>
+                                            </p:txEl>
+                                          </p:spTgt>
+                                        </p:tgtEl>
+                                        <p:attrNameLst>
+                                          <p:attrName>style.visibility</p:attrName>
+                                        </p:attrNameLst>
+                                      </p:cBhvr>
+                                      <p:to>
+                                        <p:strVal val="visible"/>
+                                      </p:to>
+                                    </p:set>
+                                    <p:animEffect transition="in" filter="fade">
+                                      <p:cBhvr>
+                                        <p:cTn id="25" dur="500"/>
+                                        <p:tgtEl>
+                                          <p:spTgt spid="2">
+                                            <p:txEl>
+                                              <p:pRg st="3" end="3"/>
+                                            </p:txEl>
+                                          </p:spTgt>
+                                        </p:tgtEl>
+                                      </p:cBhvr>
+                                    </p:animEffect>
+                                  </p:childTnLst>
+                                </p:cTn>
+                              </p:par>
+                              <p:par>
+                                <p:cTn id="26" presetID="42" presetClass="path" presetSubtype="0" accel="50000" decel="50000" fill="hold" nodeType="withEffect">
+                                  <p:stCondLst>
+                                    <p:cond delay="0"/>
+                                  </p:stCondLst>
+                                  <p:childTnLst>
+                                    <p:animMotion origin="layout" path="M 3.33333E-6 0 L -0.21667 -0.15556 " pathEditMode="relative" rAng="0" ptsTypes="AA">
+                                      <p:cBhvr>
+                                        <p:cTn id="27" dur="2000" fill="hold"/>
+                                        <p:tgtEl>
+                                          <p:spTgt spid="3"/>
+                                        </p:tgtEl>
+                                        <p:attrNameLst>
+                                          <p:attrName>ppt_x</p:attrName>
+                                          <p:attrName>ppt_y</p:attrName>
+                                        </p:attrNameLst>
+                                      </p:cBhvr>
+                                      <p:rCtr x="-10833" y="-7778"/>
+                                    </p:animMotion>
+                                  </p:childTnLst>
+                                </p:cTn>
+                              </p:par>
+                              <p:par>
+                                <p:cTn id="28" presetID="6" presetClass="emph" presetSubtype="0" fill="hold" nodeType="withEffect">
+                                  <p:stCondLst>
+                                    <p:cond delay="0"/>
+                                  </p:stCondLst>
+                                  <p:childTnLst>
+                                    <p:animScale>
+                                      <p:cBhvr>
+                                        <p:cTn id="29" dur="2000" fill="hold"/>
+                                        <p:tgtEl>
+                                          <p:spTgt spid="3"/>
+                                        </p:tgtEl>
+                                      </p:cBhvr>
+                                      <p:by x="25000" y="25000"/>
+                                    </p:animScale>
+                                  </p:childTnLst>
+                                </p:cTn>
+                              </p:par>
+                            </p:childTnLst>
+                          </p:cTn>
+                        </p:par>
+                        <p:par>
+                          <p:cTn id="30" fill="hold">
+                            <p:stCondLst>
+                              <p:cond delay="2000"/>
+                            </p:stCondLst>
+                            <p:childTnLst>
+                              <p:par>
+                                <p:cTn id="31" presetID="10" presetClass="entr" presetSubtype="0" fill="hold" nodeType="afterEffect">
+                                  <p:stCondLst>
+                                    <p:cond delay="0"/>
+                                  </p:stCondLst>
+                                  <p:childTnLst>
+                                    <p:set>
+                                      <p:cBhvr>
+                                        <p:cTn id="32" dur="1" fill="hold">
+                                          <p:stCondLst>
+                                            <p:cond delay="0"/>
+                                          </p:stCondLst>
+                                        </p:cTn>
+                                        <p:tgtEl>
+                                          <p:spTgt spid="8"/>
+                                        </p:tgtEl>
+                                        <p:attrNameLst>
+                                          <p:attrName>style.visibility</p:attrName>
+                                        </p:attrNameLst>
+                                      </p:cBhvr>
+                                      <p:to>
+                                        <p:strVal val="visible"/>
+                                      </p:to>
+                                    </p:set>
+                                    <p:animEffect transition="in" filter="fade">
+                                      <p:cBhvr>
+                                        <p:cTn id="33" dur="500"/>
+                                        <p:tgtEl>
+                                          <p:spTgt spid="8"/>
+                                        </p:tgtEl>
+                                      </p:cBhvr>
+                                    </p:animEffect>
+                                  </p:childTnLst>
+                                </p:cTn>
+                              </p:par>
+                            </p:childTnLst>
+                          </p:cTn>
+                        </p:par>
+                      </p:childTnLst>
+                    </p:cTn>
+                  </p:par>
+                  <p:par>
+                    <p:cTn id="34" fill="hold">
+                      <p:stCondLst>
+                        <p:cond delay="indefinite"/>
+                      </p:stCondLst>
+                      <p:childTnLst>
+                        <p:par>
+                          <p:cTn id="35" fill="hold">
+                            <p:stCondLst>
+                              <p:cond delay="0"/>
+                            </p:stCondLst>
+                            <p:childTnLst>
+                              <p:par>
+                                <p:cTn id="36" presetID="10" presetClass="entr" presetSubtype="0" fill="hold" nodeType="clickEffect">
+                                  <p:stCondLst>
+                                    <p:cond delay="0"/>
+                                  </p:stCondLst>
+                                  <p:childTnLst>
+                                    <p:set>
+                                      <p:cBhvr>
+                                        <p:cTn id="37" dur="1" fill="hold">
+                                          <p:stCondLst>
+                                            <p:cond delay="0"/>
+                                          </p:stCondLst>
+                                        </p:cTn>
+                                        <p:tgtEl>
+                                          <p:spTgt spid="2">
+                                            <p:txEl>
+                                              <p:pRg st="6" end="6"/>
+                                            </p:txEl>
+                                          </p:spTgt>
+                                        </p:tgtEl>
+                                        <p:attrNameLst>
+                                          <p:attrName>style.visibility</p:attrName>
+                                        </p:attrNameLst>
+                                      </p:cBhvr>
+                                      <p:to>
+                                        <p:strVal val="visible"/>
+                                      </p:to>
+                                    </p:set>
+                                    <p:animEffect transition="in" filter="fade">
+                                      <p:cBhvr>
+                                        <p:cTn id="38" dur="500"/>
+                                        <p:tgtEl>
+                                          <p:spTgt spid="2">
+                                            <p:txEl>
+                                              <p:pRg st="6" end="6"/>
+                                            </p:txEl>
+                                          </p:spTgt>
+                                        </p:tgtEl>
+                                      </p:cBhvr>
+                                    </p:animEffect>
+                                  </p:childTnLst>
+                                </p:cTn>
+                              </p:par>
+                              <p:par>
+                                <p:cTn id="39" presetID="42" presetClass="path" presetSubtype="0" accel="50000" decel="50000" fill="hold" nodeType="withEffect">
+                                  <p:stCondLst>
+                                    <p:cond delay="0"/>
+                                  </p:stCondLst>
+                                  <p:childTnLst>
+                                    <p:animMotion origin="layout" path="M -1.11111E-6 -3.7037E-7 L -0.26528 -0.03634 " pathEditMode="relative" rAng="0" ptsTypes="AA">
+                                      <p:cBhvr>
+                                        <p:cTn id="40" dur="2000" fill="hold"/>
+                                        <p:tgtEl>
+                                          <p:spTgt spid="8"/>
+                                        </p:tgtEl>
+                                        <p:attrNameLst>
+                                          <p:attrName>ppt_x</p:attrName>
+                                          <p:attrName>ppt_y</p:attrName>
+                                        </p:attrNameLst>
+                                      </p:cBhvr>
+                                      <p:rCtr x="-13264" y="-1829"/>
+                                    </p:animMotion>
+                                  </p:childTnLst>
+                                </p:cTn>
+                              </p:par>
+                              <p:par>
+                                <p:cTn id="41" presetID="6" presetClass="emph" presetSubtype="0" fill="hold" nodeType="withEffect">
+                                  <p:stCondLst>
+                                    <p:cond delay="0"/>
+                                  </p:stCondLst>
+                                  <p:childTnLst>
+                                    <p:animScale>
+                                      <p:cBhvr>
+                                        <p:cTn id="42" dur="2000" fill="hold"/>
+                                        <p:tgtEl>
+                                          <p:spTgt spid="8"/>
+                                        </p:tgtEl>
+                                      </p:cBhvr>
+                                      <p:by x="25000" y="25000"/>
+                                    </p:animScale>
+                                  </p:childTnLst>
+                                </p:cTn>
+                              </p:par>
+                            </p:childTnLst>
+                          </p:cTn>
+                        </p:par>
+                        <p:par>
+                          <p:cTn id="43" fill="hold">
+                            <p:stCondLst>
+                              <p:cond delay="2000"/>
+                            </p:stCondLst>
+                            <p:childTnLst>
+                              <p:par>
+                                <p:cTn id="44" presetID="10" presetClass="entr" presetSubtype="0" fill="hold" nodeType="afterEffect">
+                                  <p:stCondLst>
+                                    <p:cond delay="0"/>
+                                  </p:stCondLst>
+                                  <p:childTnLst>
+                                    <p:set>
+                                      <p:cBhvr>
+                                        <p:cTn id="45" dur="1" fill="hold">
+                                          <p:stCondLst>
+                                            <p:cond delay="0"/>
+                                          </p:stCondLst>
+                                        </p:cTn>
+                                        <p:tgtEl>
+                                          <p:spTgt spid="7"/>
+                                        </p:tgtEl>
+                                        <p:attrNameLst>
+                                          <p:attrName>style.visibility</p:attrName>
+                                        </p:attrNameLst>
+                                      </p:cBhvr>
+                                      <p:to>
+                                        <p:strVal val="visible"/>
+                                      </p:to>
+                                    </p:set>
+                                    <p:animEffect transition="in" filter="fade">
+                                      <p:cBhvr>
+                                        <p:cTn id="46" dur="500"/>
+                                        <p:tgtEl>
+                                          <p:spTgt spid="7"/>
+                                        </p:tgtEl>
+                                      </p:cBhvr>
+                                    </p:animEffect>
+                                  </p:childTnLst>
+                                </p:cTn>
+                              </p:par>
+                            </p:childTnLst>
+                          </p:cTn>
+                        </p:par>
+                      </p:childTnLst>
+                    </p:cTn>
+                  </p:par>
+                  <p:par>
+                    <p:cTn id="47" fill="hold">
+                      <p:stCondLst>
+                        <p:cond delay="indefinite"/>
+                      </p:stCondLst>
+                      <p:childTnLst>
+                        <p:par>
+                          <p:cTn id="48" fill="hold">
+                            <p:stCondLst>
+                              <p:cond delay="0"/>
+                            </p:stCondLst>
+                            <p:childTnLst>
+                              <p:par>
+                                <p:cTn id="49" presetID="42" presetClass="path" presetSubtype="0" accel="50000" decel="50000" fill="hold" nodeType="clickEffect">
+                                  <p:stCondLst>
+                                    <p:cond delay="0"/>
+                                  </p:stCondLst>
+                                  <p:childTnLst>
+                                    <p:animMotion origin="layout" path="M 5E-6 4.44444E-6 L -0.24896 -0.02616 " pathEditMode="relative" rAng="0" ptsTypes="AA">
+                                      <p:cBhvr>
+                                        <p:cTn id="50" dur="2000" fill="hold"/>
+                                        <p:tgtEl>
+                                          <p:spTgt spid="7"/>
+                                        </p:tgtEl>
+                                        <p:attrNameLst>
+                                          <p:attrName>ppt_x</p:attrName>
+                                          <p:attrName>ppt_y</p:attrName>
+                                        </p:attrNameLst>
+                                      </p:cBhvr>
+                                      <p:rCtr x="-12448" y="-1319"/>
+                                    </p:animMotion>
+                                  </p:childTnLst>
+                                </p:cTn>
+                              </p:par>
+                              <p:par>
+                                <p:cTn id="51" presetID="6" presetClass="emph" presetSubtype="0" fill="hold" nodeType="withEffect">
+                                  <p:stCondLst>
+                                    <p:cond delay="0"/>
+                                  </p:stCondLst>
+                                  <p:childTnLst>
+                                    <p:animScale>
+                                      <p:cBhvr>
+                                        <p:cTn id="52" dur="2000" fill="hold"/>
+                                        <p:tgtEl>
+                                          <p:spTgt spid="7"/>
+                                        </p:tgtEl>
+                                      </p:cBhvr>
+                                      <p:by x="25000" y="25000"/>
+                                    </p:animScale>
+                                  </p:childTnLst>
+                                </p:cTn>
+                              </p:par>
+                            </p:childTnLst>
+                          </p:cTn>
+                        </p:par>
+                      </p:childTnLst>
+                    </p:cTn>
+                  </p:par>
+                </p:childTnLst>
+              </p:cTn>
+              <p:prevCondLst>
+                <p:cond evt="onPrev" delay="0">
+                  <p:tgtEl>
+                    <p:sldTgt/>
+                  </p:tgtEl>
+                </p:cond>
+              </p:prevCondLst>
+              <p:nextCondLst>
+                <p:cond evt="onNext" delay="0">
+                  <p:tgtEl>
+                    <p:sldTgt/>
+                  </p:tgtEl>
+                </p:cond>
+              </p:nextCondLst>
+            </p:seq>
+          </p:childTnLst>
+        </p:cTn>
+      </p:par>
+    </p:tnLst>
+    <p:bldLst>
+      <p:bldP spid="15" grpId="0" animBg="1"/>
+      <p:bldP spid="4" grpId="0" build="p"/>
+    </p:bldLst>
+  </p:timing>
+</p:sld>
+</file>
+
+<file path=ppt/slides/slide30.xml><?xml version="1.0" encoding="utf-8"?>
 <p:sld xmlns:a="http://schemas.openxmlformats.org/drawingml/2006/main" xmlns:r="http://schemas.openxmlformats.org/officeDocument/2006/relationships" xmlns:p="http://schemas.openxmlformats.org/presentationml/2006/main">
   <p:cSld>
     <p:spTree>
@@ -34867,7 +37989,7 @@
 </p:sld>
 </file>
 
-<file path=ppt/slides/slide29.xml><?xml version="1.0" encoding="utf-8"?>
+<file path=ppt/slides/slide31.xml><?xml version="1.0" encoding="utf-8"?>
 <p:sld xmlns:a="http://schemas.openxmlformats.org/drawingml/2006/main" xmlns:r="http://schemas.openxmlformats.org/officeDocument/2006/relationships" xmlns:p="http://schemas.openxmlformats.org/presentationml/2006/main">
   <p:cSld>
     <p:spTree>
@@ -35901,348 +39023,6 @@
 </p:sld>
 </file>
 
-<file path=ppt/slides/slide3.xml><?xml version="1.0" encoding="utf-8"?>
-<p:sld xmlns:a="http://schemas.openxmlformats.org/drawingml/2006/main" xmlns:r="http://schemas.openxmlformats.org/officeDocument/2006/relationships" xmlns:p="http://schemas.openxmlformats.org/presentationml/2006/main">
-  <p:cSld>
-    <p:spTree>
-      <p:nvGrpSpPr>
-        <p:cNvPr id="1" name=""/>
-        <p:cNvGrpSpPr/>
-        <p:nvPr/>
-      </p:nvGrpSpPr>
-      <p:grpSpPr>
-        <a:xfrm>
-          <a:off x="0" y="0"/>
-          <a:ext cx="0" cy="0"/>
-          <a:chOff x="0" y="0"/>
-          <a:chExt cx="0" cy="0"/>
-        </a:xfrm>
-      </p:grpSpPr>
-      <p:sp>
-        <p:nvSpPr>
-          <p:cNvPr id="15" name="TextBox 14"/>
-          <p:cNvSpPr txBox="1"/>
-          <p:nvPr/>
-        </p:nvSpPr>
-        <p:spPr>
-          <a:xfrm>
-            <a:off x="0" y="533400"/>
-            <a:ext cx="4343400" cy="461665"/>
-          </a:xfrm>
-          <a:prstGeom prst="rect">
-            <a:avLst/>
-          </a:prstGeom>
-          <a:solidFill>
-            <a:schemeClr val="tx1">
-              <a:lumMod val="95000"/>
-              <a:lumOff val="5000"/>
-              <a:alpha val="55000"/>
-            </a:schemeClr>
-          </a:solidFill>
-        </p:spPr>
-        <p:txBody>
-          <a:bodyPr wrap="square" rtlCol="0" anchor="ctr" anchorCtr="0">
-            <a:normAutofit/>
-          </a:bodyPr>
-          <a:lstStyle/>
-          <a:p>
-            <a:r>
-              <a:rPr lang="en-US" sz="2400" dirty="0" smtClean="0">
-                <a:solidFill>
-                  <a:schemeClr val="bg1"/>
-                </a:solidFill>
-              </a:rPr>
-              <a:t>Question</a:t>
-            </a:r>
-            <a:endParaRPr lang="en-US" sz="2400" b="1" dirty="0">
-              <a:solidFill>
-                <a:schemeClr val="bg1"/>
-              </a:solidFill>
-            </a:endParaRPr>
-          </a:p>
-        </p:txBody>
-      </p:sp>
-      <p:sp>
-        <p:nvSpPr>
-          <p:cNvPr id="2" name="TextBox 1"/>
-          <p:cNvSpPr txBox="1"/>
-          <p:nvPr/>
-        </p:nvSpPr>
-        <p:spPr>
-          <a:xfrm>
-            <a:off x="304800" y="1314271"/>
-            <a:ext cx="8000999" cy="2862322"/>
-          </a:xfrm>
-          <a:prstGeom prst="rect">
-            <a:avLst/>
-          </a:prstGeom>
-          <a:noFill/>
-        </p:spPr>
-        <p:txBody>
-          <a:bodyPr wrap="square" rtlCol="0">
-            <a:spAutoFit/>
-          </a:bodyPr>
-          <a:lstStyle/>
-          <a:p>
-            <a:endParaRPr lang="en-US" sz="3600" dirty="0"/>
-          </a:p>
-        </p:txBody>
-      </p:sp>
-      <p:pic>
-        <p:nvPicPr>
-          <p:cNvPr id="4" name="Picture 3"/>
-          <p:cNvPicPr>
-            <a:picLocks noChangeAspect="1"/>
-          </p:cNvPicPr>
-          <p:nvPr/>
-        </p:nvPicPr>
-        <p:blipFill>
-          <a:blip r:embed="rId3" cstate="screen">
-            <a:extLst>
-              <a:ext uri="{28A0092B-C50C-407E-A947-70E740481C1C}">
-                <a14:useLocalDpi xmlns:a14="http://schemas.microsoft.com/office/drawing/2010/main" val="0"/>
-              </a:ext>
-            </a:extLst>
-          </a:blip>
-          <a:stretch>
-            <a:fillRect/>
-          </a:stretch>
-        </p:blipFill>
-        <p:spPr>
-          <a:xfrm>
-            <a:off x="1066800" y="1752600"/>
-            <a:ext cx="5715000" cy="3071813"/>
-          </a:xfrm>
-          <a:prstGeom prst="rect">
-            <a:avLst/>
-          </a:prstGeom>
-        </p:spPr>
-      </p:pic>
-    </p:spTree>
-    <p:extLst>
-      <p:ext uri="{BB962C8B-B14F-4D97-AF65-F5344CB8AC3E}">
-        <p14:creationId xmlns:p14="http://schemas.microsoft.com/office/powerpoint/2010/main" val="2855900481"/>
-      </p:ext>
-    </p:extLst>
-  </p:cSld>
-  <p:clrMapOvr>
-    <a:masterClrMapping/>
-  </p:clrMapOvr>
-  <p:transition spd="slow">
-    <p:wipe/>
-  </p:transition>
-  <p:timing>
-    <p:tnLst>
-      <p:par>
-        <p:cTn id="1" dur="indefinite" restart="never" nodeType="tmRoot">
-          <p:childTnLst>
-            <p:seq concurrent="1" nextAc="seek">
-              <p:cTn id="2" dur="indefinite" nodeType="mainSeq">
-                <p:childTnLst>
-                  <p:par>
-                    <p:cTn id="3" fill="hold">
-                      <p:stCondLst>
-                        <p:cond delay="indefinite"/>
-                        <p:cond evt="onBegin" delay="0">
-                          <p:tn val="2"/>
-                        </p:cond>
-                      </p:stCondLst>
-                      <p:childTnLst>
-                        <p:par>
-                          <p:cTn id="4" fill="hold">
-                            <p:stCondLst>
-                              <p:cond delay="0"/>
-                            </p:stCondLst>
-                            <p:childTnLst>
-                              <p:par>
-                                <p:cTn id="5" presetID="2" presetClass="entr" presetSubtype="8" fill="hold" grpId="0" nodeType="afterEffect">
-                                  <p:stCondLst>
-                                    <p:cond delay="100"/>
-                                  </p:stCondLst>
-                                  <p:childTnLst>
-                                    <p:set>
-                                      <p:cBhvr>
-                                        <p:cTn id="6" dur="1" fill="hold">
-                                          <p:stCondLst>
-                                            <p:cond delay="0"/>
-                                          </p:stCondLst>
-                                        </p:cTn>
-                                        <p:tgtEl>
-                                          <p:spTgt spid="15"/>
-                                        </p:tgtEl>
-                                        <p:attrNameLst>
-                                          <p:attrName>style.visibility</p:attrName>
-                                        </p:attrNameLst>
-                                      </p:cBhvr>
-                                      <p:to>
-                                        <p:strVal val="visible"/>
-                                      </p:to>
-                                    </p:set>
-                                    <p:anim calcmode="lin" valueType="num">
-                                      <p:cBhvr additive="base">
-                                        <p:cTn id="7" dur="500" fill="hold"/>
-                                        <p:tgtEl>
-                                          <p:spTgt spid="15"/>
-                                        </p:tgtEl>
-                                        <p:attrNameLst>
-                                          <p:attrName>ppt_x</p:attrName>
-                                        </p:attrNameLst>
-                                      </p:cBhvr>
-                                      <p:tavLst>
-                                        <p:tav tm="0">
-                                          <p:val>
-                                            <p:strVal val="0-#ppt_w/2"/>
-                                          </p:val>
-                                        </p:tav>
-                                        <p:tav tm="100000">
-                                          <p:val>
-                                            <p:strVal val="#ppt_x"/>
-                                          </p:val>
-                                        </p:tav>
-                                      </p:tavLst>
-                                    </p:anim>
-                                    <p:anim calcmode="lin" valueType="num">
-                                      <p:cBhvr additive="base">
-                                        <p:cTn id="8" dur="500" fill="hold"/>
-                                        <p:tgtEl>
-                                          <p:spTgt spid="15"/>
-                                        </p:tgtEl>
-                                        <p:attrNameLst>
-                                          <p:attrName>ppt_y</p:attrName>
-                                        </p:attrNameLst>
-                                      </p:cBhvr>
-                                      <p:tavLst>
-                                        <p:tav tm="0">
-                                          <p:val>
-                                            <p:strVal val="#ppt_y"/>
-                                          </p:val>
-                                        </p:tav>
-                                        <p:tav tm="100000">
-                                          <p:val>
-                                            <p:strVal val="#ppt_y"/>
-                                          </p:val>
-                                        </p:tav>
-                                      </p:tavLst>
-                                    </p:anim>
-                                  </p:childTnLst>
-                                </p:cTn>
-                              </p:par>
-                            </p:childTnLst>
-                          </p:cTn>
-                        </p:par>
-                      </p:childTnLst>
-                    </p:cTn>
-                  </p:par>
-                </p:childTnLst>
-              </p:cTn>
-              <p:prevCondLst>
-                <p:cond evt="onPrev" delay="0">
-                  <p:tgtEl>
-                    <p:sldTgt/>
-                  </p:tgtEl>
-                </p:cond>
-              </p:prevCondLst>
-              <p:nextCondLst>
-                <p:cond evt="onNext" delay="0">
-                  <p:tgtEl>
-                    <p:sldTgt/>
-                  </p:tgtEl>
-                </p:cond>
-              </p:nextCondLst>
-            </p:seq>
-          </p:childTnLst>
-        </p:cTn>
-      </p:par>
-    </p:tnLst>
-    <p:bldLst>
-      <p:bldP spid="15" grpId="0" animBg="1"/>
-    </p:bldLst>
-  </p:timing>
-</p:sld>
-</file>
-
-<file path=ppt/slides/slide30.xml><?xml version="1.0" encoding="utf-8"?>
-<p:sld xmlns:a="http://schemas.openxmlformats.org/drawingml/2006/main" xmlns:r="http://schemas.openxmlformats.org/officeDocument/2006/relationships" xmlns:p="http://schemas.openxmlformats.org/presentationml/2006/main">
-  <p:cSld>
-    <p:spTree>
-      <p:nvGrpSpPr>
-        <p:cNvPr id="1" name=""/>
-        <p:cNvGrpSpPr/>
-        <p:nvPr/>
-      </p:nvGrpSpPr>
-      <p:grpSpPr>
-        <a:xfrm>
-          <a:off x="0" y="0"/>
-          <a:ext cx="0" cy="0"/>
-          <a:chOff x="0" y="0"/>
-          <a:chExt cx="0" cy="0"/>
-        </a:xfrm>
-      </p:grpSpPr>
-    </p:spTree>
-    <p:extLst>
-      <p:ext uri="{BB962C8B-B14F-4D97-AF65-F5344CB8AC3E}">
-        <p14:creationId xmlns:p14="http://schemas.microsoft.com/office/powerpoint/2010/main" val="3553271843"/>
-      </p:ext>
-    </p:extLst>
-  </p:cSld>
-  <p:clrMapOvr>
-    <a:masterClrMapping/>
-  </p:clrMapOvr>
-  <p:timing>
-    <p:tnLst>
-      <p:par>
-        <p:cTn id="1" dur="indefinite" restart="never" nodeType="tmRoot"/>
-      </p:par>
-    </p:tnLst>
-  </p:timing>
-</p:sld>
-</file>
-
-<file path=ppt/slides/slide31.xml><?xml version="1.0" encoding="utf-8"?>
-<p:sld xmlns:a="http://schemas.openxmlformats.org/drawingml/2006/main" xmlns:r="http://schemas.openxmlformats.org/officeDocument/2006/relationships" xmlns:p="http://schemas.openxmlformats.org/presentationml/2006/main" show="0">
-  <p:cSld>
-    <p:spTree>
-      <p:nvGrpSpPr>
-        <p:cNvPr id="1" name=""/>
-        <p:cNvGrpSpPr/>
-        <p:nvPr/>
-      </p:nvGrpSpPr>
-      <p:grpSpPr>
-        <a:xfrm>
-          <a:off x="0" y="0"/>
-          <a:ext cx="0" cy="0"/>
-          <a:chOff x="0" y="0"/>
-          <a:chExt cx="0" cy="0"/>
-        </a:xfrm>
-      </p:grpSpPr>
-    </p:spTree>
-    <p:extLst>
-      <p:ext uri="{BB962C8B-B14F-4D97-AF65-F5344CB8AC3E}">
-        <p14:creationId xmlns:p14="http://schemas.microsoft.com/office/powerpoint/2010/main" val="2468479171"/>
-      </p:ext>
-    </p:extLst>
-  </p:cSld>
-  <p:clrMapOvr>
-    <a:masterClrMapping/>
-  </p:clrMapOvr>
-  <mc:AlternateContent xmlns:mc="http://schemas.openxmlformats.org/markup-compatibility/2006" xmlns:p14="http://schemas.microsoft.com/office/powerpoint/2010/main">
-    <mc:Choice Requires="p14">
-      <p:transition spd="slow" p14:dur="2000"/>
-    </mc:Choice>
-    <mc:Fallback xmlns="">
-      <p:transition spd="slow"/>
-    </mc:Fallback>
-  </mc:AlternateContent>
-  <p:timing>
-    <p:tnLst>
-      <p:par>
-        <p:cTn id="1" dur="indefinite" restart="never" nodeType="tmRoot"/>
-      </p:par>
-    </p:tnLst>
-  </p:timing>
-</p:sld>
-</file>
-
 <file path=ppt/slides/slide32.xml><?xml version="1.0" encoding="utf-8"?>
 <p:sld xmlns:a="http://schemas.openxmlformats.org/drawingml/2006/main" xmlns:r="http://schemas.openxmlformats.org/officeDocument/2006/relationships" xmlns:p="http://schemas.openxmlformats.org/presentationml/2006/main">
   <p:cSld>
@@ -36361,13 +39141,8 @@
             <a:pPr algn="ctr"/>
             <a:r>
               <a:rPr lang="en-US" sz="3600" dirty="0" smtClean="0"/>
-              <a:t>Get </a:t>
+              <a:t>Get our Learn On!</a:t>
             </a:r>
-            <a:r>
-              <a:rPr lang="en-US" sz="3600" smtClean="0"/>
-              <a:t>our Learn On!</a:t>
-            </a:r>
-            <a:endParaRPr lang="en-US" sz="3600" dirty="0" smtClean="0"/>
           </a:p>
         </p:txBody>
       </p:sp>
@@ -36782,8 +39557,8 @@
 </p:sld>
 </file>
 
-<file path=ppt/slides/slide4.xml><?xml version="1.0" encoding="utf-8"?>
-<p:sld xmlns:a="http://schemas.openxmlformats.org/drawingml/2006/main" xmlns:r="http://schemas.openxmlformats.org/officeDocument/2006/relationships" xmlns:p="http://schemas.openxmlformats.org/presentationml/2006/main">
+<file path=ppt/slides/slide33.xml><?xml version="1.0" encoding="utf-8"?>
+<p:sld xmlns:a="http://schemas.openxmlformats.org/drawingml/2006/main" xmlns:r="http://schemas.openxmlformats.org/officeDocument/2006/relationships" xmlns:p="http://schemas.openxmlformats.org/presentationml/2006/main" show="0">
   <p:cSld>
     <p:spTree>
       <p:nvGrpSpPr>
@@ -36828,115 +39603,17 @@
           <a:lstStyle/>
           <a:p>
             <a:r>
-              <a:rPr lang="en-US" sz="2400" dirty="0" smtClean="0">
+              <a:rPr lang="en-US" sz="2400" b="1" dirty="0" smtClean="0">
                 <a:solidFill>
                   <a:schemeClr val="bg1"/>
                 </a:solidFill>
               </a:rPr>
-              <a:t>Types of Adopters</a:t>
+              <a:t>Typescript Demo Time</a:t>
             </a:r>
             <a:endParaRPr lang="en-US" sz="2400" b="1" dirty="0">
               <a:solidFill>
                 <a:schemeClr val="bg1"/>
               </a:solidFill>
-            </a:endParaRPr>
-          </a:p>
-        </p:txBody>
-      </p:sp>
-      <p:sp>
-        <p:nvSpPr>
-          <p:cNvPr id="2" name="TextBox 1"/>
-          <p:cNvSpPr txBox="1"/>
-          <p:nvPr/>
-        </p:nvSpPr>
-        <p:spPr>
-          <a:xfrm>
-            <a:off x="304800" y="1314271"/>
-            <a:ext cx="8000999" cy="3970318"/>
-          </a:xfrm>
-          <a:prstGeom prst="rect">
-            <a:avLst/>
-          </a:prstGeom>
-          <a:noFill/>
-        </p:spPr>
-        <p:txBody>
-          <a:bodyPr wrap="square" rtlCol="0">
-            <a:spAutoFit/>
-          </a:bodyPr>
-          <a:lstStyle/>
-          <a:p>
-            <a:pPr marL="742950" indent="-742950">
-              <a:buFont typeface="+mj-lt"/>
-              <a:buAutoNum type="arabicPeriod"/>
-            </a:pPr>
-            <a:r>
-              <a:rPr lang="en-US" sz="3600" dirty="0" smtClean="0">
-                <a:latin typeface="Myriad Pro Light" panose="020B0403030403020204" pitchFamily="34" charset="0"/>
-              </a:rPr>
-              <a:t>Innovators</a:t>
-            </a:r>
-          </a:p>
-          <a:p>
-            <a:pPr marL="742950" indent="-742950">
-              <a:buFont typeface="+mj-lt"/>
-              <a:buAutoNum type="arabicPeriod"/>
-            </a:pPr>
-            <a:endParaRPr lang="en-US" sz="3600" dirty="0">
-              <a:latin typeface="Myriad Pro Light" panose="020B0403030403020204" pitchFamily="34" charset="0"/>
-            </a:endParaRPr>
-          </a:p>
-          <a:p>
-            <a:pPr marL="742950" indent="-742950">
-              <a:buFont typeface="+mj-lt"/>
-              <a:buAutoNum type="arabicPeriod"/>
-            </a:pPr>
-            <a:endParaRPr lang="en-US" sz="3600" dirty="0" smtClean="0">
-              <a:latin typeface="Myriad Pro Light" panose="020B0403030403020204" pitchFamily="34" charset="0"/>
-            </a:endParaRPr>
-          </a:p>
-          <a:p>
-            <a:pPr marL="742950" indent="-742950">
-              <a:buFont typeface="+mj-lt"/>
-              <a:buAutoNum type="arabicPeriod"/>
-            </a:pPr>
-            <a:r>
-              <a:rPr lang="en-US" sz="3600" dirty="0" smtClean="0">
-                <a:latin typeface="Myriad Pro Light" panose="020B0403030403020204" pitchFamily="34" charset="0"/>
-              </a:rPr>
-              <a:t>Majority</a:t>
-            </a:r>
-          </a:p>
-          <a:p>
-            <a:pPr marL="742950" indent="-742950">
-              <a:buFont typeface="+mj-lt"/>
-              <a:buAutoNum type="arabicPeriod"/>
-            </a:pPr>
-            <a:endParaRPr lang="en-US" sz="3600" dirty="0">
-              <a:latin typeface="Myriad Pro Light" panose="020B0403030403020204" pitchFamily="34" charset="0"/>
-            </a:endParaRPr>
-          </a:p>
-          <a:p>
-            <a:pPr marL="742950" indent="-742950">
-              <a:buFont typeface="+mj-lt"/>
-              <a:buAutoNum type="arabicPeriod"/>
-            </a:pPr>
-            <a:endParaRPr lang="en-US" sz="3600" dirty="0" smtClean="0">
-              <a:latin typeface="Myriad Pro Light" panose="020B0403030403020204" pitchFamily="34" charset="0"/>
-            </a:endParaRPr>
-          </a:p>
-          <a:p>
-            <a:pPr marL="742950" indent="-742950">
-              <a:buFont typeface="+mj-lt"/>
-              <a:buAutoNum type="arabicPeriod"/>
-            </a:pPr>
-            <a:r>
-              <a:rPr lang="en-US" sz="3600" dirty="0" smtClean="0">
-                <a:latin typeface="Myriad Pro Light" panose="020B0403030403020204" pitchFamily="34" charset="0"/>
-              </a:rPr>
-              <a:t>Laggards</a:t>
-            </a:r>
-            <a:endParaRPr lang="en-US" sz="3600" dirty="0">
-              <a:latin typeface="Myriad Pro Light" panose="020B0403030403020204" pitchFamily="34" charset="0"/>
             </a:endParaRPr>
           </a:p>
         </p:txBody>
@@ -37108,100 +39785,72 @@
           </a:p>
         </p:txBody>
       </p:sp>
-      <p:pic>
-        <p:nvPicPr>
-          <p:cNvPr id="7" name="Picture 6"/>
-          <p:cNvPicPr>
-            <a:picLocks noChangeAspect="1"/>
-          </p:cNvPicPr>
+      <p:sp>
+        <p:nvSpPr>
+          <p:cNvPr id="6" name="TextBox 5"/>
+          <p:cNvSpPr txBox="1"/>
           <p:nvPr/>
-        </p:nvPicPr>
-        <p:blipFill>
-          <a:blip r:embed="rId3" cstate="screen">
-            <a:extLst>
-              <a:ext uri="{28A0092B-C50C-407E-A947-70E740481C1C}">
-                <a14:useLocalDpi xmlns:a14="http://schemas.microsoft.com/office/drawing/2010/main" val="0"/>
-              </a:ext>
-            </a:extLst>
-          </a:blip>
-          <a:stretch>
-            <a:fillRect/>
-          </a:stretch>
-        </p:blipFill>
+        </p:nvSpPr>
         <p:spPr>
           <a:xfrm>
-            <a:off x="4326147" y="3792747"/>
-            <a:ext cx="2608053" cy="2608053"/>
+            <a:off x="304800" y="1314271"/>
+            <a:ext cx="8000999" cy="1754326"/>
           </a:xfrm>
           <a:prstGeom prst="rect">
             <a:avLst/>
           </a:prstGeom>
+          <a:noFill/>
         </p:spPr>
-      </p:pic>
-      <p:pic>
-        <p:nvPicPr>
-          <p:cNvPr id="3" name="Picture 2"/>
-          <p:cNvPicPr>
-            <a:picLocks noChangeAspect="1"/>
-          </p:cNvPicPr>
-          <p:nvPr/>
-        </p:nvPicPr>
-        <p:blipFill>
-          <a:blip r:embed="rId4">
-            <a:extLst>
-              <a:ext uri="{28A0092B-C50C-407E-A947-70E740481C1C}">
-                <a14:useLocalDpi xmlns:a14="http://schemas.microsoft.com/office/drawing/2010/main" val="0"/>
-              </a:ext>
-            </a:extLst>
-          </a:blip>
-          <a:stretch>
-            <a:fillRect/>
-          </a:stretch>
-        </p:blipFill>
-        <p:spPr>
-          <a:xfrm>
-            <a:off x="4343400" y="1447800"/>
-            <a:ext cx="2590800" cy="2590800"/>
-          </a:xfrm>
-          <a:prstGeom prst="rect">
-            <a:avLst/>
-          </a:prstGeom>
-        </p:spPr>
-      </p:pic>
-      <p:pic>
-        <p:nvPicPr>
-          <p:cNvPr id="8" name="Picture 7"/>
-          <p:cNvPicPr>
-            <a:picLocks noChangeAspect="1"/>
-          </p:cNvPicPr>
-          <p:nvPr/>
-        </p:nvPicPr>
-        <p:blipFill>
-          <a:blip r:embed="rId5">
-            <a:extLst>
-              <a:ext uri="{28A0092B-C50C-407E-A947-70E740481C1C}">
-                <a14:useLocalDpi xmlns:a14="http://schemas.microsoft.com/office/drawing/2010/main" val="0"/>
-              </a:ext>
-            </a:extLst>
-          </a:blip>
-          <a:stretch>
-            <a:fillRect/>
-          </a:stretch>
-        </p:blipFill>
-        <p:spPr>
-          <a:xfrm>
-            <a:off x="4273669" y="2453580"/>
-            <a:ext cx="2857500" cy="2143125"/>
-          </a:xfrm>
-          <a:prstGeom prst="rect">
-            <a:avLst/>
-          </a:prstGeom>
-        </p:spPr>
-      </p:pic>
+        <p:txBody>
+          <a:bodyPr wrap="square" rtlCol="0">
+            <a:spAutoFit/>
+          </a:bodyPr>
+          <a:lstStyle/>
+          <a:p>
+            <a:r>
+              <a:rPr lang="en-US" sz="3600" dirty="0" smtClean="0">
+                <a:latin typeface="Myriad Pro Light" panose="020B0403030403020204" pitchFamily="34" charset="0"/>
+              </a:rPr>
+              <a:t>We are going to:</a:t>
+            </a:r>
+          </a:p>
+          <a:p>
+            <a:r>
+              <a:rPr lang="en-US" sz="3600" dirty="0">
+                <a:latin typeface="Myriad Pro Light" panose="020B0403030403020204" pitchFamily="34" charset="0"/>
+              </a:rPr>
+              <a:t>	</a:t>
+            </a:r>
+            <a:r>
+              <a:rPr lang="en-US" sz="3600" dirty="0" smtClean="0">
+                <a:latin typeface="Myriad Pro Light" panose="020B0403030403020204" pitchFamily="34" charset="0"/>
+              </a:rPr>
+              <a:t>Review how to install Typescript</a:t>
+            </a:r>
+          </a:p>
+          <a:p>
+            <a:r>
+              <a:rPr lang="en-US" sz="3600" dirty="0">
+                <a:latin typeface="Myriad Pro Light" panose="020B0403030403020204" pitchFamily="34" charset="0"/>
+              </a:rPr>
+              <a:t>	</a:t>
+            </a:r>
+            <a:r>
+              <a:rPr lang="en-US" sz="3600" dirty="0" smtClean="0">
+                <a:latin typeface="Myriad Pro Light" panose="020B0403030403020204" pitchFamily="34" charset="0"/>
+              </a:rPr>
+              <a:t>How to use </a:t>
+            </a:r>
+            <a:endParaRPr lang="en-US" sz="2400" dirty="0">
+              <a:latin typeface="Myriad Pro Light" panose="020B0403030403020204" pitchFamily="34" charset="0"/>
+            </a:endParaRPr>
+          </a:p>
+        </p:txBody>
+      </p:sp>
     </p:spTree>
     <p:extLst>
       <p:ext uri="{BB962C8B-B14F-4D97-AF65-F5344CB8AC3E}">
-        <p14:creationId xmlns:p14="http://schemas.microsoft.com/office/powerpoint/2010/main" val="3711302578"/>
+        <p14:creationId xmlns:p14="http://schemas.microsoft.com/office/powerpoint/2010/main" val="1462201066"/>
       </p:ext>
     </p:extLst>
   </p:cSld>
@@ -37370,37 +40019,203 @@
                       </p:childTnLst>
                     </p:cTn>
                   </p:par>
+                </p:childTnLst>
+              </p:cTn>
+              <p:prevCondLst>
+                <p:cond evt="onPrev" delay="0">
+                  <p:tgtEl>
+                    <p:sldTgt/>
+                  </p:tgtEl>
+                </p:cond>
+              </p:prevCondLst>
+              <p:nextCondLst>
+                <p:cond evt="onNext" delay="0">
+                  <p:tgtEl>
+                    <p:sldTgt/>
+                  </p:tgtEl>
+                </p:cond>
+              </p:nextCondLst>
+            </p:seq>
+          </p:childTnLst>
+        </p:cTn>
+      </p:par>
+    </p:tnLst>
+    <p:bldLst>
+      <p:bldP spid="15" grpId="0" animBg="1"/>
+      <p:bldP spid="4" grpId="0" build="p"/>
+    </p:bldLst>
+  </p:timing>
+</p:sld>
+</file>
+
+<file path=ppt/slides/slide34.xml><?xml version="1.0" encoding="utf-8"?>
+<p:sld xmlns:a="http://schemas.openxmlformats.org/drawingml/2006/main" xmlns:r="http://schemas.openxmlformats.org/officeDocument/2006/relationships" xmlns:p="http://schemas.openxmlformats.org/presentationml/2006/main">
+  <p:cSld>
+    <p:spTree>
+      <p:nvGrpSpPr>
+        <p:cNvPr id="1" name=""/>
+        <p:cNvGrpSpPr/>
+        <p:nvPr/>
+      </p:nvGrpSpPr>
+      <p:grpSpPr>
+        <a:xfrm>
+          <a:off x="0" y="0"/>
+          <a:ext cx="0" cy="0"/>
+          <a:chOff x="0" y="0"/>
+          <a:chExt cx="0" cy="0"/>
+        </a:xfrm>
+      </p:grpSpPr>
+      <p:sp>
+        <p:nvSpPr>
+          <p:cNvPr id="15" name="TextBox 14"/>
+          <p:cNvSpPr txBox="1"/>
+          <p:nvPr/>
+        </p:nvSpPr>
+        <p:spPr>
+          <a:xfrm>
+            <a:off x="0" y="533400"/>
+            <a:ext cx="4343400" cy="461665"/>
+          </a:xfrm>
+          <a:prstGeom prst="rect">
+            <a:avLst/>
+          </a:prstGeom>
+          <a:solidFill>
+            <a:schemeClr val="tx1">
+              <a:lumMod val="95000"/>
+              <a:lumOff val="5000"/>
+              <a:alpha val="55000"/>
+            </a:schemeClr>
+          </a:solidFill>
+        </p:spPr>
+        <p:txBody>
+          <a:bodyPr wrap="square" rtlCol="0" anchor="ctr" anchorCtr="0">
+            <a:normAutofit/>
+          </a:bodyPr>
+          <a:lstStyle/>
+          <a:p>
+            <a:r>
+              <a:rPr lang="en-US" sz="2400" dirty="0" smtClean="0">
+                <a:solidFill>
+                  <a:schemeClr val="bg1"/>
+                </a:solidFill>
+              </a:rPr>
+              <a:t>Question</a:t>
+            </a:r>
+            <a:endParaRPr lang="en-US" sz="2400" b="1" dirty="0">
+              <a:solidFill>
+                <a:schemeClr val="bg1"/>
+              </a:solidFill>
+            </a:endParaRPr>
+          </a:p>
+        </p:txBody>
+      </p:sp>
+      <p:sp>
+        <p:nvSpPr>
+          <p:cNvPr id="2" name="TextBox 1"/>
+          <p:cNvSpPr txBox="1"/>
+          <p:nvPr/>
+        </p:nvSpPr>
+        <p:spPr>
+          <a:xfrm>
+            <a:off x="304800" y="1314271"/>
+            <a:ext cx="8000999" cy="2862322"/>
+          </a:xfrm>
+          <a:prstGeom prst="rect">
+            <a:avLst/>
+          </a:prstGeom>
+          <a:noFill/>
+        </p:spPr>
+        <p:txBody>
+          <a:bodyPr wrap="square" rtlCol="0">
+            <a:spAutoFit/>
+          </a:bodyPr>
+          <a:lstStyle/>
+          <a:p>
+            <a:endParaRPr lang="en-US" sz="3600" dirty="0"/>
+          </a:p>
+        </p:txBody>
+      </p:sp>
+      <p:pic>
+        <p:nvPicPr>
+          <p:cNvPr id="4" name="Picture 3"/>
+          <p:cNvPicPr>
+            <a:picLocks noChangeAspect="1"/>
+          </p:cNvPicPr>
+          <p:nvPr/>
+        </p:nvPicPr>
+        <p:blipFill>
+          <a:blip r:embed="rId3" cstate="screen">
+            <a:extLst>
+              <a:ext uri="{28A0092B-C50C-407E-A947-70E740481C1C}">
+                <a14:useLocalDpi xmlns:a14="http://schemas.microsoft.com/office/drawing/2010/main" val="0"/>
+              </a:ext>
+            </a:extLst>
+          </a:blip>
+          <a:stretch>
+            <a:fillRect/>
+          </a:stretch>
+        </p:blipFill>
+        <p:spPr>
+          <a:xfrm>
+            <a:off x="1066800" y="1752600"/>
+            <a:ext cx="5715000" cy="3071813"/>
+          </a:xfrm>
+          <a:prstGeom prst="rect">
+            <a:avLst/>
+          </a:prstGeom>
+        </p:spPr>
+      </p:pic>
+    </p:spTree>
+    <p:extLst>
+      <p:ext uri="{BB962C8B-B14F-4D97-AF65-F5344CB8AC3E}">
+        <p14:creationId xmlns:p14="http://schemas.microsoft.com/office/powerpoint/2010/main" val="2855900481"/>
+      </p:ext>
+    </p:extLst>
+  </p:cSld>
+  <p:clrMapOvr>
+    <a:masterClrMapping/>
+  </p:clrMapOvr>
+  <p:transition spd="slow">
+    <p:wipe/>
+  </p:transition>
+  <p:timing>
+    <p:tnLst>
+      <p:par>
+        <p:cTn id="1" dur="indefinite" restart="never" nodeType="tmRoot">
+          <p:childTnLst>
+            <p:seq concurrent="1" nextAc="seek">
+              <p:cTn id="2" dur="indefinite" nodeType="mainSeq">
+                <p:childTnLst>
                   <p:par>
-                    <p:cTn id="13" fill="hold">
+                    <p:cTn id="3" fill="hold">
                       <p:stCondLst>
                         <p:cond delay="indefinite"/>
+                        <p:cond evt="onBegin" delay="0">
+                          <p:tn val="2"/>
+                        </p:cond>
                       </p:stCondLst>
                       <p:childTnLst>
                         <p:par>
-                          <p:cTn id="14" fill="hold">
+                          <p:cTn id="4" fill="hold">
                             <p:stCondLst>
                               <p:cond delay="0"/>
                             </p:stCondLst>
                             <p:childTnLst>
                               <p:par>
-                                <p:cTn id="15" presetID="10" presetClass="entr" presetSubtype="0" fill="hold" nodeType="clickEffect">
+                                <p:cTn id="5" presetID="2" presetClass="entr" presetSubtype="8" fill="hold" grpId="0" nodeType="afterEffect">
                                   <p:stCondLst>
-                                    <p:cond delay="0"/>
+                                    <p:cond delay="100"/>
                                   </p:stCondLst>
                                   <p:childTnLst>
                                     <p:set>
                                       <p:cBhvr>
-                                        <p:cTn id="16" dur="1" fill="hold">
+                                        <p:cTn id="6" dur="1" fill="hold">
                                           <p:stCondLst>
                                             <p:cond delay="0"/>
                                           </p:stCondLst>
                                         </p:cTn>
                                         <p:tgtEl>
-                                          <p:spTgt spid="2">
-                                            <p:txEl>
-                                              <p:pRg st="0" end="0"/>
-                                            </p:txEl>
-                                          </p:spTgt>
+                                          <p:spTgt spid="15"/>
                                         </p:tgtEl>
                                         <p:attrNameLst>
                                           <p:attrName>style.visibility</p:attrName>
@@ -37410,401 +40225,52 @@
                                         <p:strVal val="visible"/>
                                       </p:to>
                                     </p:set>
-                                    <p:animEffect transition="in" filter="fade">
-                                      <p:cBhvr>
-                                        <p:cTn id="17" dur="500"/>
+                                    <p:anim calcmode="lin" valueType="num">
+                                      <p:cBhvr additive="base">
+                                        <p:cTn id="7" dur="500" fill="hold"/>
                                         <p:tgtEl>
-                                          <p:spTgt spid="2">
-                                            <p:txEl>
-                                              <p:pRg st="0" end="0"/>
-                                            </p:txEl>
-                                          </p:spTgt>
-                                        </p:tgtEl>
-                                      </p:cBhvr>
-                                    </p:animEffect>
-                                  </p:childTnLst>
-                                </p:cTn>
-                              </p:par>
-                              <p:par>
-                                <p:cTn id="18" presetID="10" presetClass="entr" presetSubtype="0" fill="hold" nodeType="withEffect">
-                                  <p:stCondLst>
-                                    <p:cond delay="0"/>
-                                  </p:stCondLst>
-                                  <p:childTnLst>
-                                    <p:set>
-                                      <p:cBhvr>
-                                        <p:cTn id="19" dur="1" fill="hold">
-                                          <p:stCondLst>
-                                            <p:cond delay="0"/>
-                                          </p:stCondLst>
-                                        </p:cTn>
-                                        <p:tgtEl>
-                                          <p:spTgt spid="3"/>
-                                        </p:tgtEl>
-                                        <p:attrNameLst>
-                                          <p:attrName>style.visibility</p:attrName>
-                                        </p:attrNameLst>
-                                      </p:cBhvr>
-                                      <p:to>
-                                        <p:strVal val="visible"/>
-                                      </p:to>
-                                    </p:set>
-                                    <p:animEffect transition="in" filter="fade">
-                                      <p:cBhvr>
-                                        <p:cTn id="20" dur="500"/>
-                                        <p:tgtEl>
-                                          <p:spTgt spid="3"/>
-                                        </p:tgtEl>
-                                      </p:cBhvr>
-                                    </p:animEffect>
-                                  </p:childTnLst>
-                                </p:cTn>
-                              </p:par>
-                            </p:childTnLst>
-                          </p:cTn>
-                        </p:par>
-                      </p:childTnLst>
-                    </p:cTn>
-                  </p:par>
-                  <p:par>
-                    <p:cTn id="21" fill="hold">
-                      <p:stCondLst>
-                        <p:cond delay="indefinite"/>
-                      </p:stCondLst>
-                      <p:childTnLst>
-                        <p:par>
-                          <p:cTn id="22" fill="hold">
-                            <p:stCondLst>
-                              <p:cond delay="0"/>
-                            </p:stCondLst>
-                            <p:childTnLst>
-                              <p:par>
-                                <p:cTn id="23" presetID="10" presetClass="entr" presetSubtype="0" fill="hold" nodeType="clickEffect">
-                                  <p:stCondLst>
-                                    <p:cond delay="0"/>
-                                  </p:stCondLst>
-                                  <p:childTnLst>
-                                    <p:set>
-                                      <p:cBhvr>
-                                        <p:cTn id="24" dur="1" fill="hold">
-                                          <p:stCondLst>
-                                            <p:cond delay="0"/>
-                                          </p:stCondLst>
-                                        </p:cTn>
-                                        <p:tgtEl>
-                                          <p:spTgt spid="2">
-                                            <p:txEl>
-                                              <p:pRg st="3" end="3"/>
-                                            </p:txEl>
-                                          </p:spTgt>
-                                        </p:tgtEl>
-                                        <p:attrNameLst>
-                                          <p:attrName>style.visibility</p:attrName>
-                                        </p:attrNameLst>
-                                      </p:cBhvr>
-                                      <p:to>
-                                        <p:strVal val="visible"/>
-                                      </p:to>
-                                    </p:set>
-                                    <p:animEffect transition="in" filter="fade">
-                                      <p:cBhvr>
-                                        <p:cTn id="25" dur="500"/>
-                                        <p:tgtEl>
-                                          <p:spTgt spid="2">
-                                            <p:txEl>
-                                              <p:pRg st="3" end="3"/>
-                                            </p:txEl>
-                                          </p:spTgt>
-                                        </p:tgtEl>
-                                      </p:cBhvr>
-                                    </p:animEffect>
-                                  </p:childTnLst>
-                                </p:cTn>
-                              </p:par>
-                              <p:par>
-                                <p:cTn id="26" presetID="42" presetClass="path" presetSubtype="0" accel="50000" decel="50000" fill="hold" nodeType="withEffect">
-                                  <p:stCondLst>
-                                    <p:cond delay="0"/>
-                                  </p:stCondLst>
-                                  <p:childTnLst>
-                                    <p:animMotion origin="layout" path="M 3.33333E-6 0 L -0.21667 -0.15556 " pathEditMode="relative" rAng="0" ptsTypes="AA">
-                                      <p:cBhvr>
-                                        <p:cTn id="27" dur="2000" fill="hold"/>
-                                        <p:tgtEl>
-                                          <p:spTgt spid="3"/>
+                                          <p:spTgt spid="15"/>
                                         </p:tgtEl>
                                         <p:attrNameLst>
                                           <p:attrName>ppt_x</p:attrName>
+                                        </p:attrNameLst>
+                                      </p:cBhvr>
+                                      <p:tavLst>
+                                        <p:tav tm="0">
+                                          <p:val>
+                                            <p:strVal val="0-#ppt_w/2"/>
+                                          </p:val>
+                                        </p:tav>
+                                        <p:tav tm="100000">
+                                          <p:val>
+                                            <p:strVal val="#ppt_x"/>
+                                          </p:val>
+                                        </p:tav>
+                                      </p:tavLst>
+                                    </p:anim>
+                                    <p:anim calcmode="lin" valueType="num">
+                                      <p:cBhvr additive="base">
+                                        <p:cTn id="8" dur="500" fill="hold"/>
+                                        <p:tgtEl>
+                                          <p:spTgt spid="15"/>
+                                        </p:tgtEl>
+                                        <p:attrNameLst>
                                           <p:attrName>ppt_y</p:attrName>
                                         </p:attrNameLst>
                                       </p:cBhvr>
-                                      <p:rCtr x="-10833" y="-7778"/>
-                                    </p:animMotion>
-                                  </p:childTnLst>
-                                </p:cTn>
-                              </p:par>
-                              <p:par>
-                                <p:cTn id="28" presetID="6" presetClass="emph" presetSubtype="0" fill="hold" nodeType="withEffect">
-                                  <p:stCondLst>
-                                    <p:cond delay="0"/>
-                                  </p:stCondLst>
-                                  <p:childTnLst>
-                                    <p:animScale>
-                                      <p:cBhvr>
-                                        <p:cTn id="29" dur="2000" fill="hold"/>
-                                        <p:tgtEl>
-                                          <p:spTgt spid="3"/>
-                                        </p:tgtEl>
-                                      </p:cBhvr>
-                                      <p:by x="25000" y="25000"/>
-                                    </p:animScale>
-                                  </p:childTnLst>
-                                </p:cTn>
-                              </p:par>
-                            </p:childTnLst>
-                          </p:cTn>
-                        </p:par>
-                        <p:par>
-                          <p:cTn id="30" fill="hold">
-                            <p:stCondLst>
-                              <p:cond delay="2000"/>
-                            </p:stCondLst>
-                            <p:childTnLst>
-                              <p:par>
-                                <p:cTn id="31" presetID="10" presetClass="entr" presetSubtype="0" fill="hold" nodeType="afterEffect">
-                                  <p:stCondLst>
-                                    <p:cond delay="0"/>
-                                  </p:stCondLst>
-                                  <p:childTnLst>
-                                    <p:set>
-                                      <p:cBhvr>
-                                        <p:cTn id="32" dur="1" fill="hold">
-                                          <p:stCondLst>
-                                            <p:cond delay="0"/>
-                                          </p:stCondLst>
-                                        </p:cTn>
-                                        <p:tgtEl>
-                                          <p:spTgt spid="8"/>
-                                        </p:tgtEl>
-                                        <p:attrNameLst>
-                                          <p:attrName>style.visibility</p:attrName>
-                                        </p:attrNameLst>
-                                      </p:cBhvr>
-                                      <p:to>
-                                        <p:strVal val="visible"/>
-                                      </p:to>
-                                    </p:set>
-                                    <p:animEffect transition="in" filter="fade">
-                                      <p:cBhvr>
-                                        <p:cTn id="33" dur="500"/>
-                                        <p:tgtEl>
-                                          <p:spTgt spid="8"/>
-                                        </p:tgtEl>
-                                      </p:cBhvr>
-                                    </p:animEffect>
-                                  </p:childTnLst>
-                                </p:cTn>
-                              </p:par>
-                            </p:childTnLst>
-                          </p:cTn>
-                        </p:par>
-                      </p:childTnLst>
-                    </p:cTn>
-                  </p:par>
-                  <p:par>
-                    <p:cTn id="34" fill="hold">
-                      <p:stCondLst>
-                        <p:cond delay="indefinite"/>
-                      </p:stCondLst>
-                      <p:childTnLst>
-                        <p:par>
-                          <p:cTn id="35" fill="hold">
-                            <p:stCondLst>
-                              <p:cond delay="0"/>
-                            </p:stCondLst>
-                            <p:childTnLst>
-                              <p:par>
-                                <p:cTn id="36" presetID="10" presetClass="entr" presetSubtype="0" fill="hold" nodeType="clickEffect">
-                                  <p:stCondLst>
-                                    <p:cond delay="0"/>
-                                  </p:stCondLst>
-                                  <p:childTnLst>
-                                    <p:set>
-                                      <p:cBhvr>
-                                        <p:cTn id="37" dur="1" fill="hold">
-                                          <p:stCondLst>
-                                            <p:cond delay="0"/>
-                                          </p:stCondLst>
-                                        </p:cTn>
-                                        <p:tgtEl>
-                                          <p:spTgt spid="2">
-                                            <p:txEl>
-                                              <p:pRg st="6" end="6"/>
-                                            </p:txEl>
-                                          </p:spTgt>
-                                        </p:tgtEl>
-                                        <p:attrNameLst>
-                                          <p:attrName>style.visibility</p:attrName>
-                                        </p:attrNameLst>
-                                      </p:cBhvr>
-                                      <p:to>
-                                        <p:strVal val="visible"/>
-                                      </p:to>
-                                    </p:set>
-                                    <p:animEffect transition="in" filter="fade">
-                                      <p:cBhvr>
-                                        <p:cTn id="38" dur="500"/>
-                                        <p:tgtEl>
-                                          <p:spTgt spid="2">
-                                            <p:txEl>
-                                              <p:pRg st="6" end="6"/>
-                                            </p:txEl>
-                                          </p:spTgt>
-                                        </p:tgtEl>
-                                      </p:cBhvr>
-                                    </p:animEffect>
-                                  </p:childTnLst>
-                                </p:cTn>
-                              </p:par>
-                              <p:par>
-                                <p:cTn id="39" presetID="42" presetClass="path" presetSubtype="0" accel="50000" decel="50000" fill="hold" nodeType="withEffect">
-                                  <p:stCondLst>
-                                    <p:cond delay="0"/>
-                                  </p:stCondLst>
-                                  <p:childTnLst>
-                                    <p:animMotion origin="layout" path="M -1.11111E-6 -3.7037E-7 L -0.26528 -0.03634 " pathEditMode="relative" rAng="0" ptsTypes="AA">
-                                      <p:cBhvr>
-                                        <p:cTn id="40" dur="2000" fill="hold"/>
-                                        <p:tgtEl>
-                                          <p:spTgt spid="8"/>
-                                        </p:tgtEl>
-                                        <p:attrNameLst>
-                                          <p:attrName>ppt_x</p:attrName>
-                                          <p:attrName>ppt_y</p:attrName>
-                                        </p:attrNameLst>
-                                      </p:cBhvr>
-                                      <p:rCtr x="-13264" y="-1829"/>
-                                    </p:animMotion>
-                                  </p:childTnLst>
-                                </p:cTn>
-                              </p:par>
-                              <p:par>
-                                <p:cTn id="41" presetID="6" presetClass="emph" presetSubtype="0" fill="hold" nodeType="withEffect">
-                                  <p:stCondLst>
-                                    <p:cond delay="0"/>
-                                  </p:stCondLst>
-                                  <p:childTnLst>
-                                    <p:animScale>
-                                      <p:cBhvr>
-                                        <p:cTn id="42" dur="2000" fill="hold"/>
-                                        <p:tgtEl>
-                                          <p:spTgt spid="8"/>
-                                        </p:tgtEl>
-                                      </p:cBhvr>
-                                      <p:by x="25000" y="25000"/>
-                                    </p:animScale>
-                                  </p:childTnLst>
-                                </p:cTn>
-                              </p:par>
-                            </p:childTnLst>
-                          </p:cTn>
-                        </p:par>
-                        <p:par>
-                          <p:cTn id="43" fill="hold">
-                            <p:stCondLst>
-                              <p:cond delay="2000"/>
-                            </p:stCondLst>
-                            <p:childTnLst>
-                              <p:par>
-                                <p:cTn id="44" presetID="10" presetClass="entr" presetSubtype="0" fill="hold" nodeType="afterEffect">
-                                  <p:stCondLst>
-                                    <p:cond delay="0"/>
-                                  </p:stCondLst>
-                                  <p:childTnLst>
-                                    <p:set>
-                                      <p:cBhvr>
-                                        <p:cTn id="45" dur="1" fill="hold">
-                                          <p:stCondLst>
-                                            <p:cond delay="0"/>
-                                          </p:stCondLst>
-                                        </p:cTn>
-                                        <p:tgtEl>
-                                          <p:spTgt spid="7"/>
-                                        </p:tgtEl>
-                                        <p:attrNameLst>
-                                          <p:attrName>style.visibility</p:attrName>
-                                        </p:attrNameLst>
-                                      </p:cBhvr>
-                                      <p:to>
-                                        <p:strVal val="visible"/>
-                                      </p:to>
-                                    </p:set>
-                                    <p:animEffect transition="in" filter="fade">
-                                      <p:cBhvr>
-                                        <p:cTn id="46" dur="500"/>
-                                        <p:tgtEl>
-                                          <p:spTgt spid="7"/>
-                                        </p:tgtEl>
-                                      </p:cBhvr>
-                                    </p:animEffect>
-                                  </p:childTnLst>
-                                </p:cTn>
-                              </p:par>
-                            </p:childTnLst>
-                          </p:cTn>
-                        </p:par>
-                      </p:childTnLst>
-                    </p:cTn>
-                  </p:par>
-                  <p:par>
-                    <p:cTn id="47" fill="hold">
-                      <p:stCondLst>
-                        <p:cond delay="indefinite"/>
-                      </p:stCondLst>
-                      <p:childTnLst>
-                        <p:par>
-                          <p:cTn id="48" fill="hold">
-                            <p:stCondLst>
-                              <p:cond delay="0"/>
-                            </p:stCondLst>
-                            <p:childTnLst>
-                              <p:par>
-                                <p:cTn id="49" presetID="42" presetClass="path" presetSubtype="0" accel="50000" decel="50000" fill="hold" nodeType="clickEffect">
-                                  <p:stCondLst>
-                                    <p:cond delay="0"/>
-                                  </p:stCondLst>
-                                  <p:childTnLst>
-                                    <p:animMotion origin="layout" path="M 5E-6 4.44444E-6 L -0.24896 -0.02616 " pathEditMode="relative" rAng="0" ptsTypes="AA">
-                                      <p:cBhvr>
-                                        <p:cTn id="50" dur="2000" fill="hold"/>
-                                        <p:tgtEl>
-                                          <p:spTgt spid="7"/>
-                                        </p:tgtEl>
-                                        <p:attrNameLst>
-                                          <p:attrName>ppt_x</p:attrName>
-                                          <p:attrName>ppt_y</p:attrName>
-                                        </p:attrNameLst>
-                                      </p:cBhvr>
-                                      <p:rCtr x="-12448" y="-1319"/>
-                                    </p:animMotion>
-                                  </p:childTnLst>
-                                </p:cTn>
-                              </p:par>
-                              <p:par>
-                                <p:cTn id="51" presetID="6" presetClass="emph" presetSubtype="0" fill="hold" nodeType="withEffect">
-                                  <p:stCondLst>
-                                    <p:cond delay="0"/>
-                                  </p:stCondLst>
-                                  <p:childTnLst>
-                                    <p:animScale>
-                                      <p:cBhvr>
-                                        <p:cTn id="52" dur="2000" fill="hold"/>
-                                        <p:tgtEl>
-                                          <p:spTgt spid="7"/>
-                                        </p:tgtEl>
-                                      </p:cBhvr>
-                                      <p:by x="25000" y="25000"/>
-                                    </p:animScale>
+                                      <p:tavLst>
+                                        <p:tav tm="0">
+                                          <p:val>
+                                            <p:strVal val="#ppt_y"/>
+                                          </p:val>
+                                        </p:tav>
+                                        <p:tav tm="100000">
+                                          <p:val>
+                                            <p:strVal val="#ppt_y"/>
+                                          </p:val>
+                                        </p:tav>
+                                      </p:tavLst>
+                                    </p:anim>
                                   </p:childTnLst>
                                 </p:cTn>
                               </p:par>
@@ -37837,13 +40303,12 @@
     </p:tnLst>
     <p:bldLst>
       <p:bldP spid="15" grpId="0" animBg="1"/>
-      <p:bldP spid="4" grpId="0" build="p"/>
     </p:bldLst>
   </p:timing>
 </p:sld>
 </file>
 
-<file path=ppt/slides/slide5.xml><?xml version="1.0" encoding="utf-8"?>
+<file path=ppt/slides/slide4.xml><?xml version="1.0" encoding="utf-8"?>
 <p:sld xmlns:a="http://schemas.openxmlformats.org/drawingml/2006/main" xmlns:r="http://schemas.openxmlformats.org/officeDocument/2006/relationships" xmlns:p="http://schemas.openxmlformats.org/presentationml/2006/main">
   <p:cSld>
     <p:spTree>
@@ -38360,7 +40825,7 @@
 </p:sld>
 </file>
 
-<file path=ppt/slides/slide6.xml><?xml version="1.0" encoding="utf-8"?>
+<file path=ppt/slides/slide5.xml><?xml version="1.0" encoding="utf-8"?>
 <p:sld xmlns:a="http://schemas.openxmlformats.org/drawingml/2006/main" xmlns:r="http://schemas.openxmlformats.org/officeDocument/2006/relationships" xmlns:p="http://schemas.openxmlformats.org/presentationml/2006/main">
   <p:cSld>
     <p:spTree>
@@ -39325,6 +41790,251 @@
 </p:sld>
 </file>
 
+<file path=ppt/slides/slide6.xml><?xml version="1.0" encoding="utf-8"?>
+<p:sld xmlns:a="http://schemas.openxmlformats.org/drawingml/2006/main" xmlns:r="http://schemas.openxmlformats.org/officeDocument/2006/relationships" xmlns:p="http://schemas.openxmlformats.org/presentationml/2006/main">
+  <p:cSld>
+    <p:spTree>
+      <p:nvGrpSpPr>
+        <p:cNvPr id="1" name=""/>
+        <p:cNvGrpSpPr/>
+        <p:nvPr/>
+      </p:nvGrpSpPr>
+      <p:grpSpPr>
+        <a:xfrm>
+          <a:off x="0" y="0"/>
+          <a:ext cx="0" cy="0"/>
+          <a:chOff x="0" y="0"/>
+          <a:chExt cx="0" cy="0"/>
+        </a:xfrm>
+      </p:grpSpPr>
+      <p:sp>
+        <p:nvSpPr>
+          <p:cNvPr id="15" name="TextBox 14"/>
+          <p:cNvSpPr txBox="1"/>
+          <p:nvPr/>
+        </p:nvSpPr>
+        <p:spPr>
+          <a:xfrm>
+            <a:off x="0" y="533400"/>
+            <a:ext cx="4343400" cy="461665"/>
+          </a:xfrm>
+          <a:prstGeom prst="rect">
+            <a:avLst/>
+          </a:prstGeom>
+          <a:solidFill>
+            <a:schemeClr val="tx1">
+              <a:lumMod val="95000"/>
+              <a:lumOff val="5000"/>
+              <a:alpha val="55000"/>
+            </a:schemeClr>
+          </a:solidFill>
+        </p:spPr>
+        <p:txBody>
+          <a:bodyPr wrap="square" rtlCol="0" anchor="ctr" anchorCtr="0">
+            <a:normAutofit/>
+          </a:bodyPr>
+          <a:lstStyle/>
+          <a:p>
+            <a:r>
+              <a:rPr lang="en-US" sz="2400" dirty="0" smtClean="0">
+                <a:solidFill>
+                  <a:schemeClr val="bg1"/>
+                </a:solidFill>
+              </a:rPr>
+              <a:t>Did you know</a:t>
+            </a:r>
+            <a:endParaRPr lang="en-US" sz="2400" b="1" dirty="0">
+              <a:solidFill>
+                <a:schemeClr val="bg1"/>
+              </a:solidFill>
+            </a:endParaRPr>
+          </a:p>
+        </p:txBody>
+      </p:sp>
+      <p:pic>
+        <p:nvPicPr>
+          <p:cNvPr id="1030" name="Picture 6" descr="http://www.rycast.com/design/lego/_img/modern_military_minifigs/modern_military_acu3.jpg"/>
+          <p:cNvPicPr>
+            <a:picLocks noChangeAspect="1" noChangeArrowheads="1"/>
+          </p:cNvPicPr>
+          <p:nvPr/>
+        </p:nvPicPr>
+        <p:blipFill>
+          <a:blip r:embed="rId3" cstate="screen">
+            <a:extLst>
+              <a:ext uri="{28A0092B-C50C-407E-A947-70E740481C1C}">
+                <a14:useLocalDpi xmlns:a14="http://schemas.microsoft.com/office/drawing/2010/main" val="0"/>
+              </a:ext>
+            </a:extLst>
+          </a:blip>
+          <a:srcRect/>
+          <a:stretch>
+            <a:fillRect/>
+          </a:stretch>
+        </p:blipFill>
+        <p:spPr bwMode="auto">
+          <a:xfrm>
+            <a:off x="838200" y="2209800"/>
+            <a:ext cx="6324600" cy="2745847"/>
+          </a:xfrm>
+          <a:prstGeom prst="rect">
+            <a:avLst/>
+          </a:prstGeom>
+          <a:noFill/>
+          <a:extLst>
+            <a:ext uri="{909E8E84-426E-40DD-AFC4-6F175D3DCCD1}">
+              <a14:hiddenFill xmlns:a14="http://schemas.microsoft.com/office/drawing/2010/main">
+                <a:solidFill>
+                  <a:srgbClr val="FFFFFF"/>
+                </a:solidFill>
+              </a14:hiddenFill>
+            </a:ext>
+          </a:extLst>
+        </p:spPr>
+      </p:pic>
+    </p:spTree>
+    <p:extLst>
+      <p:ext uri="{BB962C8B-B14F-4D97-AF65-F5344CB8AC3E}">
+        <p14:creationId xmlns:p14="http://schemas.microsoft.com/office/powerpoint/2010/main" val="3479698050"/>
+      </p:ext>
+    </p:extLst>
+  </p:cSld>
+  <p:clrMapOvr>
+    <a:masterClrMapping/>
+  </p:clrMapOvr>
+  <p:transition spd="slow">
+    <p:wipe/>
+  </p:transition>
+  <p:timing>
+    <p:tnLst>
+      <p:par>
+        <p:cTn id="1" dur="indefinite" restart="never" nodeType="tmRoot">
+          <p:childTnLst>
+            <p:seq concurrent="1" nextAc="seek">
+              <p:cTn id="2" dur="indefinite" nodeType="mainSeq">
+                <p:childTnLst>
+                  <p:par>
+                    <p:cTn id="3" fill="hold">
+                      <p:stCondLst>
+                        <p:cond delay="indefinite"/>
+                        <p:cond evt="onBegin" delay="0">
+                          <p:tn val="2"/>
+                        </p:cond>
+                      </p:stCondLst>
+                      <p:childTnLst>
+                        <p:par>
+                          <p:cTn id="4" fill="hold">
+                            <p:stCondLst>
+                              <p:cond delay="0"/>
+                            </p:stCondLst>
+                            <p:childTnLst>
+                              <p:par>
+                                <p:cTn id="5" presetID="2" presetClass="entr" presetSubtype="8" fill="hold" grpId="0" nodeType="afterEffect">
+                                  <p:stCondLst>
+                                    <p:cond delay="100"/>
+                                  </p:stCondLst>
+                                  <p:childTnLst>
+                                    <p:set>
+                                      <p:cBhvr>
+                                        <p:cTn id="6" dur="1" fill="hold">
+                                          <p:stCondLst>
+                                            <p:cond delay="0"/>
+                                          </p:stCondLst>
+                                        </p:cTn>
+                                        <p:tgtEl>
+                                          <p:spTgt spid="15"/>
+                                        </p:tgtEl>
+                                        <p:attrNameLst>
+                                          <p:attrName>style.visibility</p:attrName>
+                                        </p:attrNameLst>
+                                      </p:cBhvr>
+                                      <p:to>
+                                        <p:strVal val="visible"/>
+                                      </p:to>
+                                    </p:set>
+                                    <p:anim calcmode="lin" valueType="num">
+                                      <p:cBhvr additive="base">
+                                        <p:cTn id="7" dur="500" fill="hold"/>
+                                        <p:tgtEl>
+                                          <p:spTgt spid="15"/>
+                                        </p:tgtEl>
+                                        <p:attrNameLst>
+                                          <p:attrName>ppt_x</p:attrName>
+                                        </p:attrNameLst>
+                                      </p:cBhvr>
+                                      <p:tavLst>
+                                        <p:tav tm="0">
+                                          <p:val>
+                                            <p:strVal val="0-#ppt_w/2"/>
+                                          </p:val>
+                                        </p:tav>
+                                        <p:tav tm="100000">
+                                          <p:val>
+                                            <p:strVal val="#ppt_x"/>
+                                          </p:val>
+                                        </p:tav>
+                                      </p:tavLst>
+                                    </p:anim>
+                                    <p:anim calcmode="lin" valueType="num">
+                                      <p:cBhvr additive="base">
+                                        <p:cTn id="8" dur="500" fill="hold"/>
+                                        <p:tgtEl>
+                                          <p:spTgt spid="15"/>
+                                        </p:tgtEl>
+                                        <p:attrNameLst>
+                                          <p:attrName>ppt_y</p:attrName>
+                                        </p:attrNameLst>
+                                      </p:cBhvr>
+                                      <p:tavLst>
+                                        <p:tav tm="0">
+                                          <p:val>
+                                            <p:strVal val="#ppt_y"/>
+                                          </p:val>
+                                        </p:tav>
+                                        <p:tav tm="100000">
+                                          <p:val>
+                                            <p:strVal val="#ppt_y"/>
+                                          </p:val>
+                                        </p:tav>
+                                      </p:tavLst>
+                                    </p:anim>
+                                  </p:childTnLst>
+                                </p:cTn>
+                              </p:par>
+                            </p:childTnLst>
+                          </p:cTn>
+                        </p:par>
+                      </p:childTnLst>
+                    </p:cTn>
+                  </p:par>
+                </p:childTnLst>
+              </p:cTn>
+              <p:prevCondLst>
+                <p:cond evt="onPrev" delay="0">
+                  <p:tgtEl>
+                    <p:sldTgt/>
+                  </p:tgtEl>
+                </p:cond>
+              </p:prevCondLst>
+              <p:nextCondLst>
+                <p:cond evt="onNext" delay="0">
+                  <p:tgtEl>
+                    <p:sldTgt/>
+                  </p:tgtEl>
+                </p:cond>
+              </p:nextCondLst>
+            </p:seq>
+          </p:childTnLst>
+        </p:cTn>
+      </p:par>
+    </p:tnLst>
+    <p:bldLst>
+      <p:bldP spid="15" grpId="0" animBg="1"/>
+    </p:bldLst>
+  </p:timing>
+</p:sld>
+</file>
+
 <file path=ppt/slides/slide7.xml><?xml version="1.0" encoding="utf-8"?>
 <p:sld xmlns:a="http://schemas.openxmlformats.org/drawingml/2006/main" xmlns:r="http://schemas.openxmlformats.org/officeDocument/2006/relationships" xmlns:p="http://schemas.openxmlformats.org/presentationml/2006/main">
   <p:cSld>
@@ -39872,7 +42582,7 @@
               <a:rPr lang="en-US" sz="3600" dirty="0" smtClean="0">
                 <a:latin typeface="Myriad Pro Light" panose="020B0403030403020204" pitchFamily="34" charset="0"/>
               </a:rPr>
-              <a:t>The Language War has been won?</a:t>
+              <a:t>The War has been won?</a:t>
             </a:r>
             <a:endParaRPr lang="en-US" sz="3600" dirty="0">
               <a:latin typeface="Myriad Pro Light" panose="020B0403030403020204" pitchFamily="34" charset="0"/>
